--- a/2017 NASA Hackathon Taiwan.pptx
+++ b/2017 NASA Hackathon Taiwan.pptx
@@ -5,7 +5,7 @@
     <p:sldMasterId id="2147483660" r:id="rId1"/>
   </p:sldMasterIdLst>
   <p:notesMasterIdLst>
-    <p:notesMasterId r:id="rId28"/>
+    <p:notesMasterId r:id="rId29"/>
   </p:notesMasterIdLst>
   <p:sldIdLst>
     <p:sldId id="256" r:id="rId2"/>
@@ -15,25 +15,26 @@
     <p:sldId id="273" r:id="rId6"/>
     <p:sldId id="285" r:id="rId7"/>
     <p:sldId id="278" r:id="rId8"/>
-    <p:sldId id="279" r:id="rId9"/>
-    <p:sldId id="280" r:id="rId10"/>
+    <p:sldId id="280" r:id="rId9"/>
+    <p:sldId id="279" r:id="rId10"/>
     <p:sldId id="286" r:id="rId11"/>
     <p:sldId id="284" r:id="rId12"/>
-    <p:sldId id="287" r:id="rId13"/>
-    <p:sldId id="275" r:id="rId14"/>
-    <p:sldId id="289" r:id="rId15"/>
-    <p:sldId id="277" r:id="rId16"/>
-    <p:sldId id="288" r:id="rId17"/>
-    <p:sldId id="272" r:id="rId18"/>
-    <p:sldId id="262" r:id="rId19"/>
-    <p:sldId id="263" r:id="rId20"/>
-    <p:sldId id="264" r:id="rId21"/>
-    <p:sldId id="265" r:id="rId22"/>
-    <p:sldId id="266" r:id="rId23"/>
-    <p:sldId id="267" r:id="rId24"/>
-    <p:sldId id="268" r:id="rId25"/>
-    <p:sldId id="269" r:id="rId26"/>
-    <p:sldId id="270" r:id="rId27"/>
+    <p:sldId id="290" r:id="rId13"/>
+    <p:sldId id="287" r:id="rId14"/>
+    <p:sldId id="275" r:id="rId15"/>
+    <p:sldId id="289" r:id="rId16"/>
+    <p:sldId id="277" r:id="rId17"/>
+    <p:sldId id="288" r:id="rId18"/>
+    <p:sldId id="272" r:id="rId19"/>
+    <p:sldId id="262" r:id="rId20"/>
+    <p:sldId id="263" r:id="rId21"/>
+    <p:sldId id="264" r:id="rId22"/>
+    <p:sldId id="265" r:id="rId23"/>
+    <p:sldId id="266" r:id="rId24"/>
+    <p:sldId id="267" r:id="rId25"/>
+    <p:sldId id="268" r:id="rId26"/>
+    <p:sldId id="269" r:id="rId27"/>
+    <p:sldId id="270" r:id="rId28"/>
   </p:sldIdLst>
   <p:sldSz cx="9144000" cy="6858000" type="screen4x3"/>
   <p:notesSz cx="6858000" cy="9144000"/>
@@ -5868,7 +5869,7 @@
           <a:p>
             <a:fld id="{E1E86A7A-222E-414A-B32A-43B3E86010A6}" type="slidenum">
               <a:rPr lang="zh-TW" altLang="en-US" smtClean="0"/>
-              <a:t>9</a:t>
+              <a:t>8</a:t>
             </a:fld>
             <a:endParaRPr lang="zh-TW" altLang="en-US"/>
           </a:p>
@@ -5952,7 +5953,7 @@
           <a:p>
             <a:fld id="{E1E86A7A-222E-414A-B32A-43B3E86010A6}" type="slidenum">
               <a:rPr lang="zh-TW" altLang="en-US" smtClean="0"/>
-              <a:t>19</a:t>
+              <a:t>20</a:t>
             </a:fld>
             <a:endParaRPr lang="zh-TW" altLang="en-US"/>
           </a:p>
@@ -9125,7 +9126,7 @@
 </file>
 
 <file path=ppt/slides/slide10.xml><?xml version="1.0" encoding="utf-8"?>
-<p:sld xmlns:a="http://schemas.openxmlformats.org/drawingml/2006/main" xmlns:r="http://schemas.openxmlformats.org/officeDocument/2006/relationships" xmlns:p="http://schemas.openxmlformats.org/presentationml/2006/main">
+<p:sld xmlns:a="http://schemas.openxmlformats.org/drawingml/2006/main" xmlns:r="http://schemas.openxmlformats.org/officeDocument/2006/relationships" xmlns:p="http://schemas.openxmlformats.org/presentationml/2006/main" show="0">
   <p:cSld>
     <p:spTree>
       <p:nvGrpSpPr>
@@ -9343,6 +9344,14 @@
   <p:clrMapOvr>
     <a:masterClrMapping/>
   </p:clrMapOvr>
+  <mc:AlternateContent xmlns:mc="http://schemas.openxmlformats.org/markup-compatibility/2006">
+    <mc:Choice xmlns:p14="http://schemas.microsoft.com/office/powerpoint/2010/main" Requires="p14">
+      <p:transition spd="slow" p14:dur="2000"/>
+    </mc:Choice>
+    <mc:Fallback>
+      <p:transition spd="slow"/>
+    </mc:Fallback>
+  </mc:AlternateContent>
   <p:timing>
     <p:tnLst>
       <p:par>
@@ -9354,7 +9363,7 @@
 </file>
 
 <file path=ppt/slides/slide11.xml><?xml version="1.0" encoding="utf-8"?>
-<p:sld xmlns:a="http://schemas.openxmlformats.org/drawingml/2006/main" xmlns:r="http://schemas.openxmlformats.org/officeDocument/2006/relationships" xmlns:p="http://schemas.openxmlformats.org/presentationml/2006/main">
+<p:sld xmlns:a="http://schemas.openxmlformats.org/drawingml/2006/main" xmlns:r="http://schemas.openxmlformats.org/officeDocument/2006/relationships" xmlns:p="http://schemas.openxmlformats.org/presentationml/2006/main" show="0">
   <p:cSld>
     <p:spTree>
       <p:nvGrpSpPr>
@@ -9809,6 +9818,14 @@
   <p:clrMapOvr>
     <a:masterClrMapping/>
   </p:clrMapOvr>
+  <mc:AlternateContent xmlns:mc="http://schemas.openxmlformats.org/markup-compatibility/2006">
+    <mc:Choice xmlns:p14="http://schemas.microsoft.com/office/powerpoint/2010/main" Requires="p14">
+      <p:transition spd="slow" p14:dur="2000"/>
+    </mc:Choice>
+    <mc:Fallback>
+      <p:transition spd="slow"/>
+    </mc:Fallback>
+  </mc:AlternateContent>
   <p:timing>
     <p:tnLst>
       <p:par>
@@ -9854,12 +9871,12 @@
           <a:lstStyle/>
           <a:p>
             <a:r>
-              <a:rPr lang="en-US" altLang="zh-TW" sz="4400" dirty="0">
+              <a:rPr lang="en-US" altLang="zh-TW" sz="5400" dirty="0">
                 <a:latin typeface="Comic Sans MS" panose="030F0702030302020204" pitchFamily="66" charset="0"/>
               </a:rPr>
-              <a:t>BACK UP</a:t>
-            </a:r>
-            <a:endParaRPr lang="zh-TW" altLang="en-US" sz="4400" dirty="0">
+              <a:t>Thank You for Listening</a:t>
+            </a:r>
+            <a:endParaRPr lang="zh-TW" altLang="en-US" sz="5400" dirty="0">
               <a:latin typeface="Comic Sans MS" panose="030F0702030302020204" pitchFamily="66" charset="0"/>
             </a:endParaRPr>
           </a:p>
@@ -9880,14 +9897,14 @@
           <a:bodyPr/>
           <a:lstStyle/>
           <a:p>
-            <a:endParaRPr lang="zh-TW" altLang="en-US"/>
+            <a:endParaRPr lang="zh-TW" altLang="en-US" dirty="0"/>
           </a:p>
         </p:txBody>
       </p:sp>
     </p:spTree>
     <p:extLst>
       <p:ext uri="{BB962C8B-B14F-4D97-AF65-F5344CB8AC3E}">
-        <p14:creationId xmlns:p14="http://schemas.microsoft.com/office/powerpoint/2010/main" val="1093377976"/>
+        <p14:creationId xmlns:p14="http://schemas.microsoft.com/office/powerpoint/2010/main" val="1956475567"/>
       </p:ext>
     </p:extLst>
   </p:cSld>
@@ -9923,7 +9940,7 @@
       </p:grpSpPr>
       <p:sp>
         <p:nvSpPr>
-          <p:cNvPr id="2" name="標題 1"/>
+          <p:cNvPr id="6" name="標題 5"/>
           <p:cNvSpPr>
             <a:spLocks noGrp="1"/>
           </p:cNvSpPr>
@@ -9933,16 +9950,18 @@
         </p:nvSpPr>
         <p:spPr/>
         <p:txBody>
-          <a:bodyPr/>
+          <a:bodyPr>
+            <a:normAutofit/>
+          </a:bodyPr>
           <a:lstStyle/>
           <a:p>
             <a:r>
-              <a:rPr lang="en-US" altLang="zh-TW" dirty="0" smtClean="0">
+              <a:rPr lang="en-US" altLang="zh-TW" sz="4400" dirty="0">
                 <a:latin typeface="Comic Sans MS" panose="030F0702030302020204" pitchFamily="66" charset="0"/>
               </a:rPr>
-              <a:t>Outline</a:t>
-            </a:r>
-            <a:endParaRPr lang="zh-TW" altLang="en-US" dirty="0">
+              <a:t>BACK UP</a:t>
+            </a:r>
+            <a:endParaRPr lang="zh-TW" altLang="en-US" sz="4400" dirty="0">
               <a:latin typeface="Comic Sans MS" panose="030F0702030302020204" pitchFamily="66" charset="0"/>
             </a:endParaRPr>
           </a:p>
@@ -9950,143 +9969,27 @@
       </p:sp>
       <p:sp>
         <p:nvSpPr>
-          <p:cNvPr id="3" name="內容版面配置區 2"/>
+          <p:cNvPr id="7" name="文字版面配置區 6"/>
           <p:cNvSpPr>
             <a:spLocks noGrp="1"/>
           </p:cNvSpPr>
           <p:nvPr>
-            <p:ph idx="1"/>
+            <p:ph type="body" idx="1"/>
           </p:nvPr>
         </p:nvSpPr>
         <p:spPr/>
         <p:txBody>
-          <a:bodyPr>
-            <a:normAutofit lnSpcReduction="10000"/>
-          </a:bodyPr>
+          <a:bodyPr/>
           <a:lstStyle/>
           <a:p>
-            <a:r>
-              <a:rPr lang="en-US" altLang="zh-TW" dirty="0"/>
-              <a:t>Challenge</a:t>
-            </a:r>
-            <a:r>
-              <a:rPr lang="zh-TW" altLang="en-US"/>
-              <a:t> </a:t>
-            </a:r>
-            <a:r>
-              <a:rPr lang="zh-TW" altLang="en-US" smtClean="0"/>
-              <a:t>挑戰</a:t>
-            </a:r>
-            <a:endParaRPr lang="en-US" altLang="zh-TW" dirty="0"/>
-          </a:p>
-          <a:p>
-            <a:r>
-              <a:rPr lang="en-US" altLang="zh-TW" dirty="0" smtClean="0"/>
-              <a:t>Background </a:t>
-            </a:r>
-            <a:r>
-              <a:rPr lang="zh-TW" altLang="en-US" dirty="0" smtClean="0"/>
-              <a:t>背景</a:t>
-            </a:r>
-            <a:endParaRPr lang="en-US" altLang="zh-TW" dirty="0" smtClean="0"/>
-          </a:p>
-          <a:p>
-            <a:r>
-              <a:rPr lang="en-US" altLang="zh-TW" dirty="0" smtClean="0"/>
-              <a:t>Problem Definition</a:t>
-            </a:r>
-          </a:p>
-          <a:p>
-            <a:r>
-              <a:rPr lang="en-US" altLang="zh-TW" dirty="0" smtClean="0"/>
-              <a:t>An Idea - Solution</a:t>
-            </a:r>
-            <a:r>
-              <a:rPr lang="zh-TW" altLang="en-US" dirty="0" smtClean="0"/>
-              <a:t> 作品介紹</a:t>
-            </a:r>
-            <a:endParaRPr lang="en-US" altLang="zh-TW" dirty="0" smtClean="0"/>
-          </a:p>
-          <a:p>
-            <a:r>
-              <a:rPr lang="en-US" altLang="zh-TW" dirty="0" smtClean="0"/>
-              <a:t>Demonstration </a:t>
-            </a:r>
-            <a:r>
-              <a:rPr lang="zh-TW" altLang="en-US" dirty="0" smtClean="0"/>
-              <a:t>運行方法</a:t>
-            </a:r>
-            <a:endParaRPr lang="en-US" altLang="zh-TW" dirty="0" smtClean="0"/>
-          </a:p>
-          <a:p>
-            <a:r>
-              <a:rPr lang="en-US" altLang="zh-TW" dirty="0" smtClean="0"/>
-              <a:t>Requirement </a:t>
-            </a:r>
-            <a:r>
-              <a:rPr lang="zh-TW" altLang="en-US" dirty="0" smtClean="0"/>
-              <a:t>執行作品所需要的資源</a:t>
-            </a:r>
-            <a:endParaRPr lang="en-US" altLang="zh-TW" dirty="0" smtClean="0"/>
-          </a:p>
-          <a:p>
-            <a:r>
-              <a:rPr lang="en-US" altLang="zh-TW" dirty="0" smtClean="0"/>
-              <a:t>Solution Details </a:t>
-            </a:r>
-            <a:r>
-              <a:rPr lang="zh-TW" altLang="en-US" dirty="0" smtClean="0"/>
-              <a:t>執行方法</a:t>
-            </a:r>
-            <a:r>
-              <a:rPr lang="en-US" altLang="zh-TW" dirty="0" smtClean="0"/>
-              <a:t>(</a:t>
-            </a:r>
-            <a:r>
-              <a:rPr lang="zh-TW" altLang="en-US" dirty="0" smtClean="0"/>
-              <a:t>執行步驟</a:t>
-            </a:r>
-            <a:r>
-              <a:rPr lang="en-US" altLang="zh-TW" dirty="0" smtClean="0"/>
-              <a:t>)</a:t>
-            </a:r>
-          </a:p>
-          <a:p>
-            <a:r>
-              <a:rPr lang="en-US" altLang="zh-TW" dirty="0" smtClean="0"/>
-              <a:t>Example</a:t>
-            </a:r>
-            <a:r>
-              <a:rPr lang="zh-TW" altLang="en-US" dirty="0" smtClean="0"/>
-              <a:t> 提供觀眾一個將你的作品應用於現實生活，有能力改變及影響社區</a:t>
-            </a:r>
-            <a:r>
-              <a:rPr lang="en-US" altLang="zh-TW" dirty="0" smtClean="0"/>
-              <a:t>/</a:t>
-            </a:r>
-            <a:r>
-              <a:rPr lang="zh-TW" altLang="en-US" dirty="0" smtClean="0"/>
-              <a:t>城市</a:t>
-            </a:r>
-            <a:r>
-              <a:rPr lang="en-US" altLang="zh-TW" dirty="0" smtClean="0"/>
-              <a:t>/</a:t>
-            </a:r>
-            <a:r>
-              <a:rPr lang="zh-TW" altLang="en-US" dirty="0" smtClean="0"/>
-              <a:t>國家的例子。</a:t>
-            </a:r>
-            <a:endParaRPr lang="en-US" altLang="zh-TW" dirty="0" smtClean="0"/>
-          </a:p>
-          <a:p>
-            <a:endParaRPr lang="en-US" altLang="zh-TW" dirty="0" smtClean="0"/>
+            <a:endParaRPr lang="zh-TW" altLang="en-US"/>
           </a:p>
         </p:txBody>
       </p:sp>
     </p:spTree>
     <p:extLst>
       <p:ext uri="{BB962C8B-B14F-4D97-AF65-F5344CB8AC3E}">
-        <p14:creationId xmlns:p14="http://schemas.microsoft.com/office/powerpoint/2010/main" val="1362579498"/>
+        <p14:creationId xmlns:p14="http://schemas.microsoft.com/office/powerpoint/2010/main" val="1093377976"/>
       </p:ext>
     </p:extLst>
   </p:cSld>
@@ -10135,7 +10038,15 @@
           <a:bodyPr/>
           <a:lstStyle/>
           <a:p>
-            <a:endParaRPr lang="zh-TW" altLang="en-US"/>
+            <a:r>
+              <a:rPr lang="en-US" altLang="zh-TW" dirty="0" smtClean="0">
+                <a:latin typeface="Comic Sans MS" panose="030F0702030302020204" pitchFamily="66" charset="0"/>
+              </a:rPr>
+              <a:t>Outline</a:t>
+            </a:r>
+            <a:endParaRPr lang="zh-TW" altLang="en-US" dirty="0">
+              <a:latin typeface="Comic Sans MS" panose="030F0702030302020204" pitchFamily="66" charset="0"/>
+            </a:endParaRPr>
           </a:p>
         </p:txBody>
       </p:sp>
@@ -10152,39 +10063,132 @@
         <p:spPr/>
         <p:txBody>
           <a:bodyPr>
-            <a:normAutofit fontScale="85000" lnSpcReduction="10000"/>
+            <a:normAutofit lnSpcReduction="10000"/>
           </a:bodyPr>
           <a:lstStyle/>
           <a:p>
             <a:r>
-              <a:rPr lang="en-US" altLang="zh-TW" i="1" dirty="0"/>
-              <a:t>Goal 1.5:  By 2030, build the resilience of the poor and those in vulnerable situations and reduce their exposure and vulnerability to climate-related extreme events and other economic, social and environmental shocks and disasters.</a:t>
+              <a:rPr lang="en-US" altLang="zh-TW" dirty="0"/>
+              <a:t>Challenge</a:t>
+            </a:r>
+            <a:r>
+              <a:rPr lang="zh-TW" altLang="en-US" dirty="0"/>
+              <a:t> </a:t>
+            </a:r>
+            <a:r>
+              <a:rPr lang="zh-TW" altLang="en-US" dirty="0" smtClean="0"/>
+              <a:t>挑戰</a:t>
             </a:r>
             <a:endParaRPr lang="en-US" altLang="zh-TW" dirty="0"/>
           </a:p>
           <a:p>
             <a:r>
-              <a:rPr lang="en-US" altLang="zh-TW" i="1" dirty="0"/>
-              <a:t>Goal 11.5: By 2030, significantly reduce the number of deaths and the number of people affected and substantially decrease the direct economic losses relative to global gross domestic product caused by disasters, including water-related disasters, with a focus on protecting the poor and people in vulnerable situations.</a:t>
-            </a:r>
-            <a:endParaRPr lang="en-US" altLang="zh-TW" dirty="0"/>
-          </a:p>
-          <a:p>
-            <a:r>
-              <a:rPr lang="en-US" altLang="zh-TW" i="1" dirty="0"/>
-              <a:t>Goal 13.1:  Strengthen resilience and adaptive capacity to climate-related hazards and natural disasters in all countries</a:t>
-            </a:r>
-            <a:endParaRPr lang="en-US" altLang="zh-TW" dirty="0"/>
-          </a:p>
-          <a:p>
-            <a:endParaRPr lang="zh-TW" altLang="en-US" dirty="0"/>
+              <a:rPr lang="en-US" altLang="zh-TW" dirty="0" smtClean="0"/>
+              <a:t>Background </a:t>
+            </a:r>
+            <a:r>
+              <a:rPr lang="zh-TW" altLang="en-US" dirty="0" smtClean="0"/>
+              <a:t>背景</a:t>
+            </a:r>
+            <a:endParaRPr lang="en-US" altLang="zh-TW" dirty="0" smtClean="0"/>
+          </a:p>
+          <a:p>
+            <a:r>
+              <a:rPr lang="en-US" altLang="zh-TW" dirty="0" smtClean="0"/>
+              <a:t>Problem Definition</a:t>
+            </a:r>
+          </a:p>
+          <a:p>
+            <a:r>
+              <a:rPr lang="en-US" altLang="zh-TW" dirty="0" smtClean="0"/>
+              <a:t>An Idea - Solution</a:t>
+            </a:r>
+            <a:r>
+              <a:rPr lang="zh-TW" altLang="en-US" dirty="0" smtClean="0"/>
+              <a:t> 作品介紹</a:t>
+            </a:r>
+            <a:endParaRPr lang="en-US" altLang="zh-TW" dirty="0" smtClean="0"/>
+          </a:p>
+          <a:p>
+            <a:r>
+              <a:rPr lang="en-US" altLang="zh-TW" dirty="0" smtClean="0"/>
+              <a:t>Demonstration </a:t>
+            </a:r>
+            <a:r>
+              <a:rPr lang="zh-TW" altLang="en-US" dirty="0" smtClean="0"/>
+              <a:t>運行方法</a:t>
+            </a:r>
+            <a:endParaRPr lang="en-US" altLang="zh-TW" dirty="0" smtClean="0"/>
+          </a:p>
+          <a:p>
+            <a:r>
+              <a:rPr lang="en-US" altLang="zh-TW" dirty="0" smtClean="0"/>
+              <a:t>Requirement </a:t>
+            </a:r>
+            <a:r>
+              <a:rPr lang="zh-TW" altLang="en-US" dirty="0" smtClean="0"/>
+              <a:t>執行作品所需要的資源</a:t>
+            </a:r>
+            <a:endParaRPr lang="en-US" altLang="zh-TW" dirty="0" smtClean="0"/>
+          </a:p>
+          <a:p>
+            <a:r>
+              <a:rPr lang="en-US" altLang="zh-TW" dirty="0" smtClean="0"/>
+              <a:t>Solution Details </a:t>
+            </a:r>
+            <a:r>
+              <a:rPr lang="zh-TW" altLang="en-US" dirty="0" smtClean="0"/>
+              <a:t>執行方法</a:t>
+            </a:r>
+            <a:r>
+              <a:rPr lang="en-US" altLang="zh-TW" dirty="0" smtClean="0"/>
+              <a:t>(</a:t>
+            </a:r>
+            <a:r>
+              <a:rPr lang="zh-TW" altLang="en-US" dirty="0" smtClean="0"/>
+              <a:t>執行步驟</a:t>
+            </a:r>
+            <a:r>
+              <a:rPr lang="en-US" altLang="zh-TW" dirty="0" smtClean="0"/>
+              <a:t>)</a:t>
+            </a:r>
+          </a:p>
+          <a:p>
+            <a:r>
+              <a:rPr lang="en-US" altLang="zh-TW" dirty="0" smtClean="0"/>
+              <a:t>Example</a:t>
+            </a:r>
+            <a:r>
+              <a:rPr lang="zh-TW" altLang="en-US" dirty="0" smtClean="0"/>
+              <a:t> 提供觀眾一個將你的作品應用於現實生活，有能力改變及影響社區</a:t>
+            </a:r>
+            <a:r>
+              <a:rPr lang="en-US" altLang="zh-TW" dirty="0" smtClean="0"/>
+              <a:t>/</a:t>
+            </a:r>
+            <a:r>
+              <a:rPr lang="zh-TW" altLang="en-US" dirty="0" smtClean="0"/>
+              <a:t>城市</a:t>
+            </a:r>
+            <a:r>
+              <a:rPr lang="en-US" altLang="zh-TW" dirty="0" smtClean="0"/>
+              <a:t>/</a:t>
+            </a:r>
+            <a:r>
+              <a:rPr lang="zh-TW" altLang="en-US" dirty="0" smtClean="0"/>
+              <a:t>國家的例子。</a:t>
+            </a:r>
+            <a:endParaRPr lang="en-US" altLang="zh-TW" dirty="0" smtClean="0"/>
+          </a:p>
+          <a:p>
+            <a:endParaRPr lang="en-US" altLang="zh-TW" dirty="0" smtClean="0"/>
           </a:p>
         </p:txBody>
       </p:sp>
     </p:spTree>
     <p:extLst>
       <p:ext uri="{BB962C8B-B14F-4D97-AF65-F5344CB8AC3E}">
-        <p14:creationId xmlns:p14="http://schemas.microsoft.com/office/powerpoint/2010/main" val="1955220666"/>
+        <p14:creationId xmlns:p14="http://schemas.microsoft.com/office/powerpoint/2010/main" val="1362579498"/>
       </p:ext>
     </p:extLst>
   </p:cSld>
@@ -10250,208 +10254,39 @@
         <p:spPr/>
         <p:txBody>
           <a:bodyPr>
-            <a:normAutofit/>
+            <a:normAutofit fontScale="85000" lnSpcReduction="10000"/>
           </a:bodyPr>
           <a:lstStyle/>
           <a:p>
             <a:r>
-              <a:rPr lang="zh-TW" altLang="en-US" sz="2000" dirty="0">
-                <a:latin typeface="微軟正黑體" panose="020B0604030504040204" pitchFamily="34" charset="-120"/>
-                <a:ea typeface="微軟正黑體" panose="020B0604030504040204" pitchFamily="34" charset="-120"/>
-              </a:rPr>
-              <a:t>聯合國大會為建立世界各國和利益關係者之間的合作夥伴關係，採納了永續發展目標</a:t>
-            </a:r>
-            <a:r>
-              <a:rPr lang="en-US" altLang="zh-TW" sz="2000" dirty="0">
-                <a:latin typeface="微軟正黑體" panose="020B0604030504040204" pitchFamily="34" charset="-120"/>
-                <a:ea typeface="微軟正黑體" panose="020B0604030504040204" pitchFamily="34" charset="-120"/>
-              </a:rPr>
-              <a:t>(Sustainable Development Goals, SDG)</a:t>
-            </a:r>
-            <a:r>
-              <a:rPr lang="zh-TW" altLang="en-US" sz="2000" dirty="0">
-                <a:latin typeface="微軟正黑體" panose="020B0604030504040204" pitchFamily="34" charset="-120"/>
-                <a:ea typeface="微軟正黑體" panose="020B0604030504040204" pitchFamily="34" charset="-120"/>
-              </a:rPr>
-              <a:t>決議，期盼藉此在經濟、社會和環境三個面向取得永續發展，增進全球的團結合作，為人類打造一個更美好的未來。此項挑戰呼應了以下的永續發展細項目標</a:t>
-            </a:r>
-            <a:r>
-              <a:rPr lang="en-US" altLang="zh-TW" sz="2000" dirty="0">
-                <a:latin typeface="微軟正黑體" panose="020B0604030504040204" pitchFamily="34" charset="-120"/>
-                <a:ea typeface="微軟正黑體" panose="020B0604030504040204" pitchFamily="34" charset="-120"/>
-              </a:rPr>
-              <a:t>:</a:t>
-            </a:r>
-            <a:endParaRPr lang="zh-TW" altLang="en-US" sz="2000" dirty="0">
-              <a:latin typeface="微軟正黑體" panose="020B0604030504040204" pitchFamily="34" charset="-120"/>
-              <a:ea typeface="微軟正黑體" panose="020B0604030504040204" pitchFamily="34" charset="-120"/>
-            </a:endParaRPr>
-          </a:p>
-          <a:p>
-            <a:r>
-              <a:rPr lang="zh-TW" altLang="en-US" sz="2000" dirty="0">
-                <a:latin typeface="微軟正黑體" panose="020B0604030504040204" pitchFamily="34" charset="-120"/>
-                <a:ea typeface="微軟正黑體" panose="020B0604030504040204" pitchFamily="34" charset="-120"/>
-              </a:rPr>
-              <a:t>目標</a:t>
-            </a:r>
-            <a:r>
-              <a:rPr lang="en-US" altLang="zh-TW" sz="2000" dirty="0">
-                <a:latin typeface="微軟正黑體" panose="020B0604030504040204" pitchFamily="34" charset="-120"/>
-                <a:ea typeface="微軟正黑體" panose="020B0604030504040204" pitchFamily="34" charset="-120"/>
-              </a:rPr>
-              <a:t>1.5:</a:t>
-            </a:r>
-            <a:r>
-              <a:rPr lang="zh-TW" altLang="en-US" sz="2000" dirty="0">
-                <a:latin typeface="微軟正黑體" panose="020B0604030504040204" pitchFamily="34" charset="-120"/>
-                <a:ea typeface="微軟正黑體" panose="020B0604030504040204" pitchFamily="34" charset="-120"/>
-              </a:rPr>
-              <a:t>在</a:t>
-            </a:r>
-            <a:r>
-              <a:rPr lang="en-US" altLang="zh-TW" sz="2000" dirty="0">
-                <a:latin typeface="微軟正黑體" panose="020B0604030504040204" pitchFamily="34" charset="-120"/>
-                <a:ea typeface="微軟正黑體" panose="020B0604030504040204" pitchFamily="34" charset="-120"/>
-              </a:rPr>
-              <a:t>2030</a:t>
-            </a:r>
-            <a:r>
-              <a:rPr lang="zh-TW" altLang="en-US" sz="2000" dirty="0">
-                <a:latin typeface="微軟正黑體" panose="020B0604030504040204" pitchFamily="34" charset="-120"/>
-                <a:ea typeface="微軟正黑體" panose="020B0604030504040204" pitchFamily="34" charset="-120"/>
-              </a:rPr>
-              <a:t>年前，增進貧窮及弱勢族群災後的復原能力，並減少極端氣候事件和其他經濟、社會、環境災難事件對這些族群的影響和衝擊。</a:t>
-            </a:r>
-          </a:p>
-          <a:p>
-            <a:r>
-              <a:rPr lang="zh-TW" altLang="en-US" sz="2000" dirty="0">
-                <a:latin typeface="微軟正黑體" panose="020B0604030504040204" pitchFamily="34" charset="-120"/>
-                <a:ea typeface="微軟正黑體" panose="020B0604030504040204" pitchFamily="34" charset="-120"/>
-              </a:rPr>
-              <a:t>目標</a:t>
-            </a:r>
-            <a:r>
-              <a:rPr lang="en-US" altLang="zh-TW" sz="2000" dirty="0">
-                <a:latin typeface="微軟正黑體" panose="020B0604030504040204" pitchFamily="34" charset="-120"/>
-                <a:ea typeface="微軟正黑體" panose="020B0604030504040204" pitchFamily="34" charset="-120"/>
-              </a:rPr>
-              <a:t>11.5:</a:t>
-            </a:r>
-            <a:r>
-              <a:rPr lang="zh-TW" altLang="en-US" sz="2000" dirty="0">
-                <a:latin typeface="微軟正黑體" panose="020B0604030504040204" pitchFamily="34" charset="-120"/>
-                <a:ea typeface="微軟正黑體" panose="020B0604030504040204" pitchFamily="34" charset="-120"/>
-              </a:rPr>
-              <a:t>在</a:t>
-            </a:r>
-            <a:r>
-              <a:rPr lang="en-US" altLang="zh-TW" sz="2000" dirty="0">
-                <a:latin typeface="微軟正黑體" panose="020B0604030504040204" pitchFamily="34" charset="-120"/>
-                <a:ea typeface="微軟正黑體" panose="020B0604030504040204" pitchFamily="34" charset="-120"/>
-              </a:rPr>
-              <a:t>2030</a:t>
-            </a:r>
-            <a:r>
-              <a:rPr lang="zh-TW" altLang="en-US" sz="2000" dirty="0">
-                <a:latin typeface="微軟正黑體" panose="020B0604030504040204" pitchFamily="34" charset="-120"/>
-                <a:ea typeface="微軟正黑體" panose="020B0604030504040204" pitchFamily="34" charset="-120"/>
-              </a:rPr>
-              <a:t>年前，大幅降低重大災難</a:t>
-            </a:r>
-            <a:r>
-              <a:rPr lang="en-US" altLang="zh-TW" sz="2000" dirty="0">
-                <a:latin typeface="微軟正黑體" panose="020B0604030504040204" pitchFamily="34" charset="-120"/>
-                <a:ea typeface="微軟正黑體" panose="020B0604030504040204" pitchFamily="34" charset="-120"/>
-              </a:rPr>
-              <a:t>(</a:t>
-            </a:r>
-            <a:r>
-              <a:rPr lang="zh-TW" altLang="en-US" sz="2000" dirty="0">
-                <a:latin typeface="微軟正黑體" panose="020B0604030504040204" pitchFamily="34" charset="-120"/>
-                <a:ea typeface="微軟正黑體" panose="020B0604030504040204" pitchFamily="34" charset="-120"/>
-              </a:rPr>
-              <a:t>例如</a:t>
-            </a:r>
-            <a:r>
-              <a:rPr lang="en-US" altLang="zh-TW" sz="2000" dirty="0">
-                <a:latin typeface="微軟正黑體" panose="020B0604030504040204" pitchFamily="34" charset="-120"/>
-                <a:ea typeface="微軟正黑體" panose="020B0604030504040204" pitchFamily="34" charset="-120"/>
-              </a:rPr>
-              <a:t>:</a:t>
-            </a:r>
-            <a:r>
-              <a:rPr lang="zh-TW" altLang="en-US" sz="2000" dirty="0">
-                <a:latin typeface="微軟正黑體" panose="020B0604030504040204" pitchFamily="34" charset="-120"/>
-                <a:ea typeface="微軟正黑體" panose="020B0604030504040204" pitchFamily="34" charset="-120"/>
-              </a:rPr>
-              <a:t>水患</a:t>
-            </a:r>
-            <a:r>
-              <a:rPr lang="en-US" altLang="zh-TW" sz="2000" dirty="0">
-                <a:latin typeface="微軟正黑體" panose="020B0604030504040204" pitchFamily="34" charset="-120"/>
-                <a:ea typeface="微軟正黑體" panose="020B0604030504040204" pitchFamily="34" charset="-120"/>
-              </a:rPr>
-              <a:t>)</a:t>
-            </a:r>
-            <a:r>
-              <a:rPr lang="zh-TW" altLang="en-US" sz="2000" dirty="0">
-                <a:latin typeface="微軟正黑體" panose="020B0604030504040204" pitchFamily="34" charset="-120"/>
-                <a:ea typeface="微軟正黑體" panose="020B0604030504040204" pitchFamily="34" charset="-120"/>
-              </a:rPr>
-              <a:t>所造成的死亡人數和受災人數，並大幅減少這些災害造成的與</a:t>
-            </a:r>
-            <a:r>
-              <a:rPr lang="en-US" altLang="zh-TW" sz="2000" dirty="0">
-                <a:latin typeface="微軟正黑體" panose="020B0604030504040204" pitchFamily="34" charset="-120"/>
-                <a:ea typeface="微軟正黑體" panose="020B0604030504040204" pitchFamily="34" charset="-120"/>
-              </a:rPr>
-              <a:t>GDP</a:t>
-            </a:r>
-            <a:r>
-              <a:rPr lang="zh-TW" altLang="en-US" sz="2000" dirty="0">
-                <a:latin typeface="微軟正黑體" panose="020B0604030504040204" pitchFamily="34" charset="-120"/>
-                <a:ea typeface="微軟正黑體" panose="020B0604030504040204" pitchFamily="34" charset="-120"/>
-              </a:rPr>
-              <a:t>有關的直接經濟損失，將重點放置在保護貧窮與弱勢族群上。</a:t>
-            </a:r>
-          </a:p>
-          <a:p>
-            <a:r>
-              <a:rPr lang="zh-TW" altLang="en-US" sz="2000" dirty="0">
-                <a:latin typeface="微軟正黑體" panose="020B0604030504040204" pitchFamily="34" charset="-120"/>
-                <a:ea typeface="微軟正黑體" panose="020B0604030504040204" pitchFamily="34" charset="-120"/>
-              </a:rPr>
-              <a:t>目標</a:t>
-            </a:r>
-            <a:r>
-              <a:rPr lang="en-US" altLang="zh-TW" sz="2000" dirty="0">
-                <a:latin typeface="微軟正黑體" panose="020B0604030504040204" pitchFamily="34" charset="-120"/>
-                <a:ea typeface="微軟正黑體" panose="020B0604030504040204" pitchFamily="34" charset="-120"/>
-              </a:rPr>
-              <a:t>13.1:</a:t>
-            </a:r>
-            <a:r>
-              <a:rPr lang="zh-TW" altLang="en-US" sz="2000" dirty="0">
-                <a:latin typeface="微軟正黑體" panose="020B0604030504040204" pitchFamily="34" charset="-120"/>
-                <a:ea typeface="微軟正黑體" panose="020B0604030504040204" pitchFamily="34" charset="-120"/>
-              </a:rPr>
-              <a:t>強化世界各國對於氣候災難和天然災害的災後復原能力與調適能力。</a:t>
-            </a:r>
-          </a:p>
-          <a:p>
-            <a:endParaRPr lang="zh-TW" altLang="en-US" sz="2000" dirty="0">
-              <a:latin typeface="微軟正黑體" panose="020B0604030504040204" pitchFamily="34" charset="-120"/>
-              <a:ea typeface="微軟正黑體" panose="020B0604030504040204" pitchFamily="34" charset="-120"/>
-            </a:endParaRPr>
+              <a:rPr lang="en-US" altLang="zh-TW" i="1" dirty="0"/>
+              <a:t>Goal 1.5:  By 2030, build the resilience of the poor and those in vulnerable situations and reduce their exposure and vulnerability to climate-related extreme events and other economic, social and environmental shocks and disasters.</a:t>
+            </a:r>
+            <a:endParaRPr lang="en-US" altLang="zh-TW" dirty="0"/>
+          </a:p>
+          <a:p>
+            <a:r>
+              <a:rPr lang="en-US" altLang="zh-TW" i="1" dirty="0"/>
+              <a:t>Goal 11.5: By 2030, significantly reduce the number of deaths and the number of people affected and substantially decrease the direct economic losses relative to global gross domestic product caused by disasters, including water-related disasters, with a focus on protecting the poor and people in vulnerable situations.</a:t>
+            </a:r>
+            <a:endParaRPr lang="en-US" altLang="zh-TW" dirty="0"/>
+          </a:p>
+          <a:p>
+            <a:r>
+              <a:rPr lang="en-US" altLang="zh-TW" i="1" dirty="0"/>
+              <a:t>Goal 13.1:  Strengthen resilience and adaptive capacity to climate-related hazards and natural disasters in all countries</a:t>
+            </a:r>
+            <a:endParaRPr lang="en-US" altLang="zh-TW" dirty="0"/>
+          </a:p>
+          <a:p>
+            <a:endParaRPr lang="zh-TW" altLang="en-US" dirty="0"/>
           </a:p>
         </p:txBody>
       </p:sp>
     </p:spTree>
     <p:extLst>
       <p:ext uri="{BB962C8B-B14F-4D97-AF65-F5344CB8AC3E}">
-        <p14:creationId xmlns:p14="http://schemas.microsoft.com/office/powerpoint/2010/main" val="3043678577"/>
+        <p14:creationId xmlns:p14="http://schemas.microsoft.com/office/powerpoint/2010/main" val="1955220666"/>
       </p:ext>
     </p:extLst>
   </p:cSld>
@@ -10500,6 +10335,273 @@
           <a:bodyPr/>
           <a:lstStyle/>
           <a:p>
+            <a:endParaRPr lang="zh-TW" altLang="en-US"/>
+          </a:p>
+        </p:txBody>
+      </p:sp>
+      <p:sp>
+        <p:nvSpPr>
+          <p:cNvPr id="3" name="內容版面配置區 2"/>
+          <p:cNvSpPr>
+            <a:spLocks noGrp="1"/>
+          </p:cNvSpPr>
+          <p:nvPr>
+            <p:ph idx="1"/>
+          </p:nvPr>
+        </p:nvSpPr>
+        <p:spPr/>
+        <p:txBody>
+          <a:bodyPr>
+            <a:normAutofit/>
+          </a:bodyPr>
+          <a:lstStyle/>
+          <a:p>
+            <a:r>
+              <a:rPr lang="zh-TW" altLang="en-US" sz="2000" dirty="0">
+                <a:latin typeface="微軟正黑體" panose="020B0604030504040204" pitchFamily="34" charset="-120"/>
+                <a:ea typeface="微軟正黑體" panose="020B0604030504040204" pitchFamily="34" charset="-120"/>
+              </a:rPr>
+              <a:t>聯合國大會為建立世界各國和利益關係者之間的合作夥伴關係，採納了永續發展目標</a:t>
+            </a:r>
+            <a:r>
+              <a:rPr lang="en-US" altLang="zh-TW" sz="2000" dirty="0">
+                <a:latin typeface="微軟正黑體" panose="020B0604030504040204" pitchFamily="34" charset="-120"/>
+                <a:ea typeface="微軟正黑體" panose="020B0604030504040204" pitchFamily="34" charset="-120"/>
+              </a:rPr>
+              <a:t>(Sustainable Development Goals, SDG)</a:t>
+            </a:r>
+            <a:r>
+              <a:rPr lang="zh-TW" altLang="en-US" sz="2000" dirty="0">
+                <a:latin typeface="微軟正黑體" panose="020B0604030504040204" pitchFamily="34" charset="-120"/>
+                <a:ea typeface="微軟正黑體" panose="020B0604030504040204" pitchFamily="34" charset="-120"/>
+              </a:rPr>
+              <a:t>決議，期盼藉此在經濟、社會和環境三個面向取得永續發展，增進全球的團結合作，為人類打造一個更美好的未來。此項挑戰呼應了以下的永續發展細項目標</a:t>
+            </a:r>
+            <a:r>
+              <a:rPr lang="en-US" altLang="zh-TW" sz="2000" dirty="0">
+                <a:latin typeface="微軟正黑體" panose="020B0604030504040204" pitchFamily="34" charset="-120"/>
+                <a:ea typeface="微軟正黑體" panose="020B0604030504040204" pitchFamily="34" charset="-120"/>
+              </a:rPr>
+              <a:t>:</a:t>
+            </a:r>
+            <a:endParaRPr lang="zh-TW" altLang="en-US" sz="2000" dirty="0">
+              <a:latin typeface="微軟正黑體" panose="020B0604030504040204" pitchFamily="34" charset="-120"/>
+              <a:ea typeface="微軟正黑體" panose="020B0604030504040204" pitchFamily="34" charset="-120"/>
+            </a:endParaRPr>
+          </a:p>
+          <a:p>
+            <a:r>
+              <a:rPr lang="zh-TW" altLang="en-US" sz="2000" dirty="0">
+                <a:latin typeface="微軟正黑體" panose="020B0604030504040204" pitchFamily="34" charset="-120"/>
+                <a:ea typeface="微軟正黑體" panose="020B0604030504040204" pitchFamily="34" charset="-120"/>
+              </a:rPr>
+              <a:t>目標</a:t>
+            </a:r>
+            <a:r>
+              <a:rPr lang="en-US" altLang="zh-TW" sz="2000" dirty="0">
+                <a:latin typeface="微軟正黑體" panose="020B0604030504040204" pitchFamily="34" charset="-120"/>
+                <a:ea typeface="微軟正黑體" panose="020B0604030504040204" pitchFamily="34" charset="-120"/>
+              </a:rPr>
+              <a:t>1.5:</a:t>
+            </a:r>
+            <a:r>
+              <a:rPr lang="zh-TW" altLang="en-US" sz="2000" dirty="0">
+                <a:latin typeface="微軟正黑體" panose="020B0604030504040204" pitchFamily="34" charset="-120"/>
+                <a:ea typeface="微軟正黑體" panose="020B0604030504040204" pitchFamily="34" charset="-120"/>
+              </a:rPr>
+              <a:t>在</a:t>
+            </a:r>
+            <a:r>
+              <a:rPr lang="en-US" altLang="zh-TW" sz="2000" dirty="0">
+                <a:latin typeface="微軟正黑體" panose="020B0604030504040204" pitchFamily="34" charset="-120"/>
+                <a:ea typeface="微軟正黑體" panose="020B0604030504040204" pitchFamily="34" charset="-120"/>
+              </a:rPr>
+              <a:t>2030</a:t>
+            </a:r>
+            <a:r>
+              <a:rPr lang="zh-TW" altLang="en-US" sz="2000" dirty="0">
+                <a:latin typeface="微軟正黑體" panose="020B0604030504040204" pitchFamily="34" charset="-120"/>
+                <a:ea typeface="微軟正黑體" panose="020B0604030504040204" pitchFamily="34" charset="-120"/>
+              </a:rPr>
+              <a:t>年前，增進貧窮及弱勢族群災後的復原能力，並減少極端氣候事件和其他經濟、社會、環境災難事件對這些族群的影響和衝擊。</a:t>
+            </a:r>
+          </a:p>
+          <a:p>
+            <a:r>
+              <a:rPr lang="zh-TW" altLang="en-US" sz="2000" dirty="0">
+                <a:latin typeface="微軟正黑體" panose="020B0604030504040204" pitchFamily="34" charset="-120"/>
+                <a:ea typeface="微軟正黑體" panose="020B0604030504040204" pitchFamily="34" charset="-120"/>
+              </a:rPr>
+              <a:t>目標</a:t>
+            </a:r>
+            <a:r>
+              <a:rPr lang="en-US" altLang="zh-TW" sz="2000" dirty="0">
+                <a:latin typeface="微軟正黑體" panose="020B0604030504040204" pitchFamily="34" charset="-120"/>
+                <a:ea typeface="微軟正黑體" panose="020B0604030504040204" pitchFamily="34" charset="-120"/>
+              </a:rPr>
+              <a:t>11.5:</a:t>
+            </a:r>
+            <a:r>
+              <a:rPr lang="zh-TW" altLang="en-US" sz="2000" dirty="0">
+                <a:latin typeface="微軟正黑體" panose="020B0604030504040204" pitchFamily="34" charset="-120"/>
+                <a:ea typeface="微軟正黑體" panose="020B0604030504040204" pitchFamily="34" charset="-120"/>
+              </a:rPr>
+              <a:t>在</a:t>
+            </a:r>
+            <a:r>
+              <a:rPr lang="en-US" altLang="zh-TW" sz="2000" dirty="0">
+                <a:latin typeface="微軟正黑體" panose="020B0604030504040204" pitchFamily="34" charset="-120"/>
+                <a:ea typeface="微軟正黑體" panose="020B0604030504040204" pitchFamily="34" charset="-120"/>
+              </a:rPr>
+              <a:t>2030</a:t>
+            </a:r>
+            <a:r>
+              <a:rPr lang="zh-TW" altLang="en-US" sz="2000" dirty="0">
+                <a:latin typeface="微軟正黑體" panose="020B0604030504040204" pitchFamily="34" charset="-120"/>
+                <a:ea typeface="微軟正黑體" panose="020B0604030504040204" pitchFamily="34" charset="-120"/>
+              </a:rPr>
+              <a:t>年前，大幅降低重大災難</a:t>
+            </a:r>
+            <a:r>
+              <a:rPr lang="en-US" altLang="zh-TW" sz="2000" dirty="0">
+                <a:latin typeface="微軟正黑體" panose="020B0604030504040204" pitchFamily="34" charset="-120"/>
+                <a:ea typeface="微軟正黑體" panose="020B0604030504040204" pitchFamily="34" charset="-120"/>
+              </a:rPr>
+              <a:t>(</a:t>
+            </a:r>
+            <a:r>
+              <a:rPr lang="zh-TW" altLang="en-US" sz="2000" dirty="0">
+                <a:latin typeface="微軟正黑體" panose="020B0604030504040204" pitchFamily="34" charset="-120"/>
+                <a:ea typeface="微軟正黑體" panose="020B0604030504040204" pitchFamily="34" charset="-120"/>
+              </a:rPr>
+              <a:t>例如</a:t>
+            </a:r>
+            <a:r>
+              <a:rPr lang="en-US" altLang="zh-TW" sz="2000" dirty="0">
+                <a:latin typeface="微軟正黑體" panose="020B0604030504040204" pitchFamily="34" charset="-120"/>
+                <a:ea typeface="微軟正黑體" panose="020B0604030504040204" pitchFamily="34" charset="-120"/>
+              </a:rPr>
+              <a:t>:</a:t>
+            </a:r>
+            <a:r>
+              <a:rPr lang="zh-TW" altLang="en-US" sz="2000" dirty="0">
+                <a:latin typeface="微軟正黑體" panose="020B0604030504040204" pitchFamily="34" charset="-120"/>
+                <a:ea typeface="微軟正黑體" panose="020B0604030504040204" pitchFamily="34" charset="-120"/>
+              </a:rPr>
+              <a:t>水患</a:t>
+            </a:r>
+            <a:r>
+              <a:rPr lang="en-US" altLang="zh-TW" sz="2000" dirty="0">
+                <a:latin typeface="微軟正黑體" panose="020B0604030504040204" pitchFamily="34" charset="-120"/>
+                <a:ea typeface="微軟正黑體" panose="020B0604030504040204" pitchFamily="34" charset="-120"/>
+              </a:rPr>
+              <a:t>)</a:t>
+            </a:r>
+            <a:r>
+              <a:rPr lang="zh-TW" altLang="en-US" sz="2000" dirty="0">
+                <a:latin typeface="微軟正黑體" panose="020B0604030504040204" pitchFamily="34" charset="-120"/>
+                <a:ea typeface="微軟正黑體" panose="020B0604030504040204" pitchFamily="34" charset="-120"/>
+              </a:rPr>
+              <a:t>所造成的死亡人數和受災人數，並大幅減少這些災害造成的與</a:t>
+            </a:r>
+            <a:r>
+              <a:rPr lang="en-US" altLang="zh-TW" sz="2000" dirty="0">
+                <a:latin typeface="微軟正黑體" panose="020B0604030504040204" pitchFamily="34" charset="-120"/>
+                <a:ea typeface="微軟正黑體" panose="020B0604030504040204" pitchFamily="34" charset="-120"/>
+              </a:rPr>
+              <a:t>GDP</a:t>
+            </a:r>
+            <a:r>
+              <a:rPr lang="zh-TW" altLang="en-US" sz="2000" dirty="0">
+                <a:latin typeface="微軟正黑體" panose="020B0604030504040204" pitchFamily="34" charset="-120"/>
+                <a:ea typeface="微軟正黑體" panose="020B0604030504040204" pitchFamily="34" charset="-120"/>
+              </a:rPr>
+              <a:t>有關的直接經濟損失，將重點放置在保護貧窮與弱勢族群上。</a:t>
+            </a:r>
+          </a:p>
+          <a:p>
+            <a:r>
+              <a:rPr lang="zh-TW" altLang="en-US" sz="2000" dirty="0">
+                <a:latin typeface="微軟正黑體" panose="020B0604030504040204" pitchFamily="34" charset="-120"/>
+                <a:ea typeface="微軟正黑體" panose="020B0604030504040204" pitchFamily="34" charset="-120"/>
+              </a:rPr>
+              <a:t>目標</a:t>
+            </a:r>
+            <a:r>
+              <a:rPr lang="en-US" altLang="zh-TW" sz="2000" dirty="0">
+                <a:latin typeface="微軟正黑體" panose="020B0604030504040204" pitchFamily="34" charset="-120"/>
+                <a:ea typeface="微軟正黑體" panose="020B0604030504040204" pitchFamily="34" charset="-120"/>
+              </a:rPr>
+              <a:t>13.1:</a:t>
+            </a:r>
+            <a:r>
+              <a:rPr lang="zh-TW" altLang="en-US" sz="2000" dirty="0">
+                <a:latin typeface="微軟正黑體" panose="020B0604030504040204" pitchFamily="34" charset="-120"/>
+                <a:ea typeface="微軟正黑體" panose="020B0604030504040204" pitchFamily="34" charset="-120"/>
+              </a:rPr>
+              <a:t>強化世界各國對於氣候災難和天然災害的災後復原能力與調適能力。</a:t>
+            </a:r>
+          </a:p>
+          <a:p>
+            <a:endParaRPr lang="zh-TW" altLang="en-US" sz="2000" dirty="0">
+              <a:latin typeface="微軟正黑體" panose="020B0604030504040204" pitchFamily="34" charset="-120"/>
+              <a:ea typeface="微軟正黑體" panose="020B0604030504040204" pitchFamily="34" charset="-120"/>
+            </a:endParaRPr>
+          </a:p>
+        </p:txBody>
+      </p:sp>
+    </p:spTree>
+    <p:extLst>
+      <p:ext uri="{BB962C8B-B14F-4D97-AF65-F5344CB8AC3E}">
+        <p14:creationId xmlns:p14="http://schemas.microsoft.com/office/powerpoint/2010/main" val="3043678577"/>
+      </p:ext>
+    </p:extLst>
+  </p:cSld>
+  <p:clrMapOvr>
+    <a:masterClrMapping/>
+  </p:clrMapOvr>
+  <p:timing>
+    <p:tnLst>
+      <p:par>
+        <p:cTn id="1" dur="indefinite" restart="never" nodeType="tmRoot"/>
+      </p:par>
+    </p:tnLst>
+  </p:timing>
+</p:sld>
+</file>
+
+<file path=ppt/slides/slide17.xml><?xml version="1.0" encoding="utf-8"?>
+<p:sld xmlns:a="http://schemas.openxmlformats.org/drawingml/2006/main" xmlns:r="http://schemas.openxmlformats.org/officeDocument/2006/relationships" xmlns:p="http://schemas.openxmlformats.org/presentationml/2006/main">
+  <p:cSld>
+    <p:spTree>
+      <p:nvGrpSpPr>
+        <p:cNvPr id="1" name=""/>
+        <p:cNvGrpSpPr/>
+        <p:nvPr/>
+      </p:nvGrpSpPr>
+      <p:grpSpPr>
+        <a:xfrm>
+          <a:off x="0" y="0"/>
+          <a:ext cx="0" cy="0"/>
+          <a:chOff x="0" y="0"/>
+          <a:chExt cx="0" cy="0"/>
+        </a:xfrm>
+      </p:grpSpPr>
+      <p:sp>
+        <p:nvSpPr>
+          <p:cNvPr id="2" name="標題 1"/>
+          <p:cNvSpPr>
+            <a:spLocks noGrp="1"/>
+          </p:cNvSpPr>
+          <p:nvPr>
+            <p:ph type="title"/>
+          </p:nvPr>
+        </p:nvSpPr>
+        <p:spPr/>
+        <p:txBody>
+          <a:bodyPr/>
+          <a:lstStyle/>
+          <a:p>
             <a:r>
               <a:rPr lang="en-US" altLang="zh-TW" dirty="0" smtClean="0"/>
               <a:t>Levels of UV radiation</a:t>
@@ -10599,7 +10701,7 @@
 </p:sld>
 </file>
 
-<file path=ppt/slides/slide17.xml><?xml version="1.0" encoding="utf-8"?>
+<file path=ppt/slides/slide18.xml><?xml version="1.0" encoding="utf-8"?>
 <p:sld xmlns:a="http://schemas.openxmlformats.org/drawingml/2006/main" xmlns:r="http://schemas.openxmlformats.org/officeDocument/2006/relationships" xmlns:p="http://schemas.openxmlformats.org/presentationml/2006/main">
   <p:cSld>
     <p:spTree>
@@ -11023,156 +11125,6 @@
 </p:sld>
 </file>
 
-<file path=ppt/slides/slide18.xml><?xml version="1.0" encoding="utf-8"?>
-<p:sld xmlns:a="http://schemas.openxmlformats.org/drawingml/2006/main" xmlns:r="http://schemas.openxmlformats.org/officeDocument/2006/relationships" xmlns:p="http://schemas.openxmlformats.org/presentationml/2006/main">
-  <p:cSld>
-    <p:spTree>
-      <p:nvGrpSpPr>
-        <p:cNvPr id="1" name=""/>
-        <p:cNvGrpSpPr/>
-        <p:nvPr/>
-      </p:nvGrpSpPr>
-      <p:grpSpPr>
-        <a:xfrm>
-          <a:off x="0" y="0"/>
-          <a:ext cx="0" cy="0"/>
-          <a:chOff x="0" y="0"/>
-          <a:chExt cx="0" cy="0"/>
-        </a:xfrm>
-      </p:grpSpPr>
-      <p:sp>
-        <p:nvSpPr>
-          <p:cNvPr id="2" name="標題 1"/>
-          <p:cNvSpPr>
-            <a:spLocks noGrp="1"/>
-          </p:cNvSpPr>
-          <p:nvPr>
-            <p:ph type="title"/>
-          </p:nvPr>
-        </p:nvSpPr>
-        <p:spPr/>
-        <p:txBody>
-          <a:bodyPr/>
-          <a:lstStyle/>
-          <a:p>
-            <a:r>
-              <a:rPr lang="en-US" altLang="zh-TW" dirty="0" smtClean="0"/>
-              <a:t>Fact1</a:t>
-            </a:r>
-            <a:endParaRPr lang="zh-TW" altLang="en-US" dirty="0"/>
-          </a:p>
-        </p:txBody>
-      </p:sp>
-      <p:sp>
-        <p:nvSpPr>
-          <p:cNvPr id="3" name="內容版面配置區 2"/>
-          <p:cNvSpPr>
-            <a:spLocks noGrp="1"/>
-          </p:cNvSpPr>
-          <p:nvPr>
-            <p:ph idx="1"/>
-          </p:nvPr>
-        </p:nvSpPr>
-        <p:spPr/>
-        <p:txBody>
-          <a:bodyPr/>
-          <a:lstStyle/>
-          <a:p>
-            <a:r>
-              <a:rPr lang="zh-TW" altLang="en-US" dirty="0" smtClean="0">
-                <a:latin typeface="微軟正黑體" panose="020B0604030504040204" pitchFamily="34" charset="-120"/>
-                <a:ea typeface="微軟正黑體" panose="020B0604030504040204" pitchFamily="34" charset="-120"/>
-              </a:rPr>
-              <a:t>認識紫外線</a:t>
-            </a:r>
-            <a:r>
-              <a:rPr lang="en-US" altLang="zh-TW" dirty="0" smtClean="0">
-                <a:latin typeface="微軟正黑體" panose="020B0604030504040204" pitchFamily="34" charset="-120"/>
-                <a:ea typeface="微軟正黑體" panose="020B0604030504040204" pitchFamily="34" charset="-120"/>
-              </a:rPr>
-              <a:t>(Ultraviolet ray)</a:t>
-            </a:r>
-          </a:p>
-          <a:p>
-            <a:r>
-              <a:rPr lang="zh-TW" altLang="en-US" dirty="0" smtClean="0">
-                <a:latin typeface="微軟正黑體" panose="020B0604030504040204" pitchFamily="34" charset="-120"/>
-                <a:ea typeface="微軟正黑體" panose="020B0604030504040204" pitchFamily="34" charset="-120"/>
-              </a:rPr>
-              <a:t>紫外線依波長大致可分為</a:t>
-            </a:r>
-            <a:r>
-              <a:rPr lang="en-US" altLang="zh-TW" dirty="0" smtClean="0">
-                <a:latin typeface="微軟正黑體" panose="020B0604030504040204" pitchFamily="34" charset="-120"/>
-                <a:ea typeface="微軟正黑體" panose="020B0604030504040204" pitchFamily="34" charset="-120"/>
-              </a:rPr>
-              <a:t>UVC</a:t>
-            </a:r>
-            <a:r>
-              <a:rPr lang="zh-TW" altLang="en-US" dirty="0" smtClean="0">
-                <a:latin typeface="微軟正黑體" panose="020B0604030504040204" pitchFamily="34" charset="-120"/>
-                <a:ea typeface="微軟正黑體" panose="020B0604030504040204" pitchFamily="34" charset="-120"/>
-              </a:rPr>
-              <a:t>、</a:t>
-            </a:r>
-            <a:r>
-              <a:rPr lang="en-US" altLang="zh-TW" dirty="0" smtClean="0">
-                <a:latin typeface="微軟正黑體" panose="020B0604030504040204" pitchFamily="34" charset="-120"/>
-                <a:ea typeface="微軟正黑體" panose="020B0604030504040204" pitchFamily="34" charset="-120"/>
-              </a:rPr>
-              <a:t>UVB</a:t>
-            </a:r>
-            <a:r>
-              <a:rPr lang="zh-TW" altLang="en-US" dirty="0" smtClean="0">
-                <a:latin typeface="微軟正黑體" panose="020B0604030504040204" pitchFamily="34" charset="-120"/>
-                <a:ea typeface="微軟正黑體" panose="020B0604030504040204" pitchFamily="34" charset="-120"/>
-              </a:rPr>
-              <a:t>、</a:t>
-            </a:r>
-            <a:r>
-              <a:rPr lang="en-US" altLang="zh-TW" dirty="0" smtClean="0">
-                <a:latin typeface="微軟正黑體" panose="020B0604030504040204" pitchFamily="34" charset="-120"/>
-                <a:ea typeface="微軟正黑體" panose="020B0604030504040204" pitchFamily="34" charset="-120"/>
-              </a:rPr>
-              <a:t>UVA</a:t>
-            </a:r>
-            <a:r>
-              <a:rPr lang="zh-TW" altLang="en-US" dirty="0" smtClean="0">
-                <a:latin typeface="微軟正黑體" panose="020B0604030504040204" pitchFamily="34" charset="-120"/>
-                <a:ea typeface="微軟正黑體" panose="020B0604030504040204" pitchFamily="34" charset="-120"/>
-              </a:rPr>
-              <a:t>，各波長對人體的傷害各有不同，都一樣會破壞皮膚內的自由基加速皮膚老化，有效的做好防護是相當重要的步驟。</a:t>
-            </a:r>
-            <a:endParaRPr lang="en-US" altLang="zh-TW" dirty="0" smtClean="0">
-              <a:latin typeface="微軟正黑體" panose="020B0604030504040204" pitchFamily="34" charset="-120"/>
-              <a:ea typeface="微軟正黑體" panose="020B0604030504040204" pitchFamily="34" charset="-120"/>
-            </a:endParaRPr>
-          </a:p>
-          <a:p>
-            <a:endParaRPr lang="zh-TW" altLang="en-US" dirty="0"/>
-          </a:p>
-        </p:txBody>
-      </p:sp>
-    </p:spTree>
-    <p:extLst>
-      <p:ext uri="{BB962C8B-B14F-4D97-AF65-F5344CB8AC3E}">
-        <p14:creationId xmlns:p14="http://schemas.microsoft.com/office/powerpoint/2010/main" val="3315479813"/>
-      </p:ext>
-    </p:extLst>
-  </p:cSld>
-  <p:clrMapOvr>
-    <a:masterClrMapping/>
-  </p:clrMapOvr>
-  <p:timing>
-    <p:tnLst>
-      <p:par>
-        <p:cTn id="1" dur="indefinite" restart="never" nodeType="tmRoot"/>
-      </p:par>
-    </p:tnLst>
-  </p:timing>
-</p:sld>
-</file>
-
 <file path=ppt/slides/slide19.xml><?xml version="1.0" encoding="utf-8"?>
 <p:sld xmlns:a="http://schemas.openxmlformats.org/drawingml/2006/main" xmlns:r="http://schemas.openxmlformats.org/officeDocument/2006/relationships" xmlns:p="http://schemas.openxmlformats.org/presentationml/2006/main">
   <p:cSld>
@@ -11207,1083 +11159,106 @@
           <a:p>
             <a:r>
               <a:rPr lang="en-US" altLang="zh-TW" dirty="0" smtClean="0"/>
-              <a:t>Fact2</a:t>
+              <a:t>Fact1</a:t>
             </a:r>
             <a:endParaRPr lang="zh-TW" altLang="en-US" dirty="0"/>
-          </a:p>
-        </p:txBody>
-      </p:sp>
-      <p:pic>
-        <p:nvPicPr>
-          <p:cNvPr id="4" name="內容版面配置區 3"/>
-          <p:cNvPicPr>
-            <a:picLocks noGrp="1" noChangeAspect="1"/>
-          </p:cNvPicPr>
-          <p:nvPr>
-            <p:ph idx="1"/>
-          </p:nvPr>
-        </p:nvPicPr>
-        <p:blipFill rotWithShape="1">
-          <a:blip r:embed="rId3"/>
-          <a:srcRect b="7272"/>
-          <a:stretch/>
-        </p:blipFill>
-        <p:spPr>
-          <a:xfrm>
-            <a:off x="952209" y="3065896"/>
-            <a:ext cx="5143500" cy="309129"/>
-          </a:xfrm>
-          <a:prstGeom prst="rect">
-            <a:avLst/>
-          </a:prstGeom>
-        </p:spPr>
-      </p:pic>
-      <p:cxnSp>
-        <p:nvCxnSpPr>
-          <p:cNvPr id="7" name="直線接點 6"/>
-          <p:cNvCxnSpPr/>
-          <p:nvPr/>
-        </p:nvCxnSpPr>
-        <p:spPr>
-          <a:xfrm>
-            <a:off x="3176359" y="2888344"/>
-            <a:ext cx="1271816" cy="0"/>
-          </a:xfrm>
-          <a:prstGeom prst="line">
-            <a:avLst/>
-          </a:prstGeom>
-          <a:ln>
-            <a:solidFill>
-              <a:schemeClr val="tx1">
-                <a:lumMod val="50000"/>
-                <a:lumOff val="50000"/>
-              </a:schemeClr>
-            </a:solidFill>
-          </a:ln>
-        </p:spPr>
-        <p:style>
-          <a:lnRef idx="1">
-            <a:schemeClr val="accent1"/>
-          </a:lnRef>
-          <a:fillRef idx="0">
-            <a:schemeClr val="accent1"/>
-          </a:fillRef>
-          <a:effectRef idx="0">
-            <a:schemeClr val="accent1"/>
-          </a:effectRef>
-          <a:fontRef idx="minor">
-            <a:schemeClr val="tx1"/>
-          </a:fontRef>
-        </p:style>
-      </p:cxnSp>
-      <p:cxnSp>
-        <p:nvCxnSpPr>
-          <p:cNvPr id="10" name="直線接點 9"/>
-          <p:cNvCxnSpPr/>
-          <p:nvPr/>
-        </p:nvCxnSpPr>
-        <p:spPr>
-          <a:xfrm>
-            <a:off x="1726121" y="2888343"/>
-            <a:ext cx="674179" cy="0"/>
-          </a:xfrm>
-          <a:prstGeom prst="line">
-            <a:avLst/>
-          </a:prstGeom>
-          <a:ln>
-            <a:solidFill>
-              <a:schemeClr val="tx1">
-                <a:lumMod val="50000"/>
-                <a:lumOff val="50000"/>
-              </a:schemeClr>
-            </a:solidFill>
-          </a:ln>
-        </p:spPr>
-        <p:style>
-          <a:lnRef idx="1">
-            <a:schemeClr val="accent1"/>
-          </a:lnRef>
-          <a:fillRef idx="0">
-            <a:schemeClr val="accent1"/>
-          </a:fillRef>
-          <a:effectRef idx="0">
-            <a:schemeClr val="accent1"/>
-          </a:effectRef>
-          <a:fontRef idx="minor">
-            <a:schemeClr val="tx1"/>
-          </a:fontRef>
-        </p:style>
-      </p:cxnSp>
-      <p:sp>
-        <p:nvSpPr>
-          <p:cNvPr id="11" name="文字方塊 10"/>
-          <p:cNvSpPr txBox="1"/>
-          <p:nvPr/>
-        </p:nvSpPr>
-        <p:spPr>
-          <a:xfrm>
-            <a:off x="2348121" y="2714103"/>
-            <a:ext cx="905166" cy="369332"/>
-          </a:xfrm>
-          <a:prstGeom prst="rect">
-            <a:avLst/>
-          </a:prstGeom>
-          <a:noFill/>
-        </p:spPr>
-        <p:txBody>
-          <a:bodyPr wrap="square" rtlCol="0">
-            <a:spAutoFit/>
-          </a:bodyPr>
-          <a:lstStyle/>
-          <a:p>
-            <a:pPr algn="ctr"/>
-            <a:r>
-              <a:rPr lang="zh-TW" altLang="en-US" dirty="0" smtClean="0">
-                <a:latin typeface="微軟正黑體" panose="020B0604030504040204" pitchFamily="34" charset="-120"/>
-                <a:ea typeface="微軟正黑體" panose="020B0604030504040204" pitchFamily="34" charset="-120"/>
-              </a:rPr>
-              <a:t>紫外</a:t>
-            </a:r>
-            <a:r>
-              <a:rPr lang="zh-TW" altLang="en-US" dirty="0">
-                <a:latin typeface="微軟正黑體" panose="020B0604030504040204" pitchFamily="34" charset="-120"/>
-                <a:ea typeface="微軟正黑體" panose="020B0604030504040204" pitchFamily="34" charset="-120"/>
-              </a:rPr>
-              <a:t>線</a:t>
-            </a:r>
-          </a:p>
-        </p:txBody>
-      </p:sp>
-      <p:cxnSp>
-        <p:nvCxnSpPr>
-          <p:cNvPr id="12" name="直線接點 11"/>
-          <p:cNvCxnSpPr/>
-          <p:nvPr/>
-        </p:nvCxnSpPr>
-        <p:spPr>
-          <a:xfrm>
-            <a:off x="5176011" y="2888343"/>
-            <a:ext cx="410645" cy="0"/>
-          </a:xfrm>
-          <a:prstGeom prst="line">
-            <a:avLst/>
-          </a:prstGeom>
-          <a:ln>
-            <a:solidFill>
-              <a:schemeClr val="tx1">
-                <a:lumMod val="50000"/>
-                <a:lumOff val="50000"/>
-              </a:schemeClr>
-            </a:solidFill>
-          </a:ln>
-        </p:spPr>
-        <p:style>
-          <a:lnRef idx="1">
-            <a:schemeClr val="accent1"/>
-          </a:lnRef>
-          <a:fillRef idx="0">
-            <a:schemeClr val="accent1"/>
-          </a:fillRef>
-          <a:effectRef idx="0">
-            <a:schemeClr val="accent1"/>
-          </a:effectRef>
-          <a:fontRef idx="minor">
-            <a:schemeClr val="tx1"/>
-          </a:fontRef>
-        </p:style>
-      </p:cxnSp>
-      <p:sp>
-        <p:nvSpPr>
-          <p:cNvPr id="14" name="文字方塊 13"/>
-          <p:cNvSpPr txBox="1"/>
-          <p:nvPr/>
-        </p:nvSpPr>
-        <p:spPr>
-          <a:xfrm>
-            <a:off x="4346659" y="2719066"/>
-            <a:ext cx="905166" cy="369332"/>
-          </a:xfrm>
-          <a:prstGeom prst="rect">
-            <a:avLst/>
-          </a:prstGeom>
-          <a:noFill/>
-        </p:spPr>
-        <p:txBody>
-          <a:bodyPr wrap="square" rtlCol="0">
-            <a:spAutoFit/>
-          </a:bodyPr>
-          <a:lstStyle/>
-          <a:p>
-            <a:pPr algn="ctr"/>
-            <a:r>
-              <a:rPr lang="zh-TW" altLang="en-US" dirty="0" smtClean="0">
-                <a:latin typeface="微軟正黑體" panose="020B0604030504040204" pitchFamily="34" charset="-120"/>
-                <a:ea typeface="微軟正黑體" panose="020B0604030504040204" pitchFamily="34" charset="-120"/>
-              </a:rPr>
-              <a:t>可見光</a:t>
-            </a:r>
-            <a:endParaRPr lang="zh-TW" altLang="en-US" dirty="0">
-              <a:latin typeface="微軟正黑體" panose="020B0604030504040204" pitchFamily="34" charset="-120"/>
-              <a:ea typeface="微軟正黑體" panose="020B0604030504040204" pitchFamily="34" charset="-120"/>
-            </a:endParaRPr>
-          </a:p>
-        </p:txBody>
-      </p:sp>
-      <p:cxnSp>
-        <p:nvCxnSpPr>
-          <p:cNvPr id="17" name="直線接點 16"/>
-          <p:cNvCxnSpPr/>
-          <p:nvPr/>
-        </p:nvCxnSpPr>
-        <p:spPr>
-          <a:xfrm>
-            <a:off x="3831018" y="2709541"/>
-            <a:ext cx="0" cy="338554"/>
-          </a:xfrm>
-          <a:prstGeom prst="line">
-            <a:avLst/>
-          </a:prstGeom>
-          <a:ln>
-            <a:solidFill>
-              <a:schemeClr val="tx1">
-                <a:lumMod val="50000"/>
-                <a:lumOff val="50000"/>
-              </a:schemeClr>
-            </a:solidFill>
-          </a:ln>
-        </p:spPr>
-        <p:style>
-          <a:lnRef idx="1">
-            <a:schemeClr val="accent1"/>
-          </a:lnRef>
-          <a:fillRef idx="0">
-            <a:schemeClr val="accent1"/>
-          </a:fillRef>
-          <a:effectRef idx="0">
-            <a:schemeClr val="accent1"/>
-          </a:effectRef>
-          <a:fontRef idx="minor">
-            <a:schemeClr val="tx1"/>
-          </a:fontRef>
-        </p:style>
-      </p:cxnSp>
-      <p:cxnSp>
-        <p:nvCxnSpPr>
-          <p:cNvPr id="18" name="直線接點 17"/>
-          <p:cNvCxnSpPr/>
-          <p:nvPr/>
-        </p:nvCxnSpPr>
-        <p:spPr>
-          <a:xfrm>
-            <a:off x="1728375" y="2719066"/>
-            <a:ext cx="0" cy="338554"/>
-          </a:xfrm>
-          <a:prstGeom prst="line">
-            <a:avLst/>
-          </a:prstGeom>
-          <a:ln>
-            <a:solidFill>
-              <a:schemeClr val="tx1">
-                <a:lumMod val="50000"/>
-                <a:lumOff val="50000"/>
-              </a:schemeClr>
-            </a:solidFill>
-          </a:ln>
-        </p:spPr>
-        <p:style>
-          <a:lnRef idx="1">
-            <a:schemeClr val="accent1"/>
-          </a:lnRef>
-          <a:fillRef idx="0">
-            <a:schemeClr val="accent1"/>
-          </a:fillRef>
-          <a:effectRef idx="0">
-            <a:schemeClr val="accent1"/>
-          </a:effectRef>
-          <a:fontRef idx="minor">
-            <a:schemeClr val="tx1"/>
-          </a:fontRef>
-        </p:style>
-      </p:cxnSp>
-      <p:cxnSp>
-        <p:nvCxnSpPr>
-          <p:cNvPr id="20" name="直線接點 19"/>
-          <p:cNvCxnSpPr/>
-          <p:nvPr/>
-        </p:nvCxnSpPr>
-        <p:spPr>
-          <a:xfrm>
-            <a:off x="5582255" y="2709541"/>
-            <a:ext cx="0" cy="338554"/>
-          </a:xfrm>
-          <a:prstGeom prst="line">
-            <a:avLst/>
-          </a:prstGeom>
-          <a:ln>
-            <a:solidFill>
-              <a:schemeClr val="tx1">
-                <a:lumMod val="50000"/>
-                <a:lumOff val="50000"/>
-              </a:schemeClr>
-            </a:solidFill>
-          </a:ln>
-        </p:spPr>
-        <p:style>
-          <a:lnRef idx="1">
-            <a:schemeClr val="accent1"/>
-          </a:lnRef>
-          <a:fillRef idx="0">
-            <a:schemeClr val="accent1"/>
-          </a:fillRef>
-          <a:effectRef idx="0">
-            <a:schemeClr val="accent1"/>
-          </a:effectRef>
-          <a:fontRef idx="minor">
-            <a:schemeClr val="tx1"/>
-          </a:fontRef>
-        </p:style>
-      </p:cxnSp>
-      <p:sp>
-        <p:nvSpPr>
-          <p:cNvPr id="21" name="文字方塊 20"/>
-          <p:cNvSpPr txBox="1"/>
-          <p:nvPr/>
-        </p:nvSpPr>
-        <p:spPr>
-          <a:xfrm>
-            <a:off x="5527078" y="2719066"/>
-            <a:ext cx="905166" cy="369332"/>
-          </a:xfrm>
-          <a:prstGeom prst="rect">
-            <a:avLst/>
-          </a:prstGeom>
-          <a:noFill/>
-        </p:spPr>
-        <p:txBody>
-          <a:bodyPr wrap="square" rtlCol="0">
-            <a:spAutoFit/>
-          </a:bodyPr>
-          <a:lstStyle/>
-          <a:p>
-            <a:pPr algn="ctr"/>
-            <a:r>
-              <a:rPr lang="zh-TW" altLang="en-US" dirty="0" smtClean="0">
-                <a:latin typeface="微軟正黑體" panose="020B0604030504040204" pitchFamily="34" charset="-120"/>
-                <a:ea typeface="微軟正黑體" panose="020B0604030504040204" pitchFamily="34" charset="-120"/>
-              </a:rPr>
-              <a:t>紅外線</a:t>
-            </a:r>
-            <a:endParaRPr lang="zh-TW" altLang="en-US" dirty="0">
-              <a:latin typeface="微軟正黑體" panose="020B0604030504040204" pitchFamily="34" charset="-120"/>
-              <a:ea typeface="微軟正黑體" panose="020B0604030504040204" pitchFamily="34" charset="-120"/>
-            </a:endParaRPr>
           </a:p>
         </p:txBody>
       </p:sp>
       <p:sp>
         <p:nvSpPr>
-          <p:cNvPr id="22" name="文字方塊 21"/>
-          <p:cNvSpPr txBox="1"/>
-          <p:nvPr/>
+          <p:cNvPr id="3" name="內容版面配置區 2"/>
+          <p:cNvSpPr>
+            <a:spLocks noGrp="1"/>
+          </p:cNvSpPr>
+          <p:nvPr>
+            <p:ph idx="1"/>
+          </p:nvPr>
         </p:nvSpPr>
-        <p:spPr>
-          <a:xfrm>
-            <a:off x="885956" y="2703678"/>
-            <a:ext cx="905166" cy="369332"/>
-          </a:xfrm>
-          <a:prstGeom prst="rect">
-            <a:avLst/>
-          </a:prstGeom>
-          <a:noFill/>
-        </p:spPr>
+        <p:spPr/>
         <p:txBody>
-          <a:bodyPr wrap="square" rtlCol="0">
-            <a:spAutoFit/>
-          </a:bodyPr>
+          <a:bodyPr/>
           <a:lstStyle/>
           <a:p>
-            <a:pPr algn="ctr"/>
+            <a:r>
+              <a:rPr lang="zh-TW" altLang="en-US" dirty="0" smtClean="0">
+                <a:latin typeface="微軟正黑體" panose="020B0604030504040204" pitchFamily="34" charset="-120"/>
+                <a:ea typeface="微軟正黑體" panose="020B0604030504040204" pitchFamily="34" charset="-120"/>
+              </a:rPr>
+              <a:t>認識紫外線</a:t>
+            </a:r>
             <a:r>
               <a:rPr lang="en-US" altLang="zh-TW" dirty="0" smtClean="0">
                 <a:latin typeface="微軟正黑體" panose="020B0604030504040204" pitchFamily="34" charset="-120"/>
                 <a:ea typeface="微軟正黑體" panose="020B0604030504040204" pitchFamily="34" charset="-120"/>
               </a:rPr>
-              <a:t>X-Ray</a:t>
-            </a:r>
-            <a:endParaRPr lang="zh-TW" altLang="en-US" dirty="0">
+              <a:t>(Ultraviolet ray)</a:t>
+            </a:r>
+          </a:p>
+          <a:p>
+            <a:r>
+              <a:rPr lang="zh-TW" altLang="en-US" dirty="0" smtClean="0">
+                <a:latin typeface="微軟正黑體" panose="020B0604030504040204" pitchFamily="34" charset="-120"/>
+                <a:ea typeface="微軟正黑體" panose="020B0604030504040204" pitchFamily="34" charset="-120"/>
+              </a:rPr>
+              <a:t>紫外線依波長大致可分為</a:t>
+            </a:r>
+            <a:r>
+              <a:rPr lang="en-US" altLang="zh-TW" dirty="0" smtClean="0">
+                <a:latin typeface="微軟正黑體" panose="020B0604030504040204" pitchFamily="34" charset="-120"/>
+                <a:ea typeface="微軟正黑體" panose="020B0604030504040204" pitchFamily="34" charset="-120"/>
+              </a:rPr>
+              <a:t>UVC</a:t>
+            </a:r>
+            <a:r>
+              <a:rPr lang="zh-TW" altLang="en-US" dirty="0" smtClean="0">
+                <a:latin typeface="微軟正黑體" panose="020B0604030504040204" pitchFamily="34" charset="-120"/>
+                <a:ea typeface="微軟正黑體" panose="020B0604030504040204" pitchFamily="34" charset="-120"/>
+              </a:rPr>
+              <a:t>、</a:t>
+            </a:r>
+            <a:r>
+              <a:rPr lang="en-US" altLang="zh-TW" dirty="0" smtClean="0">
+                <a:latin typeface="微軟正黑體" panose="020B0604030504040204" pitchFamily="34" charset="-120"/>
+                <a:ea typeface="微軟正黑體" panose="020B0604030504040204" pitchFamily="34" charset="-120"/>
+              </a:rPr>
+              <a:t>UVB</a:t>
+            </a:r>
+            <a:r>
+              <a:rPr lang="zh-TW" altLang="en-US" dirty="0" smtClean="0">
+                <a:latin typeface="微軟正黑體" panose="020B0604030504040204" pitchFamily="34" charset="-120"/>
+                <a:ea typeface="微軟正黑體" panose="020B0604030504040204" pitchFamily="34" charset="-120"/>
+              </a:rPr>
+              <a:t>、</a:t>
+            </a:r>
+            <a:r>
+              <a:rPr lang="en-US" altLang="zh-TW" dirty="0" smtClean="0">
+                <a:latin typeface="微軟正黑體" panose="020B0604030504040204" pitchFamily="34" charset="-120"/>
+                <a:ea typeface="微軟正黑體" panose="020B0604030504040204" pitchFamily="34" charset="-120"/>
+              </a:rPr>
+              <a:t>UVA</a:t>
+            </a:r>
+            <a:r>
+              <a:rPr lang="zh-TW" altLang="en-US" dirty="0" smtClean="0">
+                <a:latin typeface="微軟正黑體" panose="020B0604030504040204" pitchFamily="34" charset="-120"/>
+                <a:ea typeface="微軟正黑體" panose="020B0604030504040204" pitchFamily="34" charset="-120"/>
+              </a:rPr>
+              <a:t>，各波長對人體的傷害各有不同，都一樣會破壞皮膚內的自由基加速皮膚老化，有效的做好防護是相當重要的步驟。</a:t>
+            </a:r>
+            <a:endParaRPr lang="en-US" altLang="zh-TW" dirty="0" smtClean="0">
               <a:latin typeface="微軟正黑體" panose="020B0604030504040204" pitchFamily="34" charset="-120"/>
               <a:ea typeface="微軟正黑體" panose="020B0604030504040204" pitchFamily="34" charset="-120"/>
             </a:endParaRPr>
           </a:p>
-        </p:txBody>
-      </p:sp>
-      <p:sp>
-        <p:nvSpPr>
-          <p:cNvPr id="26" name="文字方塊 25"/>
-          <p:cNvSpPr txBox="1"/>
-          <p:nvPr/>
-        </p:nvSpPr>
-        <p:spPr>
-          <a:xfrm>
-            <a:off x="1321035" y="2403014"/>
-            <a:ext cx="905166" cy="307777"/>
-          </a:xfrm>
-          <a:prstGeom prst="rect">
-            <a:avLst/>
-          </a:prstGeom>
-          <a:noFill/>
-        </p:spPr>
-        <p:txBody>
-          <a:bodyPr wrap="square" rtlCol="0">
-            <a:spAutoFit/>
-          </a:bodyPr>
-          <a:lstStyle/>
-          <a:p>
-            <a:pPr algn="ctr"/>
-            <a:r>
-              <a:rPr lang="en-US" altLang="zh-TW" sz="1400" dirty="0" smtClean="0">
-                <a:latin typeface="微軟正黑體" panose="020B0604030504040204" pitchFamily="34" charset="-120"/>
-                <a:ea typeface="微軟正黑體" panose="020B0604030504040204" pitchFamily="34" charset="-120"/>
-              </a:rPr>
-              <a:t>100nm</a:t>
-            </a:r>
-            <a:endParaRPr lang="zh-TW" altLang="en-US" sz="1400" dirty="0">
-              <a:latin typeface="微軟正黑體" panose="020B0604030504040204" pitchFamily="34" charset="-120"/>
-              <a:ea typeface="微軟正黑體" panose="020B0604030504040204" pitchFamily="34" charset="-120"/>
-            </a:endParaRPr>
-          </a:p>
-        </p:txBody>
-      </p:sp>
-      <p:sp>
-        <p:nvSpPr>
-          <p:cNvPr id="27" name="文字方塊 26"/>
-          <p:cNvSpPr txBox="1"/>
-          <p:nvPr/>
-        </p:nvSpPr>
-        <p:spPr>
-          <a:xfrm>
-            <a:off x="3421360" y="2403014"/>
-            <a:ext cx="905166" cy="307777"/>
-          </a:xfrm>
-          <a:prstGeom prst="rect">
-            <a:avLst/>
-          </a:prstGeom>
-          <a:noFill/>
-        </p:spPr>
-        <p:txBody>
-          <a:bodyPr wrap="square" rtlCol="0">
-            <a:spAutoFit/>
-          </a:bodyPr>
-          <a:lstStyle/>
-          <a:p>
-            <a:pPr algn="ctr"/>
-            <a:r>
-              <a:rPr lang="en-US" altLang="zh-TW" sz="1400" dirty="0">
-                <a:latin typeface="微軟正黑體" panose="020B0604030504040204" pitchFamily="34" charset="-120"/>
-                <a:ea typeface="微軟正黑體" panose="020B0604030504040204" pitchFamily="34" charset="-120"/>
-              </a:rPr>
-              <a:t>4</a:t>
-            </a:r>
-            <a:r>
-              <a:rPr lang="en-US" altLang="zh-TW" sz="1400" dirty="0" smtClean="0">
-                <a:latin typeface="微軟正黑體" panose="020B0604030504040204" pitchFamily="34" charset="-120"/>
-                <a:ea typeface="微軟正黑體" panose="020B0604030504040204" pitchFamily="34" charset="-120"/>
-              </a:rPr>
-              <a:t>00nm</a:t>
-            </a:r>
-            <a:endParaRPr lang="zh-TW" altLang="en-US" sz="1400" dirty="0">
-              <a:latin typeface="微軟正黑體" panose="020B0604030504040204" pitchFamily="34" charset="-120"/>
-              <a:ea typeface="微軟正黑體" panose="020B0604030504040204" pitchFamily="34" charset="-120"/>
-            </a:endParaRPr>
-          </a:p>
-        </p:txBody>
-      </p:sp>
-      <p:sp>
-        <p:nvSpPr>
-          <p:cNvPr id="28" name="文字方塊 27"/>
-          <p:cNvSpPr txBox="1"/>
-          <p:nvPr/>
-        </p:nvSpPr>
-        <p:spPr>
-          <a:xfrm>
-            <a:off x="5173517" y="2403014"/>
-            <a:ext cx="905166" cy="307777"/>
-          </a:xfrm>
-          <a:prstGeom prst="rect">
-            <a:avLst/>
-          </a:prstGeom>
-          <a:noFill/>
-        </p:spPr>
-        <p:txBody>
-          <a:bodyPr wrap="square" rtlCol="0">
-            <a:spAutoFit/>
-          </a:bodyPr>
-          <a:lstStyle/>
-          <a:p>
-            <a:pPr algn="ctr"/>
-            <a:r>
-              <a:rPr lang="en-US" altLang="zh-TW" sz="1400" dirty="0" smtClean="0">
-                <a:latin typeface="微軟正黑體" panose="020B0604030504040204" pitchFamily="34" charset="-120"/>
-                <a:ea typeface="微軟正黑體" panose="020B0604030504040204" pitchFamily="34" charset="-120"/>
-              </a:rPr>
-              <a:t>780nm</a:t>
-            </a:r>
-            <a:endParaRPr lang="zh-TW" altLang="en-US" sz="1400" dirty="0">
-              <a:latin typeface="微軟正黑體" panose="020B0604030504040204" pitchFamily="34" charset="-120"/>
-              <a:ea typeface="微軟正黑體" panose="020B0604030504040204" pitchFamily="34" charset="-120"/>
-            </a:endParaRPr>
-          </a:p>
-        </p:txBody>
-      </p:sp>
-      <p:sp>
-        <p:nvSpPr>
-          <p:cNvPr id="29" name="右大括弧 28"/>
-          <p:cNvSpPr/>
-          <p:nvPr/>
-        </p:nvSpPr>
-        <p:spPr>
-          <a:xfrm rot="5400000">
-            <a:off x="2731837" y="2537336"/>
-            <a:ext cx="233457" cy="2035339"/>
-          </a:xfrm>
-          <a:prstGeom prst="rightBrace">
-            <a:avLst/>
-          </a:prstGeom>
-          <a:ln>
-            <a:solidFill>
-              <a:schemeClr val="tx1">
-                <a:lumMod val="50000"/>
-                <a:lumOff val="50000"/>
-              </a:schemeClr>
-            </a:solidFill>
-          </a:ln>
-        </p:spPr>
-        <p:style>
-          <a:lnRef idx="1">
-            <a:schemeClr val="accent1"/>
-          </a:lnRef>
-          <a:fillRef idx="0">
-            <a:schemeClr val="accent1"/>
-          </a:fillRef>
-          <a:effectRef idx="0">
-            <a:schemeClr val="accent1"/>
-          </a:effectRef>
-          <a:fontRef idx="minor">
-            <a:schemeClr val="tx1"/>
-          </a:fontRef>
-        </p:style>
-        <p:txBody>
-          <a:bodyPr rtlCol="0" anchor="ctr"/>
-          <a:lstStyle/>
-          <a:p>
-            <a:pPr algn="ctr"/>
-            <a:endParaRPr lang="zh-TW" altLang="en-US">
-              <a:solidFill>
-                <a:srgbClr val="7030A0"/>
-              </a:solidFill>
-            </a:endParaRPr>
-          </a:p>
-        </p:txBody>
-      </p:sp>
-      <p:sp>
-        <p:nvSpPr>
-          <p:cNvPr id="30" name="文字方塊 29"/>
-          <p:cNvSpPr txBox="1"/>
-          <p:nvPr/>
-        </p:nvSpPr>
-        <p:spPr>
-          <a:xfrm>
-            <a:off x="1028701" y="4019917"/>
-            <a:ext cx="720320" cy="338554"/>
-          </a:xfrm>
-          <a:prstGeom prst="rect">
-            <a:avLst/>
-          </a:prstGeom>
-          <a:gradFill flip="none" rotWithShape="1">
-            <a:gsLst>
-              <a:gs pos="0">
-                <a:srgbClr val="92D050">
-                  <a:shade val="30000"/>
-                  <a:satMod val="115000"/>
-                </a:srgbClr>
-              </a:gs>
-              <a:gs pos="50000">
-                <a:srgbClr val="92D050">
-                  <a:shade val="67500"/>
-                  <a:satMod val="115000"/>
-                </a:srgbClr>
-              </a:gs>
-              <a:gs pos="100000">
-                <a:srgbClr val="92D050">
-                  <a:shade val="100000"/>
-                  <a:satMod val="115000"/>
-                </a:srgbClr>
-              </a:gs>
-            </a:gsLst>
-            <a:path path="circle">
-              <a:fillToRect l="50000" t="50000" r="50000" b="50000"/>
-            </a:path>
-            <a:tileRect/>
-          </a:gradFill>
-        </p:spPr>
-        <p:txBody>
-          <a:bodyPr wrap="square" rtlCol="0">
-            <a:spAutoFit/>
-          </a:bodyPr>
-          <a:lstStyle/>
-          <a:p>
-            <a:pPr algn="ctr"/>
-            <a:r>
-              <a:rPr lang="en-US" altLang="zh-TW" sz="1600" b="1" dirty="0" smtClean="0">
-                <a:solidFill>
-                  <a:schemeClr val="bg1"/>
-                </a:solidFill>
-                <a:latin typeface="Comic Sans MS" panose="030F0702030302020204" pitchFamily="66" charset="0"/>
-                <a:cs typeface="Aharoni" panose="02010803020104030203" pitchFamily="2" charset="-79"/>
-              </a:rPr>
-              <a:t>UVC</a:t>
-            </a:r>
-          </a:p>
-        </p:txBody>
-      </p:sp>
-      <p:sp>
-        <p:nvSpPr>
-          <p:cNvPr id="31" name="文字方塊 30"/>
-          <p:cNvSpPr txBox="1"/>
-          <p:nvPr/>
-        </p:nvSpPr>
-        <p:spPr>
-          <a:xfrm>
-            <a:off x="926509" y="3671735"/>
-            <a:ext cx="1193329" cy="307777"/>
-          </a:xfrm>
-          <a:prstGeom prst="rect">
-            <a:avLst/>
-          </a:prstGeom>
-          <a:noFill/>
-        </p:spPr>
-        <p:txBody>
-          <a:bodyPr wrap="square" rtlCol="0">
-            <a:spAutoFit/>
-          </a:bodyPr>
-          <a:lstStyle/>
-          <a:p>
-            <a:pPr algn="ctr"/>
-            <a:r>
-              <a:rPr lang="zh-TW" altLang="en-US" sz="1400" dirty="0" smtClean="0">
-                <a:solidFill>
-                  <a:srgbClr val="7030A0"/>
-                </a:solidFill>
-                <a:latin typeface="微軟正黑體" panose="020B0604030504040204" pitchFamily="34" charset="-120"/>
-                <a:ea typeface="微軟正黑體" panose="020B0604030504040204" pitchFamily="34" charset="-120"/>
-              </a:rPr>
-              <a:t>紫外線波長</a:t>
-            </a:r>
-            <a:endParaRPr lang="zh-TW" altLang="en-US" sz="1400" dirty="0">
-              <a:solidFill>
-                <a:srgbClr val="7030A0"/>
-              </a:solidFill>
-              <a:latin typeface="微軟正黑體" panose="020B0604030504040204" pitchFamily="34" charset="-120"/>
-              <a:ea typeface="微軟正黑體" panose="020B0604030504040204" pitchFamily="34" charset="-120"/>
-            </a:endParaRPr>
-          </a:p>
-        </p:txBody>
-      </p:sp>
-      <p:sp>
-        <p:nvSpPr>
-          <p:cNvPr id="32" name="文字方塊 31"/>
-          <p:cNvSpPr txBox="1"/>
-          <p:nvPr/>
-        </p:nvSpPr>
-        <p:spPr>
-          <a:xfrm>
-            <a:off x="846134" y="2037239"/>
-            <a:ext cx="1354077" cy="369332"/>
-          </a:xfrm>
-          <a:prstGeom prst="rect">
-            <a:avLst/>
-          </a:prstGeom>
-          <a:noFill/>
-        </p:spPr>
-        <p:txBody>
-          <a:bodyPr wrap="square" rtlCol="0">
-            <a:spAutoFit/>
-          </a:bodyPr>
-          <a:lstStyle/>
-          <a:p>
-            <a:pPr algn="ctr"/>
-            <a:r>
-              <a:rPr lang="zh-TW" altLang="en-US" b="1" dirty="0" smtClean="0">
-                <a:latin typeface="微軟正黑體" panose="020B0604030504040204" pitchFamily="34" charset="-120"/>
-                <a:ea typeface="微軟正黑體" panose="020B0604030504040204" pitchFamily="34" charset="-120"/>
-              </a:rPr>
-              <a:t>紫外線光譜</a:t>
-            </a:r>
-            <a:endParaRPr lang="zh-TW" altLang="en-US" b="1" dirty="0">
-              <a:latin typeface="微軟正黑體" panose="020B0604030504040204" pitchFamily="34" charset="-120"/>
-              <a:ea typeface="微軟正黑體" panose="020B0604030504040204" pitchFamily="34" charset="-120"/>
-            </a:endParaRPr>
-          </a:p>
-        </p:txBody>
-      </p:sp>
-      <p:sp>
-        <p:nvSpPr>
-          <p:cNvPr id="33" name="文字方塊 32"/>
-          <p:cNvSpPr txBox="1"/>
-          <p:nvPr/>
-        </p:nvSpPr>
-        <p:spPr>
-          <a:xfrm>
-            <a:off x="1028701" y="4419715"/>
-            <a:ext cx="720319" cy="338554"/>
-          </a:xfrm>
-          <a:prstGeom prst="rect">
-            <a:avLst/>
-          </a:prstGeom>
-          <a:gradFill flip="none" rotWithShape="1">
-            <a:gsLst>
-              <a:gs pos="0">
-                <a:srgbClr val="0070C0">
-                  <a:shade val="30000"/>
-                  <a:satMod val="115000"/>
-                </a:srgbClr>
-              </a:gs>
-              <a:gs pos="50000">
-                <a:srgbClr val="0070C0">
-                  <a:shade val="67500"/>
-                  <a:satMod val="115000"/>
-                </a:srgbClr>
-              </a:gs>
-              <a:gs pos="100000">
-                <a:srgbClr val="0070C0">
-                  <a:shade val="100000"/>
-                  <a:satMod val="115000"/>
-                </a:srgbClr>
-              </a:gs>
-            </a:gsLst>
-            <a:lin ang="16200000" scaled="1"/>
-            <a:tileRect/>
-          </a:gradFill>
-        </p:spPr>
-        <p:txBody>
-          <a:bodyPr wrap="square" rtlCol="0">
-            <a:spAutoFit/>
-          </a:bodyPr>
-          <a:lstStyle/>
-          <a:p>
-            <a:pPr algn="ctr"/>
-            <a:r>
-              <a:rPr lang="en-US" altLang="zh-TW" sz="1600" b="1" dirty="0" smtClean="0">
-                <a:solidFill>
-                  <a:schemeClr val="bg1"/>
-                </a:solidFill>
-                <a:latin typeface="Comic Sans MS" panose="030F0702030302020204" pitchFamily="66" charset="0"/>
-                <a:cs typeface="Aharoni" panose="02010803020104030203" pitchFamily="2" charset="-79"/>
-              </a:rPr>
-              <a:t>UVB</a:t>
-            </a:r>
-          </a:p>
-        </p:txBody>
-      </p:sp>
-      <p:sp>
-        <p:nvSpPr>
-          <p:cNvPr id="34" name="文字方塊 33"/>
-          <p:cNvSpPr txBox="1"/>
-          <p:nvPr/>
-        </p:nvSpPr>
-        <p:spPr>
-          <a:xfrm>
-            <a:off x="1028701" y="4819513"/>
-            <a:ext cx="735520" cy="338554"/>
-          </a:xfrm>
-          <a:prstGeom prst="rect">
-            <a:avLst/>
-          </a:prstGeom>
-          <a:gradFill flip="none" rotWithShape="1">
-            <a:gsLst>
-              <a:gs pos="0">
-                <a:srgbClr val="7030A0">
-                  <a:shade val="30000"/>
-                  <a:satMod val="115000"/>
-                </a:srgbClr>
-              </a:gs>
-              <a:gs pos="50000">
-                <a:srgbClr val="7030A0">
-                  <a:shade val="67500"/>
-                  <a:satMod val="115000"/>
-                </a:srgbClr>
-              </a:gs>
-              <a:gs pos="100000">
-                <a:srgbClr val="7030A0">
-                  <a:shade val="100000"/>
-                  <a:satMod val="115000"/>
-                </a:srgbClr>
-              </a:gs>
-            </a:gsLst>
-            <a:lin ang="13500000" scaled="1"/>
-            <a:tileRect/>
-          </a:gradFill>
-        </p:spPr>
-        <p:txBody>
-          <a:bodyPr wrap="square" rtlCol="0">
-            <a:spAutoFit/>
-          </a:bodyPr>
-          <a:lstStyle/>
-          <a:p>
-            <a:pPr algn="ctr"/>
-            <a:r>
-              <a:rPr lang="en-US" altLang="zh-TW" sz="1600" b="1" dirty="0" smtClean="0">
-                <a:solidFill>
-                  <a:schemeClr val="bg1"/>
-                </a:solidFill>
-                <a:latin typeface="Comic Sans MS" panose="030F0702030302020204" pitchFamily="66" charset="0"/>
-                <a:cs typeface="Aharoni" panose="02010803020104030203" pitchFamily="2" charset="-79"/>
-              </a:rPr>
-              <a:t>UVA</a:t>
-            </a:r>
-          </a:p>
-        </p:txBody>
-      </p:sp>
-      <p:sp>
-        <p:nvSpPr>
-          <p:cNvPr id="37" name="文字方塊 36"/>
-          <p:cNvSpPr txBox="1"/>
-          <p:nvPr/>
-        </p:nvSpPr>
-        <p:spPr>
-          <a:xfrm>
-            <a:off x="1680337" y="4052525"/>
-            <a:ext cx="1338498" cy="307777"/>
-          </a:xfrm>
-          <a:prstGeom prst="rect">
-            <a:avLst/>
-          </a:prstGeom>
-          <a:noFill/>
-        </p:spPr>
-        <p:txBody>
-          <a:bodyPr wrap="square" rtlCol="0">
-            <a:spAutoFit/>
-          </a:bodyPr>
-          <a:lstStyle/>
-          <a:p>
-            <a:pPr algn="ctr"/>
-            <a:r>
-              <a:rPr lang="en-US" altLang="zh-TW" sz="1400" dirty="0" smtClean="0">
-                <a:latin typeface="微軟正黑體" panose="020B0604030504040204" pitchFamily="34" charset="-120"/>
-                <a:ea typeface="微軟正黑體" panose="020B0604030504040204" pitchFamily="34" charset="-120"/>
-              </a:rPr>
-              <a:t>100 – 280 nm</a:t>
-            </a:r>
-            <a:endParaRPr lang="zh-TW" altLang="en-US" sz="1400" dirty="0">
-              <a:latin typeface="微軟正黑體" panose="020B0604030504040204" pitchFamily="34" charset="-120"/>
-              <a:ea typeface="微軟正黑體" panose="020B0604030504040204" pitchFamily="34" charset="-120"/>
-            </a:endParaRPr>
-          </a:p>
-        </p:txBody>
-      </p:sp>
-      <p:sp>
-        <p:nvSpPr>
-          <p:cNvPr id="38" name="文字方塊 37"/>
-          <p:cNvSpPr txBox="1"/>
-          <p:nvPr/>
-        </p:nvSpPr>
-        <p:spPr>
-          <a:xfrm>
-            <a:off x="1680337" y="4442798"/>
-            <a:ext cx="1338498" cy="307777"/>
-          </a:xfrm>
-          <a:prstGeom prst="rect">
-            <a:avLst/>
-          </a:prstGeom>
-          <a:noFill/>
-        </p:spPr>
-        <p:txBody>
-          <a:bodyPr wrap="square" rtlCol="0">
-            <a:spAutoFit/>
-          </a:bodyPr>
-          <a:lstStyle/>
-          <a:p>
-            <a:pPr algn="ctr"/>
-            <a:r>
-              <a:rPr lang="en-US" altLang="zh-TW" sz="1400" dirty="0" smtClean="0">
-                <a:latin typeface="微軟正黑體" panose="020B0604030504040204" pitchFamily="34" charset="-120"/>
-                <a:ea typeface="微軟正黑體" panose="020B0604030504040204" pitchFamily="34" charset="-120"/>
-              </a:rPr>
-              <a:t>280 – 320 nm</a:t>
-            </a:r>
-            <a:endParaRPr lang="zh-TW" altLang="en-US" sz="1400" dirty="0">
-              <a:latin typeface="微軟正黑體" panose="020B0604030504040204" pitchFamily="34" charset="-120"/>
-              <a:ea typeface="微軟正黑體" panose="020B0604030504040204" pitchFamily="34" charset="-120"/>
-            </a:endParaRPr>
-          </a:p>
-        </p:txBody>
-      </p:sp>
-      <p:sp>
-        <p:nvSpPr>
-          <p:cNvPr id="39" name="文字方塊 38"/>
-          <p:cNvSpPr txBox="1"/>
-          <p:nvPr/>
-        </p:nvSpPr>
-        <p:spPr>
-          <a:xfrm>
-            <a:off x="1680337" y="4842597"/>
-            <a:ext cx="1338498" cy="307777"/>
-          </a:xfrm>
-          <a:prstGeom prst="rect">
-            <a:avLst/>
-          </a:prstGeom>
-          <a:noFill/>
-        </p:spPr>
-        <p:txBody>
-          <a:bodyPr wrap="square" rtlCol="0">
-            <a:spAutoFit/>
-          </a:bodyPr>
-          <a:lstStyle/>
-          <a:p>
-            <a:pPr algn="ctr"/>
-            <a:r>
-              <a:rPr lang="en-US" altLang="zh-TW" sz="1400" dirty="0" smtClean="0">
-                <a:latin typeface="微軟正黑體" panose="020B0604030504040204" pitchFamily="34" charset="-120"/>
-                <a:ea typeface="微軟正黑體" panose="020B0604030504040204" pitchFamily="34" charset="-120"/>
-              </a:rPr>
-              <a:t>320 – 400 nm</a:t>
-            </a:r>
-            <a:endParaRPr lang="zh-TW" altLang="en-US" sz="1400" dirty="0">
-              <a:latin typeface="微軟正黑體" panose="020B0604030504040204" pitchFamily="34" charset="-120"/>
-              <a:ea typeface="微軟正黑體" panose="020B0604030504040204" pitchFamily="34" charset="-120"/>
-            </a:endParaRPr>
-          </a:p>
-        </p:txBody>
-      </p:sp>
-      <p:sp>
-        <p:nvSpPr>
-          <p:cNvPr id="40" name="文字方塊 39"/>
-          <p:cNvSpPr txBox="1"/>
-          <p:nvPr/>
-        </p:nvSpPr>
-        <p:spPr>
-          <a:xfrm>
-            <a:off x="2868907" y="4031016"/>
-            <a:ext cx="3406185" cy="369332"/>
-          </a:xfrm>
-          <a:prstGeom prst="rect">
-            <a:avLst/>
-          </a:prstGeom>
-          <a:noFill/>
-        </p:spPr>
-        <p:txBody>
-          <a:bodyPr wrap="square" rtlCol="0">
-            <a:spAutoFit/>
-          </a:bodyPr>
-          <a:lstStyle/>
-          <a:p>
-            <a:pPr algn="ctr"/>
-            <a:r>
-              <a:rPr lang="zh-TW" altLang="en-US" dirty="0" smtClean="0">
-                <a:latin typeface="微軟正黑體" panose="020B0604030504040204" pitchFamily="34" charset="-120"/>
-                <a:ea typeface="微軟正黑體" panose="020B0604030504040204" pitchFamily="34" charset="-120"/>
-              </a:rPr>
-              <a:t>臭氧層破讓</a:t>
-            </a:r>
-            <a:r>
-              <a:rPr lang="en-US" altLang="zh-TW" dirty="0" smtClean="0">
-                <a:latin typeface="微軟正黑體" panose="020B0604030504040204" pitchFamily="34" charset="-120"/>
-                <a:ea typeface="微軟正黑體" panose="020B0604030504040204" pitchFamily="34" charset="-120"/>
-              </a:rPr>
-              <a:t>UVC</a:t>
-            </a:r>
-            <a:r>
-              <a:rPr lang="zh-TW" altLang="en-US" dirty="0" smtClean="0">
-                <a:latin typeface="微軟正黑體" panose="020B0604030504040204" pitchFamily="34" charset="-120"/>
-                <a:ea typeface="微軟正黑體" panose="020B0604030504040204" pitchFamily="34" charset="-120"/>
-              </a:rPr>
-              <a:t>有機會到達地球</a:t>
-            </a:r>
-            <a:endParaRPr lang="zh-TW" altLang="en-US" dirty="0">
-              <a:latin typeface="微軟正黑體" panose="020B0604030504040204" pitchFamily="34" charset="-120"/>
-              <a:ea typeface="微軟正黑體" panose="020B0604030504040204" pitchFamily="34" charset="-120"/>
-            </a:endParaRPr>
-          </a:p>
-        </p:txBody>
-      </p:sp>
-      <p:sp>
-        <p:nvSpPr>
-          <p:cNvPr id="41" name="文字方塊 40"/>
-          <p:cNvSpPr txBox="1"/>
-          <p:nvPr/>
-        </p:nvSpPr>
-        <p:spPr>
-          <a:xfrm>
-            <a:off x="2834357" y="4410031"/>
-            <a:ext cx="2771790" cy="369332"/>
-          </a:xfrm>
-          <a:prstGeom prst="rect">
-            <a:avLst/>
-          </a:prstGeom>
-          <a:noFill/>
-        </p:spPr>
-        <p:txBody>
-          <a:bodyPr wrap="square" rtlCol="0">
-            <a:spAutoFit/>
-          </a:bodyPr>
-          <a:lstStyle/>
-          <a:p>
-            <a:pPr algn="ctr"/>
-            <a:r>
-              <a:rPr lang="zh-TW" altLang="en-US" dirty="0" smtClean="0">
-                <a:latin typeface="微軟正黑體" panose="020B0604030504040204" pitchFamily="34" charset="-120"/>
-                <a:ea typeface="微軟正黑體" panose="020B0604030504040204" pitchFamily="34" charset="-120"/>
-              </a:rPr>
-              <a:t>使皮膚曬傷、變紅、暗沉</a:t>
-            </a:r>
-            <a:endParaRPr lang="zh-TW" altLang="en-US" dirty="0">
-              <a:latin typeface="微軟正黑體" panose="020B0604030504040204" pitchFamily="34" charset="-120"/>
-              <a:ea typeface="微軟正黑體" panose="020B0604030504040204" pitchFamily="34" charset="-120"/>
-            </a:endParaRPr>
-          </a:p>
-        </p:txBody>
-      </p:sp>
-      <p:sp>
-        <p:nvSpPr>
-          <p:cNvPr id="42" name="文字方塊 41"/>
-          <p:cNvSpPr txBox="1"/>
-          <p:nvPr/>
-        </p:nvSpPr>
-        <p:spPr>
-          <a:xfrm>
-            <a:off x="2834357" y="4789046"/>
-            <a:ext cx="2771790" cy="369332"/>
-          </a:xfrm>
-          <a:prstGeom prst="rect">
-            <a:avLst/>
-          </a:prstGeom>
-          <a:noFill/>
-        </p:spPr>
-        <p:txBody>
-          <a:bodyPr wrap="square" rtlCol="0">
-            <a:spAutoFit/>
-          </a:bodyPr>
-          <a:lstStyle/>
-          <a:p>
-            <a:pPr algn="ctr"/>
-            <a:r>
-              <a:rPr lang="zh-TW" altLang="en-US" dirty="0" smtClean="0">
-                <a:latin typeface="微軟正黑體" panose="020B0604030504040204" pitchFamily="34" charset="-120"/>
-                <a:ea typeface="微軟正黑體" panose="020B0604030504040204" pitchFamily="34" charset="-120"/>
-              </a:rPr>
-              <a:t>使皮膚老化、變黑、皺紋</a:t>
-            </a:r>
-            <a:endParaRPr lang="zh-TW" altLang="en-US" dirty="0">
-              <a:latin typeface="微軟正黑體" panose="020B0604030504040204" pitchFamily="34" charset="-120"/>
-              <a:ea typeface="微軟正黑體" panose="020B0604030504040204" pitchFamily="34" charset="-120"/>
-            </a:endParaRPr>
+          <a:p>
+            <a:endParaRPr lang="zh-TW" altLang="en-US" dirty="0"/>
           </a:p>
         </p:txBody>
       </p:sp>
     </p:spTree>
     <p:extLst>
       <p:ext uri="{BB962C8B-B14F-4D97-AF65-F5344CB8AC3E}">
-        <p14:creationId xmlns:p14="http://schemas.microsoft.com/office/powerpoint/2010/main" val="3386070244"/>
+        <p14:creationId xmlns:p14="http://schemas.microsoft.com/office/powerpoint/2010/main" val="3315479813"/>
       </p:ext>
     </p:extLst>
   </p:cSld>
@@ -12461,11 +11436,6 @@
 <file path=ppt/slides/slide20.xml><?xml version="1.0" encoding="utf-8"?>
 <p:sld xmlns:a="http://schemas.openxmlformats.org/drawingml/2006/main" xmlns:r="http://schemas.openxmlformats.org/officeDocument/2006/relationships" xmlns:p="http://schemas.openxmlformats.org/presentationml/2006/main">
   <p:cSld>
-    <p:bg>
-      <p:bgRef idx="1001">
-        <a:schemeClr val="bg1"/>
-      </p:bgRef>
-    </p:bg>
     <p:spTree>
       <p:nvGrpSpPr>
         <p:cNvPr id="1" name=""/>
@@ -12496,113 +11466,1074 @@
           <a:lstStyle/>
           <a:p>
             <a:r>
-              <a:rPr lang="en-US" altLang="zh-TW" dirty="0" smtClean="0">
-                <a:latin typeface="+mn-lt"/>
-              </a:rPr>
-              <a:t>Fact3</a:t>
+              <a:rPr lang="en-US" altLang="zh-TW" dirty="0" smtClean="0"/>
+              <a:t>Fact2</a:t>
+            </a:r>
+            <a:endParaRPr lang="zh-TW" altLang="en-US" dirty="0"/>
+          </a:p>
+        </p:txBody>
+      </p:sp>
+      <p:pic>
+        <p:nvPicPr>
+          <p:cNvPr id="4" name="內容版面配置區 3"/>
+          <p:cNvPicPr>
+            <a:picLocks noGrp="1" noChangeAspect="1"/>
+          </p:cNvPicPr>
+          <p:nvPr>
+            <p:ph idx="1"/>
+          </p:nvPr>
+        </p:nvPicPr>
+        <p:blipFill rotWithShape="1">
+          <a:blip r:embed="rId3"/>
+          <a:srcRect b="7272"/>
+          <a:stretch/>
+        </p:blipFill>
+        <p:spPr>
+          <a:xfrm>
+            <a:off x="952209" y="3065896"/>
+            <a:ext cx="5143500" cy="309129"/>
+          </a:xfrm>
+          <a:prstGeom prst="rect">
+            <a:avLst/>
+          </a:prstGeom>
+        </p:spPr>
+      </p:pic>
+      <p:cxnSp>
+        <p:nvCxnSpPr>
+          <p:cNvPr id="7" name="直線接點 6"/>
+          <p:cNvCxnSpPr/>
+          <p:nvPr/>
+        </p:nvCxnSpPr>
+        <p:spPr>
+          <a:xfrm>
+            <a:off x="3176359" y="2888344"/>
+            <a:ext cx="1271816" cy="0"/>
+          </a:xfrm>
+          <a:prstGeom prst="line">
+            <a:avLst/>
+          </a:prstGeom>
+          <a:ln>
+            <a:solidFill>
+              <a:schemeClr val="tx1">
+                <a:lumMod val="50000"/>
+                <a:lumOff val="50000"/>
+              </a:schemeClr>
+            </a:solidFill>
+          </a:ln>
+        </p:spPr>
+        <p:style>
+          <a:lnRef idx="1">
+            <a:schemeClr val="accent1"/>
+          </a:lnRef>
+          <a:fillRef idx="0">
+            <a:schemeClr val="accent1"/>
+          </a:fillRef>
+          <a:effectRef idx="0">
+            <a:schemeClr val="accent1"/>
+          </a:effectRef>
+          <a:fontRef idx="minor">
+            <a:schemeClr val="tx1"/>
+          </a:fontRef>
+        </p:style>
+      </p:cxnSp>
+      <p:cxnSp>
+        <p:nvCxnSpPr>
+          <p:cNvPr id="10" name="直線接點 9"/>
+          <p:cNvCxnSpPr/>
+          <p:nvPr/>
+        </p:nvCxnSpPr>
+        <p:spPr>
+          <a:xfrm>
+            <a:off x="1726121" y="2888343"/>
+            <a:ext cx="674179" cy="0"/>
+          </a:xfrm>
+          <a:prstGeom prst="line">
+            <a:avLst/>
+          </a:prstGeom>
+          <a:ln>
+            <a:solidFill>
+              <a:schemeClr val="tx1">
+                <a:lumMod val="50000"/>
+                <a:lumOff val="50000"/>
+              </a:schemeClr>
+            </a:solidFill>
+          </a:ln>
+        </p:spPr>
+        <p:style>
+          <a:lnRef idx="1">
+            <a:schemeClr val="accent1"/>
+          </a:lnRef>
+          <a:fillRef idx="0">
+            <a:schemeClr val="accent1"/>
+          </a:fillRef>
+          <a:effectRef idx="0">
+            <a:schemeClr val="accent1"/>
+          </a:effectRef>
+          <a:fontRef idx="minor">
+            <a:schemeClr val="tx1"/>
+          </a:fontRef>
+        </p:style>
+      </p:cxnSp>
+      <p:sp>
+        <p:nvSpPr>
+          <p:cNvPr id="11" name="文字方塊 10"/>
+          <p:cNvSpPr txBox="1"/>
+          <p:nvPr/>
+        </p:nvSpPr>
+        <p:spPr>
+          <a:xfrm>
+            <a:off x="2348121" y="2714103"/>
+            <a:ext cx="905166" cy="369332"/>
+          </a:xfrm>
+          <a:prstGeom prst="rect">
+            <a:avLst/>
+          </a:prstGeom>
+          <a:noFill/>
+        </p:spPr>
+        <p:txBody>
+          <a:bodyPr wrap="square" rtlCol="0">
+            <a:spAutoFit/>
+          </a:bodyPr>
+          <a:lstStyle/>
+          <a:p>
+            <a:pPr algn="ctr"/>
+            <a:r>
+              <a:rPr lang="zh-TW" altLang="en-US" dirty="0" smtClean="0">
+                <a:latin typeface="微軟正黑體" panose="020B0604030504040204" pitchFamily="34" charset="-120"/>
+                <a:ea typeface="微軟正黑體" panose="020B0604030504040204" pitchFamily="34" charset="-120"/>
+              </a:rPr>
+              <a:t>紫外</a:t>
+            </a:r>
+            <a:r>
+              <a:rPr lang="zh-TW" altLang="en-US" dirty="0">
+                <a:latin typeface="微軟正黑體" panose="020B0604030504040204" pitchFamily="34" charset="-120"/>
+                <a:ea typeface="微軟正黑體" panose="020B0604030504040204" pitchFamily="34" charset="-120"/>
+              </a:rPr>
+              <a:t>線</a:t>
+            </a:r>
+          </a:p>
+        </p:txBody>
+      </p:sp>
+      <p:cxnSp>
+        <p:nvCxnSpPr>
+          <p:cNvPr id="12" name="直線接點 11"/>
+          <p:cNvCxnSpPr/>
+          <p:nvPr/>
+        </p:nvCxnSpPr>
+        <p:spPr>
+          <a:xfrm>
+            <a:off x="5176011" y="2888343"/>
+            <a:ext cx="410645" cy="0"/>
+          </a:xfrm>
+          <a:prstGeom prst="line">
+            <a:avLst/>
+          </a:prstGeom>
+          <a:ln>
+            <a:solidFill>
+              <a:schemeClr val="tx1">
+                <a:lumMod val="50000"/>
+                <a:lumOff val="50000"/>
+              </a:schemeClr>
+            </a:solidFill>
+          </a:ln>
+        </p:spPr>
+        <p:style>
+          <a:lnRef idx="1">
+            <a:schemeClr val="accent1"/>
+          </a:lnRef>
+          <a:fillRef idx="0">
+            <a:schemeClr val="accent1"/>
+          </a:fillRef>
+          <a:effectRef idx="0">
+            <a:schemeClr val="accent1"/>
+          </a:effectRef>
+          <a:fontRef idx="minor">
+            <a:schemeClr val="tx1"/>
+          </a:fontRef>
+        </p:style>
+      </p:cxnSp>
+      <p:sp>
+        <p:nvSpPr>
+          <p:cNvPr id="14" name="文字方塊 13"/>
+          <p:cNvSpPr txBox="1"/>
+          <p:nvPr/>
+        </p:nvSpPr>
+        <p:spPr>
+          <a:xfrm>
+            <a:off x="4346659" y="2719066"/>
+            <a:ext cx="905166" cy="369332"/>
+          </a:xfrm>
+          <a:prstGeom prst="rect">
+            <a:avLst/>
+          </a:prstGeom>
+          <a:noFill/>
+        </p:spPr>
+        <p:txBody>
+          <a:bodyPr wrap="square" rtlCol="0">
+            <a:spAutoFit/>
+          </a:bodyPr>
+          <a:lstStyle/>
+          <a:p>
+            <a:pPr algn="ctr"/>
+            <a:r>
+              <a:rPr lang="zh-TW" altLang="en-US" dirty="0" smtClean="0">
+                <a:latin typeface="微軟正黑體" panose="020B0604030504040204" pitchFamily="34" charset="-120"/>
+                <a:ea typeface="微軟正黑體" panose="020B0604030504040204" pitchFamily="34" charset="-120"/>
+              </a:rPr>
+              <a:t>可見光</a:t>
             </a:r>
             <a:endParaRPr lang="zh-TW" altLang="en-US" dirty="0">
-              <a:latin typeface="+mn-lt"/>
+              <a:latin typeface="微軟正黑體" panose="020B0604030504040204" pitchFamily="34" charset="-120"/>
+              <a:ea typeface="微軟正黑體" panose="020B0604030504040204" pitchFamily="34" charset="-120"/>
+            </a:endParaRPr>
+          </a:p>
+        </p:txBody>
+      </p:sp>
+      <p:cxnSp>
+        <p:nvCxnSpPr>
+          <p:cNvPr id="17" name="直線接點 16"/>
+          <p:cNvCxnSpPr/>
+          <p:nvPr/>
+        </p:nvCxnSpPr>
+        <p:spPr>
+          <a:xfrm>
+            <a:off x="3831018" y="2709541"/>
+            <a:ext cx="0" cy="338554"/>
+          </a:xfrm>
+          <a:prstGeom prst="line">
+            <a:avLst/>
+          </a:prstGeom>
+          <a:ln>
+            <a:solidFill>
+              <a:schemeClr val="tx1">
+                <a:lumMod val="50000"/>
+                <a:lumOff val="50000"/>
+              </a:schemeClr>
+            </a:solidFill>
+          </a:ln>
+        </p:spPr>
+        <p:style>
+          <a:lnRef idx="1">
+            <a:schemeClr val="accent1"/>
+          </a:lnRef>
+          <a:fillRef idx="0">
+            <a:schemeClr val="accent1"/>
+          </a:fillRef>
+          <a:effectRef idx="0">
+            <a:schemeClr val="accent1"/>
+          </a:effectRef>
+          <a:fontRef idx="minor">
+            <a:schemeClr val="tx1"/>
+          </a:fontRef>
+        </p:style>
+      </p:cxnSp>
+      <p:cxnSp>
+        <p:nvCxnSpPr>
+          <p:cNvPr id="18" name="直線接點 17"/>
+          <p:cNvCxnSpPr/>
+          <p:nvPr/>
+        </p:nvCxnSpPr>
+        <p:spPr>
+          <a:xfrm>
+            <a:off x="1728375" y="2719066"/>
+            <a:ext cx="0" cy="338554"/>
+          </a:xfrm>
+          <a:prstGeom prst="line">
+            <a:avLst/>
+          </a:prstGeom>
+          <a:ln>
+            <a:solidFill>
+              <a:schemeClr val="tx1">
+                <a:lumMod val="50000"/>
+                <a:lumOff val="50000"/>
+              </a:schemeClr>
+            </a:solidFill>
+          </a:ln>
+        </p:spPr>
+        <p:style>
+          <a:lnRef idx="1">
+            <a:schemeClr val="accent1"/>
+          </a:lnRef>
+          <a:fillRef idx="0">
+            <a:schemeClr val="accent1"/>
+          </a:fillRef>
+          <a:effectRef idx="0">
+            <a:schemeClr val="accent1"/>
+          </a:effectRef>
+          <a:fontRef idx="minor">
+            <a:schemeClr val="tx1"/>
+          </a:fontRef>
+        </p:style>
+      </p:cxnSp>
+      <p:cxnSp>
+        <p:nvCxnSpPr>
+          <p:cNvPr id="20" name="直線接點 19"/>
+          <p:cNvCxnSpPr/>
+          <p:nvPr/>
+        </p:nvCxnSpPr>
+        <p:spPr>
+          <a:xfrm>
+            <a:off x="5582255" y="2709541"/>
+            <a:ext cx="0" cy="338554"/>
+          </a:xfrm>
+          <a:prstGeom prst="line">
+            <a:avLst/>
+          </a:prstGeom>
+          <a:ln>
+            <a:solidFill>
+              <a:schemeClr val="tx1">
+                <a:lumMod val="50000"/>
+                <a:lumOff val="50000"/>
+              </a:schemeClr>
+            </a:solidFill>
+          </a:ln>
+        </p:spPr>
+        <p:style>
+          <a:lnRef idx="1">
+            <a:schemeClr val="accent1"/>
+          </a:lnRef>
+          <a:fillRef idx="0">
+            <a:schemeClr val="accent1"/>
+          </a:fillRef>
+          <a:effectRef idx="0">
+            <a:schemeClr val="accent1"/>
+          </a:effectRef>
+          <a:fontRef idx="minor">
+            <a:schemeClr val="tx1"/>
+          </a:fontRef>
+        </p:style>
+      </p:cxnSp>
+      <p:sp>
+        <p:nvSpPr>
+          <p:cNvPr id="21" name="文字方塊 20"/>
+          <p:cNvSpPr txBox="1"/>
+          <p:nvPr/>
+        </p:nvSpPr>
+        <p:spPr>
+          <a:xfrm>
+            <a:off x="5527078" y="2719066"/>
+            <a:ext cx="905166" cy="369332"/>
+          </a:xfrm>
+          <a:prstGeom prst="rect">
+            <a:avLst/>
+          </a:prstGeom>
+          <a:noFill/>
+        </p:spPr>
+        <p:txBody>
+          <a:bodyPr wrap="square" rtlCol="0">
+            <a:spAutoFit/>
+          </a:bodyPr>
+          <a:lstStyle/>
+          <a:p>
+            <a:pPr algn="ctr"/>
+            <a:r>
+              <a:rPr lang="zh-TW" altLang="en-US" dirty="0" smtClean="0">
+                <a:latin typeface="微軟正黑體" panose="020B0604030504040204" pitchFamily="34" charset="-120"/>
+                <a:ea typeface="微軟正黑體" panose="020B0604030504040204" pitchFamily="34" charset="-120"/>
+              </a:rPr>
+              <a:t>紅外線</a:t>
+            </a:r>
+            <a:endParaRPr lang="zh-TW" altLang="en-US" dirty="0">
+              <a:latin typeface="微軟正黑體" panose="020B0604030504040204" pitchFamily="34" charset="-120"/>
+              <a:ea typeface="微軟正黑體" panose="020B0604030504040204" pitchFamily="34" charset="-120"/>
             </a:endParaRPr>
           </a:p>
         </p:txBody>
       </p:sp>
       <p:sp>
         <p:nvSpPr>
-          <p:cNvPr id="3" name="內容版面配置區 2"/>
-          <p:cNvSpPr>
-            <a:spLocks noGrp="1"/>
-          </p:cNvSpPr>
-          <p:nvPr>
-            <p:ph idx="1"/>
-          </p:nvPr>
+          <p:cNvPr id="22" name="文字方塊 21"/>
+          <p:cNvSpPr txBox="1"/>
+          <p:nvPr/>
         </p:nvSpPr>
-        <p:spPr/>
+        <p:spPr>
+          <a:xfrm>
+            <a:off x="885956" y="2703678"/>
+            <a:ext cx="905166" cy="369332"/>
+          </a:xfrm>
+          <a:prstGeom prst="rect">
+            <a:avLst/>
+          </a:prstGeom>
+          <a:noFill/>
+        </p:spPr>
         <p:txBody>
-          <a:bodyPr/>
+          <a:bodyPr wrap="square" rtlCol="0">
+            <a:spAutoFit/>
+          </a:bodyPr>
           <a:lstStyle/>
           <a:p>
+            <a:pPr algn="ctr"/>
+            <a:r>
+              <a:rPr lang="en-US" altLang="zh-TW" dirty="0" smtClean="0">
+                <a:latin typeface="微軟正黑體" panose="020B0604030504040204" pitchFamily="34" charset="-120"/>
+                <a:ea typeface="微軟正黑體" panose="020B0604030504040204" pitchFamily="34" charset="-120"/>
+              </a:rPr>
+              <a:t>X-Ray</a:t>
+            </a:r>
+            <a:endParaRPr lang="zh-TW" altLang="en-US" dirty="0">
+              <a:latin typeface="微軟正黑體" panose="020B0604030504040204" pitchFamily="34" charset="-120"/>
+              <a:ea typeface="微軟正黑體" panose="020B0604030504040204" pitchFamily="34" charset="-120"/>
+            </a:endParaRPr>
+          </a:p>
+        </p:txBody>
+      </p:sp>
+      <p:sp>
+        <p:nvSpPr>
+          <p:cNvPr id="26" name="文字方塊 25"/>
+          <p:cNvSpPr txBox="1"/>
+          <p:nvPr/>
+        </p:nvSpPr>
+        <p:spPr>
+          <a:xfrm>
+            <a:off x="1321035" y="2403014"/>
+            <a:ext cx="905166" cy="307777"/>
+          </a:xfrm>
+          <a:prstGeom prst="rect">
+            <a:avLst/>
+          </a:prstGeom>
+          <a:noFill/>
+        </p:spPr>
+        <p:txBody>
+          <a:bodyPr wrap="square" rtlCol="0">
+            <a:spAutoFit/>
+          </a:bodyPr>
+          <a:lstStyle/>
+          <a:p>
+            <a:pPr algn="ctr"/>
+            <a:r>
+              <a:rPr lang="en-US" altLang="zh-TW" sz="1400" dirty="0" smtClean="0">
+                <a:latin typeface="微軟正黑體" panose="020B0604030504040204" pitchFamily="34" charset="-120"/>
+                <a:ea typeface="微軟正黑體" panose="020B0604030504040204" pitchFamily="34" charset="-120"/>
+              </a:rPr>
+              <a:t>100nm</a:t>
+            </a:r>
+            <a:endParaRPr lang="zh-TW" altLang="en-US" sz="1400" dirty="0">
+              <a:latin typeface="微軟正黑體" panose="020B0604030504040204" pitchFamily="34" charset="-120"/>
+              <a:ea typeface="微軟正黑體" panose="020B0604030504040204" pitchFamily="34" charset="-120"/>
+            </a:endParaRPr>
+          </a:p>
+        </p:txBody>
+      </p:sp>
+      <p:sp>
+        <p:nvSpPr>
+          <p:cNvPr id="27" name="文字方塊 26"/>
+          <p:cNvSpPr txBox="1"/>
+          <p:nvPr/>
+        </p:nvSpPr>
+        <p:spPr>
+          <a:xfrm>
+            <a:off x="3421360" y="2403014"/>
+            <a:ext cx="905166" cy="307777"/>
+          </a:xfrm>
+          <a:prstGeom prst="rect">
+            <a:avLst/>
+          </a:prstGeom>
+          <a:noFill/>
+        </p:spPr>
+        <p:txBody>
+          <a:bodyPr wrap="square" rtlCol="0">
+            <a:spAutoFit/>
+          </a:bodyPr>
+          <a:lstStyle/>
+          <a:p>
+            <a:pPr algn="ctr"/>
+            <a:r>
+              <a:rPr lang="en-US" altLang="zh-TW" sz="1400" dirty="0">
+                <a:latin typeface="微軟正黑體" panose="020B0604030504040204" pitchFamily="34" charset="-120"/>
+                <a:ea typeface="微軟正黑體" panose="020B0604030504040204" pitchFamily="34" charset="-120"/>
+              </a:rPr>
+              <a:t>4</a:t>
+            </a:r>
+            <a:r>
+              <a:rPr lang="en-US" altLang="zh-TW" sz="1400" dirty="0" smtClean="0">
+                <a:latin typeface="微軟正黑體" panose="020B0604030504040204" pitchFamily="34" charset="-120"/>
+                <a:ea typeface="微軟正黑體" panose="020B0604030504040204" pitchFamily="34" charset="-120"/>
+              </a:rPr>
+              <a:t>00nm</a:t>
+            </a:r>
+            <a:endParaRPr lang="zh-TW" altLang="en-US" sz="1400" dirty="0">
+              <a:latin typeface="微軟正黑體" panose="020B0604030504040204" pitchFamily="34" charset="-120"/>
+              <a:ea typeface="微軟正黑體" panose="020B0604030504040204" pitchFamily="34" charset="-120"/>
+            </a:endParaRPr>
+          </a:p>
+        </p:txBody>
+      </p:sp>
+      <p:sp>
+        <p:nvSpPr>
+          <p:cNvPr id="28" name="文字方塊 27"/>
+          <p:cNvSpPr txBox="1"/>
+          <p:nvPr/>
+        </p:nvSpPr>
+        <p:spPr>
+          <a:xfrm>
+            <a:off x="5173517" y="2403014"/>
+            <a:ext cx="905166" cy="307777"/>
+          </a:xfrm>
+          <a:prstGeom prst="rect">
+            <a:avLst/>
+          </a:prstGeom>
+          <a:noFill/>
+        </p:spPr>
+        <p:txBody>
+          <a:bodyPr wrap="square" rtlCol="0">
+            <a:spAutoFit/>
+          </a:bodyPr>
+          <a:lstStyle/>
+          <a:p>
+            <a:pPr algn="ctr"/>
+            <a:r>
+              <a:rPr lang="en-US" altLang="zh-TW" sz="1400" dirty="0" smtClean="0">
+                <a:latin typeface="微軟正黑體" panose="020B0604030504040204" pitchFamily="34" charset="-120"/>
+                <a:ea typeface="微軟正黑體" panose="020B0604030504040204" pitchFamily="34" charset="-120"/>
+              </a:rPr>
+              <a:t>780nm</a:t>
+            </a:r>
+            <a:endParaRPr lang="zh-TW" altLang="en-US" sz="1400" dirty="0">
+              <a:latin typeface="微軟正黑體" panose="020B0604030504040204" pitchFamily="34" charset="-120"/>
+              <a:ea typeface="微軟正黑體" panose="020B0604030504040204" pitchFamily="34" charset="-120"/>
+            </a:endParaRPr>
+          </a:p>
+        </p:txBody>
+      </p:sp>
+      <p:sp>
+        <p:nvSpPr>
+          <p:cNvPr id="29" name="右大括弧 28"/>
+          <p:cNvSpPr/>
+          <p:nvPr/>
+        </p:nvSpPr>
+        <p:spPr>
+          <a:xfrm rot="5400000">
+            <a:off x="2731837" y="2537336"/>
+            <a:ext cx="233457" cy="2035339"/>
+          </a:xfrm>
+          <a:prstGeom prst="rightBrace">
+            <a:avLst/>
+          </a:prstGeom>
+          <a:ln>
+            <a:solidFill>
+              <a:schemeClr val="tx1">
+                <a:lumMod val="50000"/>
+                <a:lumOff val="50000"/>
+              </a:schemeClr>
+            </a:solidFill>
+          </a:ln>
+        </p:spPr>
+        <p:style>
+          <a:lnRef idx="1">
+            <a:schemeClr val="accent1"/>
+          </a:lnRef>
+          <a:fillRef idx="0">
+            <a:schemeClr val="accent1"/>
+          </a:fillRef>
+          <a:effectRef idx="0">
+            <a:schemeClr val="accent1"/>
+          </a:effectRef>
+          <a:fontRef idx="minor">
+            <a:schemeClr val="tx1"/>
+          </a:fontRef>
+        </p:style>
+        <p:txBody>
+          <a:bodyPr rtlCol="0" anchor="ctr"/>
+          <a:lstStyle/>
+          <a:p>
+            <a:pPr algn="ctr"/>
+            <a:endParaRPr lang="zh-TW" altLang="en-US">
+              <a:solidFill>
+                <a:srgbClr val="7030A0"/>
+              </a:solidFill>
+            </a:endParaRPr>
+          </a:p>
+        </p:txBody>
+      </p:sp>
+      <p:sp>
+        <p:nvSpPr>
+          <p:cNvPr id="30" name="文字方塊 29"/>
+          <p:cNvSpPr txBox="1"/>
+          <p:nvPr/>
+        </p:nvSpPr>
+        <p:spPr>
+          <a:xfrm>
+            <a:off x="1028701" y="4019917"/>
+            <a:ext cx="720320" cy="338554"/>
+          </a:xfrm>
+          <a:prstGeom prst="rect">
+            <a:avLst/>
+          </a:prstGeom>
+          <a:gradFill flip="none" rotWithShape="1">
+            <a:gsLst>
+              <a:gs pos="0">
+                <a:srgbClr val="92D050">
+                  <a:shade val="30000"/>
+                  <a:satMod val="115000"/>
+                </a:srgbClr>
+              </a:gs>
+              <a:gs pos="50000">
+                <a:srgbClr val="92D050">
+                  <a:shade val="67500"/>
+                  <a:satMod val="115000"/>
+                </a:srgbClr>
+              </a:gs>
+              <a:gs pos="100000">
+                <a:srgbClr val="92D050">
+                  <a:shade val="100000"/>
+                  <a:satMod val="115000"/>
+                </a:srgbClr>
+              </a:gs>
+            </a:gsLst>
+            <a:path path="circle">
+              <a:fillToRect l="50000" t="50000" r="50000" b="50000"/>
+            </a:path>
+            <a:tileRect/>
+          </a:gradFill>
+        </p:spPr>
+        <p:txBody>
+          <a:bodyPr wrap="square" rtlCol="0">
+            <a:spAutoFit/>
+          </a:bodyPr>
+          <a:lstStyle/>
+          <a:p>
+            <a:pPr algn="ctr"/>
+            <a:r>
+              <a:rPr lang="en-US" altLang="zh-TW" sz="1600" b="1" dirty="0" smtClean="0">
+                <a:solidFill>
+                  <a:schemeClr val="bg1"/>
+                </a:solidFill>
+                <a:latin typeface="Comic Sans MS" panose="030F0702030302020204" pitchFamily="66" charset="0"/>
+                <a:cs typeface="Aharoni" panose="02010803020104030203" pitchFamily="2" charset="-79"/>
+              </a:rPr>
+              <a:t>UVC</a:t>
+            </a:r>
+          </a:p>
+        </p:txBody>
+      </p:sp>
+      <p:sp>
+        <p:nvSpPr>
+          <p:cNvPr id="31" name="文字方塊 30"/>
+          <p:cNvSpPr txBox="1"/>
+          <p:nvPr/>
+        </p:nvSpPr>
+        <p:spPr>
+          <a:xfrm>
+            <a:off x="926509" y="3671735"/>
+            <a:ext cx="1193329" cy="307777"/>
+          </a:xfrm>
+          <a:prstGeom prst="rect">
+            <a:avLst/>
+          </a:prstGeom>
+          <a:noFill/>
+        </p:spPr>
+        <p:txBody>
+          <a:bodyPr wrap="square" rtlCol="0">
+            <a:spAutoFit/>
+          </a:bodyPr>
+          <a:lstStyle/>
+          <a:p>
+            <a:pPr algn="ctr"/>
+            <a:r>
+              <a:rPr lang="zh-TW" altLang="en-US" sz="1400" dirty="0" smtClean="0">
+                <a:solidFill>
+                  <a:srgbClr val="7030A0"/>
+                </a:solidFill>
+                <a:latin typeface="微軟正黑體" panose="020B0604030504040204" pitchFamily="34" charset="-120"/>
+                <a:ea typeface="微軟正黑體" panose="020B0604030504040204" pitchFamily="34" charset="-120"/>
+              </a:rPr>
+              <a:t>紫外線波長</a:t>
+            </a:r>
+            <a:endParaRPr lang="zh-TW" altLang="en-US" sz="1400" dirty="0">
+              <a:solidFill>
+                <a:srgbClr val="7030A0"/>
+              </a:solidFill>
+              <a:latin typeface="微軟正黑體" panose="020B0604030504040204" pitchFamily="34" charset="-120"/>
+              <a:ea typeface="微軟正黑體" panose="020B0604030504040204" pitchFamily="34" charset="-120"/>
+            </a:endParaRPr>
+          </a:p>
+        </p:txBody>
+      </p:sp>
+      <p:sp>
+        <p:nvSpPr>
+          <p:cNvPr id="32" name="文字方塊 31"/>
+          <p:cNvSpPr txBox="1"/>
+          <p:nvPr/>
+        </p:nvSpPr>
+        <p:spPr>
+          <a:xfrm>
+            <a:off x="846134" y="2037239"/>
+            <a:ext cx="1354077" cy="369332"/>
+          </a:xfrm>
+          <a:prstGeom prst="rect">
+            <a:avLst/>
+          </a:prstGeom>
+          <a:noFill/>
+        </p:spPr>
+        <p:txBody>
+          <a:bodyPr wrap="square" rtlCol="0">
+            <a:spAutoFit/>
+          </a:bodyPr>
+          <a:lstStyle/>
+          <a:p>
+            <a:pPr algn="ctr"/>
+            <a:r>
+              <a:rPr lang="zh-TW" altLang="en-US" b="1" dirty="0" smtClean="0">
+                <a:latin typeface="微軟正黑體" panose="020B0604030504040204" pitchFamily="34" charset="-120"/>
+                <a:ea typeface="微軟正黑體" panose="020B0604030504040204" pitchFamily="34" charset="-120"/>
+              </a:rPr>
+              <a:t>紫外線光譜</a:t>
+            </a:r>
+            <a:endParaRPr lang="zh-TW" altLang="en-US" b="1" dirty="0">
+              <a:latin typeface="微軟正黑體" panose="020B0604030504040204" pitchFamily="34" charset="-120"/>
+              <a:ea typeface="微軟正黑體" panose="020B0604030504040204" pitchFamily="34" charset="-120"/>
+            </a:endParaRPr>
+          </a:p>
+        </p:txBody>
+      </p:sp>
+      <p:sp>
+        <p:nvSpPr>
+          <p:cNvPr id="33" name="文字方塊 32"/>
+          <p:cNvSpPr txBox="1"/>
+          <p:nvPr/>
+        </p:nvSpPr>
+        <p:spPr>
+          <a:xfrm>
+            <a:off x="1028701" y="4419715"/>
+            <a:ext cx="720319" cy="338554"/>
+          </a:xfrm>
+          <a:prstGeom prst="rect">
+            <a:avLst/>
+          </a:prstGeom>
+          <a:gradFill flip="none" rotWithShape="1">
+            <a:gsLst>
+              <a:gs pos="0">
+                <a:srgbClr val="0070C0">
+                  <a:shade val="30000"/>
+                  <a:satMod val="115000"/>
+                </a:srgbClr>
+              </a:gs>
+              <a:gs pos="50000">
+                <a:srgbClr val="0070C0">
+                  <a:shade val="67500"/>
+                  <a:satMod val="115000"/>
+                </a:srgbClr>
+              </a:gs>
+              <a:gs pos="100000">
+                <a:srgbClr val="0070C0">
+                  <a:shade val="100000"/>
+                  <a:satMod val="115000"/>
+                </a:srgbClr>
+              </a:gs>
+            </a:gsLst>
+            <a:lin ang="16200000" scaled="1"/>
+            <a:tileRect/>
+          </a:gradFill>
+        </p:spPr>
+        <p:txBody>
+          <a:bodyPr wrap="square" rtlCol="0">
+            <a:spAutoFit/>
+          </a:bodyPr>
+          <a:lstStyle/>
+          <a:p>
+            <a:pPr algn="ctr"/>
+            <a:r>
+              <a:rPr lang="en-US" altLang="zh-TW" sz="1600" b="1" dirty="0" smtClean="0">
+                <a:solidFill>
+                  <a:schemeClr val="bg1"/>
+                </a:solidFill>
+                <a:latin typeface="Comic Sans MS" panose="030F0702030302020204" pitchFamily="66" charset="0"/>
+                <a:cs typeface="Aharoni" panose="02010803020104030203" pitchFamily="2" charset="-79"/>
+              </a:rPr>
+              <a:t>UVB</a:t>
+            </a:r>
+          </a:p>
+        </p:txBody>
+      </p:sp>
+      <p:sp>
+        <p:nvSpPr>
+          <p:cNvPr id="34" name="文字方塊 33"/>
+          <p:cNvSpPr txBox="1"/>
+          <p:nvPr/>
+        </p:nvSpPr>
+        <p:spPr>
+          <a:xfrm>
+            <a:off x="1028701" y="4819513"/>
+            <a:ext cx="735520" cy="338554"/>
+          </a:xfrm>
+          <a:prstGeom prst="rect">
+            <a:avLst/>
+          </a:prstGeom>
+          <a:gradFill flip="none" rotWithShape="1">
+            <a:gsLst>
+              <a:gs pos="0">
+                <a:srgbClr val="7030A0">
+                  <a:shade val="30000"/>
+                  <a:satMod val="115000"/>
+                </a:srgbClr>
+              </a:gs>
+              <a:gs pos="50000">
+                <a:srgbClr val="7030A0">
+                  <a:shade val="67500"/>
+                  <a:satMod val="115000"/>
+                </a:srgbClr>
+              </a:gs>
+              <a:gs pos="100000">
+                <a:srgbClr val="7030A0">
+                  <a:shade val="100000"/>
+                  <a:satMod val="115000"/>
+                </a:srgbClr>
+              </a:gs>
+            </a:gsLst>
+            <a:lin ang="13500000" scaled="1"/>
+            <a:tileRect/>
+          </a:gradFill>
+        </p:spPr>
+        <p:txBody>
+          <a:bodyPr wrap="square" rtlCol="0">
+            <a:spAutoFit/>
+          </a:bodyPr>
+          <a:lstStyle/>
+          <a:p>
+            <a:pPr algn="ctr"/>
+            <a:r>
+              <a:rPr lang="en-US" altLang="zh-TW" sz="1600" b="1" dirty="0" smtClean="0">
+                <a:solidFill>
+                  <a:schemeClr val="bg1"/>
+                </a:solidFill>
+                <a:latin typeface="Comic Sans MS" panose="030F0702030302020204" pitchFamily="66" charset="0"/>
+                <a:cs typeface="Aharoni" panose="02010803020104030203" pitchFamily="2" charset="-79"/>
+              </a:rPr>
+              <a:t>UVA</a:t>
+            </a:r>
+          </a:p>
+        </p:txBody>
+      </p:sp>
+      <p:sp>
+        <p:nvSpPr>
+          <p:cNvPr id="37" name="文字方塊 36"/>
+          <p:cNvSpPr txBox="1"/>
+          <p:nvPr/>
+        </p:nvSpPr>
+        <p:spPr>
+          <a:xfrm>
+            <a:off x="1680337" y="4052525"/>
+            <a:ext cx="1338498" cy="307777"/>
+          </a:xfrm>
+          <a:prstGeom prst="rect">
+            <a:avLst/>
+          </a:prstGeom>
+          <a:noFill/>
+        </p:spPr>
+        <p:txBody>
+          <a:bodyPr wrap="square" rtlCol="0">
+            <a:spAutoFit/>
+          </a:bodyPr>
+          <a:lstStyle/>
+          <a:p>
+            <a:pPr algn="ctr"/>
+            <a:r>
+              <a:rPr lang="en-US" altLang="zh-TW" sz="1400" dirty="0" smtClean="0">
+                <a:latin typeface="微軟正黑體" panose="020B0604030504040204" pitchFamily="34" charset="-120"/>
+                <a:ea typeface="微軟正黑體" panose="020B0604030504040204" pitchFamily="34" charset="-120"/>
+              </a:rPr>
+              <a:t>100 – 280 nm</a:t>
+            </a:r>
+            <a:endParaRPr lang="zh-TW" altLang="en-US" sz="1400" dirty="0">
+              <a:latin typeface="微軟正黑體" panose="020B0604030504040204" pitchFamily="34" charset="-120"/>
+              <a:ea typeface="微軟正黑體" panose="020B0604030504040204" pitchFamily="34" charset="-120"/>
+            </a:endParaRPr>
+          </a:p>
+        </p:txBody>
+      </p:sp>
+      <p:sp>
+        <p:nvSpPr>
+          <p:cNvPr id="38" name="文字方塊 37"/>
+          <p:cNvSpPr txBox="1"/>
+          <p:nvPr/>
+        </p:nvSpPr>
+        <p:spPr>
+          <a:xfrm>
+            <a:off x="1680337" y="4442798"/>
+            <a:ext cx="1338498" cy="307777"/>
+          </a:xfrm>
+          <a:prstGeom prst="rect">
+            <a:avLst/>
+          </a:prstGeom>
+          <a:noFill/>
+        </p:spPr>
+        <p:txBody>
+          <a:bodyPr wrap="square" rtlCol="0">
+            <a:spAutoFit/>
+          </a:bodyPr>
+          <a:lstStyle/>
+          <a:p>
+            <a:pPr algn="ctr"/>
+            <a:r>
+              <a:rPr lang="en-US" altLang="zh-TW" sz="1400" dirty="0" smtClean="0">
+                <a:latin typeface="微軟正黑體" panose="020B0604030504040204" pitchFamily="34" charset="-120"/>
+                <a:ea typeface="微軟正黑體" panose="020B0604030504040204" pitchFamily="34" charset="-120"/>
+              </a:rPr>
+              <a:t>280 – 320 nm</a:t>
+            </a:r>
+            <a:endParaRPr lang="zh-TW" altLang="en-US" sz="1400" dirty="0">
+              <a:latin typeface="微軟正黑體" panose="020B0604030504040204" pitchFamily="34" charset="-120"/>
+              <a:ea typeface="微軟正黑體" panose="020B0604030504040204" pitchFamily="34" charset="-120"/>
+            </a:endParaRPr>
+          </a:p>
+        </p:txBody>
+      </p:sp>
+      <p:sp>
+        <p:nvSpPr>
+          <p:cNvPr id="39" name="文字方塊 38"/>
+          <p:cNvSpPr txBox="1"/>
+          <p:nvPr/>
+        </p:nvSpPr>
+        <p:spPr>
+          <a:xfrm>
+            <a:off x="1680337" y="4842597"/>
+            <a:ext cx="1338498" cy="307777"/>
+          </a:xfrm>
+          <a:prstGeom prst="rect">
+            <a:avLst/>
+          </a:prstGeom>
+          <a:noFill/>
+        </p:spPr>
+        <p:txBody>
+          <a:bodyPr wrap="square" rtlCol="0">
+            <a:spAutoFit/>
+          </a:bodyPr>
+          <a:lstStyle/>
+          <a:p>
+            <a:pPr algn="ctr"/>
+            <a:r>
+              <a:rPr lang="en-US" altLang="zh-TW" sz="1400" dirty="0" smtClean="0">
+                <a:latin typeface="微軟正黑體" panose="020B0604030504040204" pitchFamily="34" charset="-120"/>
+                <a:ea typeface="微軟正黑體" panose="020B0604030504040204" pitchFamily="34" charset="-120"/>
+              </a:rPr>
+              <a:t>320 – 400 nm</a:t>
+            </a:r>
+            <a:endParaRPr lang="zh-TW" altLang="en-US" sz="1400" dirty="0">
+              <a:latin typeface="微軟正黑體" panose="020B0604030504040204" pitchFamily="34" charset="-120"/>
+              <a:ea typeface="微軟正黑體" panose="020B0604030504040204" pitchFamily="34" charset="-120"/>
+            </a:endParaRPr>
+          </a:p>
+        </p:txBody>
+      </p:sp>
+      <p:sp>
+        <p:nvSpPr>
+          <p:cNvPr id="40" name="文字方塊 39"/>
+          <p:cNvSpPr txBox="1"/>
+          <p:nvPr/>
+        </p:nvSpPr>
+        <p:spPr>
+          <a:xfrm>
+            <a:off x="2868907" y="4031016"/>
+            <a:ext cx="3406185" cy="369332"/>
+          </a:xfrm>
+          <a:prstGeom prst="rect">
+            <a:avLst/>
+          </a:prstGeom>
+          <a:noFill/>
+        </p:spPr>
+        <p:txBody>
+          <a:bodyPr wrap="square" rtlCol="0">
+            <a:spAutoFit/>
+          </a:bodyPr>
+          <a:lstStyle/>
+          <a:p>
+            <a:pPr algn="ctr"/>
             <a:r>
               <a:rPr lang="zh-TW" altLang="en-US" dirty="0" smtClean="0">
                 <a:latin typeface="微軟正黑體" panose="020B0604030504040204" pitchFamily="34" charset="-120"/>
                 <a:ea typeface="微軟正黑體" panose="020B0604030504040204" pitchFamily="34" charset="-120"/>
               </a:rPr>
-              <a:t>雲層厚度</a:t>
+              <a:t>臭氧層破讓</a:t>
             </a:r>
             <a:r>
               <a:rPr lang="en-US" altLang="zh-TW" dirty="0" smtClean="0">
                 <a:latin typeface="微軟正黑體" panose="020B0604030504040204" pitchFamily="34" charset="-120"/>
                 <a:ea typeface="微軟正黑體" panose="020B0604030504040204" pitchFamily="34" charset="-120"/>
               </a:rPr>
-              <a:t>(Thick cover of clouds)</a:t>
-            </a:r>
-          </a:p>
-          <a:p>
-            <a:endParaRPr lang="en-US" altLang="zh-TW" dirty="0">
+              <a:t>UVC</a:t>
+            </a:r>
+            <a:r>
+              <a:rPr lang="zh-TW" altLang="en-US" dirty="0" smtClean="0">
+                <a:latin typeface="微軟正黑體" panose="020B0604030504040204" pitchFamily="34" charset="-120"/>
+                <a:ea typeface="微軟正黑體" panose="020B0604030504040204" pitchFamily="34" charset="-120"/>
+              </a:rPr>
+              <a:t>有機會到達地球</a:t>
+            </a:r>
+            <a:endParaRPr lang="zh-TW" altLang="en-US" dirty="0">
               <a:latin typeface="微軟正黑體" panose="020B0604030504040204" pitchFamily="34" charset="-120"/>
               <a:ea typeface="微軟正黑體" panose="020B0604030504040204" pitchFamily="34" charset="-120"/>
             </a:endParaRPr>
           </a:p>
-          <a:p>
+        </p:txBody>
+      </p:sp>
+      <p:sp>
+        <p:nvSpPr>
+          <p:cNvPr id="41" name="文字方塊 40"/>
+          <p:cNvSpPr txBox="1"/>
+          <p:nvPr/>
+        </p:nvSpPr>
+        <p:spPr>
+          <a:xfrm>
+            <a:off x="2834357" y="4410031"/>
+            <a:ext cx="2771790" cy="369332"/>
+          </a:xfrm>
+          <a:prstGeom prst="rect">
+            <a:avLst/>
+          </a:prstGeom>
+          <a:noFill/>
+        </p:spPr>
+        <p:txBody>
+          <a:bodyPr wrap="square" rtlCol="0">
+            <a:spAutoFit/>
+          </a:bodyPr>
+          <a:lstStyle/>
+          <a:p>
+            <a:pPr algn="ctr"/>
             <a:r>
               <a:rPr lang="zh-TW" altLang="en-US" dirty="0" smtClean="0">
                 <a:latin typeface="微軟正黑體" panose="020B0604030504040204" pitchFamily="34" charset="-120"/>
                 <a:ea typeface="微軟正黑體" panose="020B0604030504040204" pitchFamily="34" charset="-120"/>
               </a:rPr>
-              <a:t>雲層中的水份能夠散射到達地球的</a:t>
-            </a:r>
-            <a:r>
-              <a:rPr lang="en-US" altLang="zh-TW" dirty="0" smtClean="0">
-                <a:latin typeface="微軟正黑體" panose="020B0604030504040204" pitchFamily="34" charset="-120"/>
-                <a:ea typeface="微軟正黑體" panose="020B0604030504040204" pitchFamily="34" charset="-120"/>
-              </a:rPr>
-              <a:t>UV</a:t>
-            </a:r>
+              <a:t>使皮膚曬傷、變紅、暗沉</a:t>
+            </a:r>
+            <a:endParaRPr lang="zh-TW" altLang="en-US" dirty="0">
+              <a:latin typeface="微軟正黑體" panose="020B0604030504040204" pitchFamily="34" charset="-120"/>
+              <a:ea typeface="微軟正黑體" panose="020B0604030504040204" pitchFamily="34" charset="-120"/>
+            </a:endParaRPr>
+          </a:p>
+        </p:txBody>
+      </p:sp>
+      <p:sp>
+        <p:nvSpPr>
+          <p:cNvPr id="42" name="文字方塊 41"/>
+          <p:cNvSpPr txBox="1"/>
+          <p:nvPr/>
+        </p:nvSpPr>
+        <p:spPr>
+          <a:xfrm>
+            <a:off x="2834357" y="4789046"/>
+            <a:ext cx="2771790" cy="369332"/>
+          </a:xfrm>
+          <a:prstGeom prst="rect">
+            <a:avLst/>
+          </a:prstGeom>
+          <a:noFill/>
+        </p:spPr>
+        <p:txBody>
+          <a:bodyPr wrap="square" rtlCol="0">
+            <a:spAutoFit/>
+          </a:bodyPr>
+          <a:lstStyle/>
+          <a:p>
+            <a:pPr algn="ctr"/>
             <a:r>
               <a:rPr lang="zh-TW" altLang="en-US" dirty="0" smtClean="0">
                 <a:latin typeface="微軟正黑體" panose="020B0604030504040204" pitchFamily="34" charset="-120"/>
                 <a:ea typeface="微軟正黑體" panose="020B0604030504040204" pitchFamily="34" charset="-120"/>
               </a:rPr>
-              <a:t>光，使地球生物免於</a:t>
-            </a:r>
-            <a:r>
-              <a:rPr lang="en-US" altLang="zh-TW" dirty="0" smtClean="0">
-                <a:latin typeface="微軟正黑體" panose="020B0604030504040204" pitchFamily="34" charset="-120"/>
-                <a:ea typeface="微軟正黑體" panose="020B0604030504040204" pitchFamily="34" charset="-120"/>
-              </a:rPr>
-              <a:t>UV</a:t>
-            </a:r>
-            <a:r>
-              <a:rPr lang="zh-TW" altLang="en-US" dirty="0" smtClean="0">
-                <a:latin typeface="微軟正黑體" panose="020B0604030504040204" pitchFamily="34" charset="-120"/>
-                <a:ea typeface="微軟正黑體" panose="020B0604030504040204" pitchFamily="34" charset="-120"/>
-              </a:rPr>
-              <a:t>光的傷害。雲層越厚，抵達地球表面的</a:t>
-            </a:r>
-            <a:r>
-              <a:rPr lang="en-US" altLang="zh-TW" dirty="0" smtClean="0">
-                <a:latin typeface="微軟正黑體" panose="020B0604030504040204" pitchFamily="34" charset="-120"/>
-                <a:ea typeface="微軟正黑體" panose="020B0604030504040204" pitchFamily="34" charset="-120"/>
-              </a:rPr>
-              <a:t>UV</a:t>
-            </a:r>
-            <a:r>
-              <a:rPr lang="zh-TW" altLang="en-US" dirty="0" smtClean="0">
-                <a:latin typeface="微軟正黑體" panose="020B0604030504040204" pitchFamily="34" charset="-120"/>
-                <a:ea typeface="微軟正黑體" panose="020B0604030504040204" pitchFamily="34" charset="-120"/>
-              </a:rPr>
-              <a:t>光越少。</a:t>
-            </a:r>
-            <a:endParaRPr lang="en-US" altLang="zh-TW" dirty="0" smtClean="0">
-              <a:latin typeface="微軟正黑體" panose="020B0604030504040204" pitchFamily="34" charset="-120"/>
-              <a:ea typeface="微軟正黑體" panose="020B0604030504040204" pitchFamily="34" charset="-120"/>
-            </a:endParaRPr>
-          </a:p>
-          <a:p>
-            <a:pPr marL="0" indent="0">
-              <a:buNone/>
-            </a:pPr>
-            <a:endParaRPr lang="en-US" altLang="zh-TW" dirty="0" smtClean="0">
+              <a:t>使皮膚老化、變黑、皺紋</a:t>
+            </a:r>
+            <a:endParaRPr lang="zh-TW" altLang="en-US" dirty="0">
               <a:latin typeface="微軟正黑體" panose="020B0604030504040204" pitchFamily="34" charset="-120"/>
               <a:ea typeface="微軟正黑體" panose="020B0604030504040204" pitchFamily="34" charset="-120"/>
             </a:endParaRPr>
@@ -12612,12 +12543,12 @@
     </p:spTree>
     <p:extLst>
       <p:ext uri="{BB962C8B-B14F-4D97-AF65-F5344CB8AC3E}">
-        <p14:creationId xmlns:p14="http://schemas.microsoft.com/office/powerpoint/2010/main" val="338866710"/>
+        <p14:creationId xmlns:p14="http://schemas.microsoft.com/office/powerpoint/2010/main" val="3386070244"/>
       </p:ext>
     </p:extLst>
   </p:cSld>
   <p:clrMapOvr>
-    <a:overrideClrMapping bg1="lt1" tx1="dk1" bg2="lt2" tx2="dk2" accent1="accent1" accent2="accent2" accent3="accent3" accent4="accent4" accent5="accent5" accent6="accent6" hlink="hlink" folHlink="folHlink"/>
+    <a:masterClrMapping/>
   </p:clrMapOvr>
   <p:timing>
     <p:tnLst>
@@ -12667,10 +12598,14 @@
           <a:lstStyle/>
           <a:p>
             <a:r>
-              <a:rPr lang="en-US" altLang="zh-TW" dirty="0" smtClean="0"/>
-              <a:t>Fact4</a:t>
-            </a:r>
-            <a:endParaRPr lang="zh-TW" altLang="en-US" dirty="0"/>
+              <a:rPr lang="en-US" altLang="zh-TW" dirty="0" smtClean="0">
+                <a:latin typeface="+mn-lt"/>
+              </a:rPr>
+              <a:t>Fact3</a:t>
+            </a:r>
+            <a:endParaRPr lang="zh-TW" altLang="en-US" dirty="0">
+              <a:latin typeface="+mn-lt"/>
+            </a:endParaRPr>
           </a:p>
         </p:txBody>
       </p:sp>
@@ -12686,24 +12621,22 @@
         </p:nvSpPr>
         <p:spPr/>
         <p:txBody>
-          <a:bodyPr>
-            <a:normAutofit/>
-          </a:bodyPr>
+          <a:bodyPr/>
           <a:lstStyle/>
           <a:p>
             <a:r>
-              <a:rPr lang="zh-TW" altLang="en-US" dirty="0">
+              <a:rPr lang="zh-TW" altLang="en-US" dirty="0" smtClean="0">
                 <a:latin typeface="微軟正黑體" panose="020B0604030504040204" pitchFamily="34" charset="-120"/>
                 <a:ea typeface="微軟正黑體" panose="020B0604030504040204" pitchFamily="34" charset="-120"/>
               </a:rPr>
-              <a:t>平流層中的含氧量</a:t>
-            </a:r>
-            <a:r>
-              <a:rPr lang="en-US" altLang="zh-TW" dirty="0">
+              <a:t>雲層厚度</a:t>
+            </a:r>
+            <a:r>
+              <a:rPr lang="en-US" altLang="zh-TW" dirty="0" smtClean="0">
                 <a:latin typeface="微軟正黑體" panose="020B0604030504040204" pitchFamily="34" charset="-120"/>
                 <a:ea typeface="微軟正黑體" panose="020B0604030504040204" pitchFamily="34" charset="-120"/>
               </a:rPr>
-              <a:t>(Ozone in the Stratosphere)</a:t>
+              <a:t>(Thick cover of clouds)</a:t>
             </a:r>
           </a:p>
           <a:p>
@@ -12714,53 +12647,87 @@
           </a:p>
           <a:p>
             <a:r>
-              <a:rPr lang="zh-TW" altLang="en-US" dirty="0">
+              <a:rPr lang="zh-TW" altLang="en-US" dirty="0" smtClean="0">
                 <a:latin typeface="微軟正黑體" panose="020B0604030504040204" pitchFamily="34" charset="-120"/>
                 <a:ea typeface="微軟正黑體" panose="020B0604030504040204" pitchFamily="34" charset="-120"/>
               </a:rPr>
-              <a:t>平流層中所含的臭氧能夠吸收</a:t>
-            </a:r>
-            <a:r>
-              <a:rPr lang="en-US" altLang="zh-TW" dirty="0">
+              <a:t>雲層中的水份能夠散射到達地球的</a:t>
+            </a:r>
+            <a:r>
+              <a:rPr lang="en-US" altLang="zh-TW" dirty="0" smtClean="0">
                 <a:latin typeface="微軟正黑體" panose="020B0604030504040204" pitchFamily="34" charset="-120"/>
                 <a:ea typeface="微軟正黑體" panose="020B0604030504040204" pitchFamily="34" charset="-120"/>
               </a:rPr>
               <a:t>UV</a:t>
             </a:r>
             <a:r>
-              <a:rPr lang="zh-TW" altLang="en-US" dirty="0">
+              <a:rPr lang="zh-TW" altLang="en-US" dirty="0" smtClean="0">
                 <a:latin typeface="微軟正黑體" panose="020B0604030504040204" pitchFamily="34" charset="-120"/>
                 <a:ea typeface="微軟正黑體" panose="020B0604030504040204" pitchFamily="34" charset="-120"/>
               </a:rPr>
-              <a:t>光，所以一旦平流層中的氧含量減小，</a:t>
-            </a:r>
-            <a:r>
-              <a:rPr lang="en-US" altLang="zh-TW" dirty="0">
+              <a:t>光，使地球生物免於</a:t>
+            </a:r>
+            <a:r>
+              <a:rPr lang="en-US" altLang="zh-TW" dirty="0" smtClean="0">
                 <a:latin typeface="微軟正黑體" panose="020B0604030504040204" pitchFamily="34" charset="-120"/>
                 <a:ea typeface="微軟正黑體" panose="020B0604030504040204" pitchFamily="34" charset="-120"/>
               </a:rPr>
               <a:t>UV</a:t>
             </a:r>
             <a:r>
-              <a:rPr lang="zh-TW" altLang="en-US" dirty="0">
+              <a:rPr lang="zh-TW" altLang="en-US" dirty="0" smtClean="0">
                 <a:latin typeface="微軟正黑體" panose="020B0604030504040204" pitchFamily="34" charset="-120"/>
                 <a:ea typeface="微軟正黑體" panose="020B0604030504040204" pitchFamily="34" charset="-120"/>
               </a:rPr>
-              <a:t>光進入地球的量便會增加。</a:t>
-            </a:r>
+              <a:t>光的傷害。雲層越厚，抵達地球表面的</a:t>
+            </a:r>
+            <a:r>
+              <a:rPr lang="en-US" altLang="zh-TW" dirty="0" smtClean="0">
+                <a:latin typeface="微軟正黑體" panose="020B0604030504040204" pitchFamily="34" charset="-120"/>
+                <a:ea typeface="微軟正黑體" panose="020B0604030504040204" pitchFamily="34" charset="-120"/>
+              </a:rPr>
+              <a:t>UV</a:t>
+            </a:r>
+            <a:r>
+              <a:rPr lang="zh-TW" altLang="en-US" dirty="0" smtClean="0">
+                <a:latin typeface="微軟正黑體" panose="020B0604030504040204" pitchFamily="34" charset="-120"/>
+                <a:ea typeface="微軟正黑體" panose="020B0604030504040204" pitchFamily="34" charset="-120"/>
+              </a:rPr>
+              <a:t>光越少。</a:t>
+            </a:r>
+            <a:endParaRPr lang="en-US" altLang="zh-TW" dirty="0" smtClean="0">
+              <a:latin typeface="微軟正黑體" panose="020B0604030504040204" pitchFamily="34" charset="-120"/>
+              <a:ea typeface="微軟正黑體" panose="020B0604030504040204" pitchFamily="34" charset="-120"/>
+            </a:endParaRPr>
+          </a:p>
+          <a:p>
+            <a:pPr marL="0" indent="0">
+              <a:buNone/>
+            </a:pPr>
+            <a:endParaRPr lang="en-US" altLang="zh-TW" dirty="0" smtClean="0">
+              <a:latin typeface="微軟正黑體" panose="020B0604030504040204" pitchFamily="34" charset="-120"/>
+              <a:ea typeface="微軟正黑體" panose="020B0604030504040204" pitchFamily="34" charset="-120"/>
+            </a:endParaRPr>
           </a:p>
         </p:txBody>
       </p:sp>
     </p:spTree>
     <p:extLst>
       <p:ext uri="{BB962C8B-B14F-4D97-AF65-F5344CB8AC3E}">
-        <p14:creationId xmlns:p14="http://schemas.microsoft.com/office/powerpoint/2010/main" val="285583022"/>
+        <p14:creationId xmlns:p14="http://schemas.microsoft.com/office/powerpoint/2010/main" val="338866710"/>
       </p:ext>
     </p:extLst>
   </p:cSld>
   <p:clrMapOvr>
     <a:overrideClrMapping bg1="lt1" tx1="dk1" bg2="lt2" tx2="dk2" accent1="accent1" accent2="accent2" accent3="accent3" accent4="accent4" accent5="accent5" accent6="accent6" hlink="hlink" folHlink="folHlink"/>
   </p:clrMapOvr>
+  <p:timing>
+    <p:tnLst>
+      <p:par>
+        <p:cTn id="1" dur="indefinite" restart="never" nodeType="tmRoot"/>
+      </p:par>
+    </p:tnLst>
+  </p:timing>
 </p:sld>
 </file>
 
@@ -12803,7 +12770,7 @@
           <a:p>
             <a:r>
               <a:rPr lang="en-US" altLang="zh-TW" dirty="0" smtClean="0"/>
-              <a:t>Fact5</a:t>
+              <a:t>Fact4</a:t>
             </a:r>
             <a:endParaRPr lang="zh-TW" altLang="en-US" dirty="0"/>
           </a:p>
@@ -12831,14 +12798,14 @@
                 <a:latin typeface="微軟正黑體" panose="020B0604030504040204" pitchFamily="34" charset="-120"/>
                 <a:ea typeface="微軟正黑體" panose="020B0604030504040204" pitchFamily="34" charset="-120"/>
               </a:rPr>
-              <a:t>太陽照射斜角</a:t>
+              <a:t>平流層中的含氧量</a:t>
             </a:r>
             <a:r>
               <a:rPr lang="en-US" altLang="zh-TW" dirty="0">
                 <a:latin typeface="微軟正黑體" panose="020B0604030504040204" pitchFamily="34" charset="-120"/>
                 <a:ea typeface="微軟正黑體" panose="020B0604030504040204" pitchFamily="34" charset="-120"/>
               </a:rPr>
-              <a:t>(Oblique angle of sunlight reaching the surface)</a:t>
+              <a:t>(Ozone in the Stratosphere)</a:t>
             </a:r>
           </a:p>
           <a:p>
@@ -12853,7 +12820,35 @@
                 <a:latin typeface="微軟正黑體" panose="020B0604030504040204" pitchFamily="34" charset="-120"/>
                 <a:ea typeface="微軟正黑體" panose="020B0604030504040204" pitchFamily="34" charset="-120"/>
               </a:rPr>
-              <a:t>不同季節造成地球與太陽的相對位置不同，再加上地球緯度不同，使得太陽照射角度不同、強度不同。</a:t>
+              <a:t>平流層中所含的臭氧能夠吸收</a:t>
+            </a:r>
+            <a:r>
+              <a:rPr lang="en-US" altLang="zh-TW" dirty="0">
+                <a:latin typeface="微軟正黑體" panose="020B0604030504040204" pitchFamily="34" charset="-120"/>
+                <a:ea typeface="微軟正黑體" panose="020B0604030504040204" pitchFamily="34" charset="-120"/>
+              </a:rPr>
+              <a:t>UV</a:t>
+            </a:r>
+            <a:r>
+              <a:rPr lang="zh-TW" altLang="en-US" dirty="0">
+                <a:latin typeface="微軟正黑體" panose="020B0604030504040204" pitchFamily="34" charset="-120"/>
+                <a:ea typeface="微軟正黑體" panose="020B0604030504040204" pitchFamily="34" charset="-120"/>
+              </a:rPr>
+              <a:t>光，所以一旦平流層中的氧含量減小，</a:t>
+            </a:r>
+            <a:r>
+              <a:rPr lang="en-US" altLang="zh-TW" dirty="0">
+                <a:latin typeface="微軟正黑體" panose="020B0604030504040204" pitchFamily="34" charset="-120"/>
+                <a:ea typeface="微軟正黑體" panose="020B0604030504040204" pitchFamily="34" charset="-120"/>
+              </a:rPr>
+              <a:t>UV</a:t>
+            </a:r>
+            <a:r>
+              <a:rPr lang="zh-TW" altLang="en-US" dirty="0">
+                <a:latin typeface="微軟正黑體" panose="020B0604030504040204" pitchFamily="34" charset="-120"/>
+                <a:ea typeface="微軟正黑體" panose="020B0604030504040204" pitchFamily="34" charset="-120"/>
+              </a:rPr>
+              <a:t>光進入地球的量便會增加。</a:t>
             </a:r>
           </a:p>
         </p:txBody>
@@ -12861,7 +12856,7 @@
     </p:spTree>
     <p:extLst>
       <p:ext uri="{BB962C8B-B14F-4D97-AF65-F5344CB8AC3E}">
-        <p14:creationId xmlns:p14="http://schemas.microsoft.com/office/powerpoint/2010/main" val="3804365538"/>
+        <p14:creationId xmlns:p14="http://schemas.microsoft.com/office/powerpoint/2010/main" val="285583022"/>
       </p:ext>
     </p:extLst>
   </p:cSld>
@@ -12917,7 +12912,7 @@
           <a:p>
             <a:r>
               <a:rPr lang="en-US" altLang="zh-TW" dirty="0" smtClean="0"/>
-              <a:t>Fact6</a:t>
+              <a:t>Fact5</a:t>
             </a:r>
             <a:endParaRPr lang="zh-TW" altLang="en-US" dirty="0"/>
           </a:p>
@@ -12945,14 +12940,14 @@
                 <a:latin typeface="微軟正黑體" panose="020B0604030504040204" pitchFamily="34" charset="-120"/>
                 <a:ea typeface="微軟正黑體" panose="020B0604030504040204" pitchFamily="34" charset="-120"/>
               </a:rPr>
-              <a:t>氣懸膠體</a:t>
+              <a:t>太陽照射斜角</a:t>
             </a:r>
             <a:r>
               <a:rPr lang="en-US" altLang="zh-TW" dirty="0">
                 <a:latin typeface="微軟正黑體" panose="020B0604030504040204" pitchFamily="34" charset="-120"/>
                 <a:ea typeface="微軟正黑體" panose="020B0604030504040204" pitchFamily="34" charset="-120"/>
               </a:rPr>
-              <a:t>(Aerosols)</a:t>
+              <a:t>(Oblique angle of sunlight reaching the surface)</a:t>
             </a:r>
           </a:p>
           <a:p>
@@ -12967,21 +12962,7 @@
                 <a:latin typeface="微軟正黑體" panose="020B0604030504040204" pitchFamily="34" charset="-120"/>
                 <a:ea typeface="微軟正黑體" panose="020B0604030504040204" pitchFamily="34" charset="-120"/>
               </a:rPr>
-              <a:t>存在於對流層中，有無數多的小塵埃粒子，具有散射作用，因此能夠散射並且吸收</a:t>
-            </a:r>
-            <a:r>
-              <a:rPr lang="en-US" altLang="zh-TW" dirty="0">
-                <a:latin typeface="微軟正黑體" panose="020B0604030504040204" pitchFamily="34" charset="-120"/>
-                <a:ea typeface="微軟正黑體" panose="020B0604030504040204" pitchFamily="34" charset="-120"/>
-              </a:rPr>
-              <a:t>UV-B</a:t>
-            </a:r>
-            <a:r>
-              <a:rPr lang="zh-TW" altLang="en-US" dirty="0">
-                <a:latin typeface="微軟正黑體" panose="020B0604030504040204" pitchFamily="34" charset="-120"/>
-                <a:ea typeface="微軟正黑體" panose="020B0604030504040204" pitchFamily="34" charset="-120"/>
-              </a:rPr>
-              <a:t>光。</a:t>
+              <a:t>不同季節造成地球與太陽的相對位置不同，再加上地球緯度不同，使得太陽照射角度不同、強度不同。</a:t>
             </a:r>
           </a:p>
         </p:txBody>
@@ -12989,7 +12970,7 @@
     </p:spTree>
     <p:extLst>
       <p:ext uri="{BB962C8B-B14F-4D97-AF65-F5344CB8AC3E}">
-        <p14:creationId xmlns:p14="http://schemas.microsoft.com/office/powerpoint/2010/main" val="1849382399"/>
+        <p14:creationId xmlns:p14="http://schemas.microsoft.com/office/powerpoint/2010/main" val="3804365538"/>
       </p:ext>
     </p:extLst>
   </p:cSld>
@@ -13045,7 +13026,7 @@
           <a:p>
             <a:r>
               <a:rPr lang="en-US" altLang="zh-TW" dirty="0" smtClean="0"/>
-              <a:t>Fact 7</a:t>
+              <a:t>Fact6</a:t>
             </a:r>
             <a:endParaRPr lang="zh-TW" altLang="en-US" dirty="0"/>
           </a:p>
@@ -13073,14 +13054,14 @@
                 <a:latin typeface="微軟正黑體" panose="020B0604030504040204" pitchFamily="34" charset="-120"/>
                 <a:ea typeface="微軟正黑體" panose="020B0604030504040204" pitchFamily="34" charset="-120"/>
               </a:rPr>
-              <a:t>海水深度</a:t>
+              <a:t>氣懸膠體</a:t>
             </a:r>
             <a:r>
               <a:rPr lang="en-US" altLang="zh-TW" dirty="0">
                 <a:latin typeface="微軟正黑體" panose="020B0604030504040204" pitchFamily="34" charset="-120"/>
                 <a:ea typeface="微軟正黑體" panose="020B0604030504040204" pitchFamily="34" charset="-120"/>
               </a:rPr>
-              <a:t>(Water Depth)</a:t>
+              <a:t>(Aerosols)</a:t>
             </a:r>
           </a:p>
           <a:p>
@@ -13091,6 +13072,13 @@
           </a:p>
           <a:p>
             <a:r>
+              <a:rPr lang="zh-TW" altLang="en-US" dirty="0">
+                <a:latin typeface="微軟正黑體" panose="020B0604030504040204" pitchFamily="34" charset="-120"/>
+                <a:ea typeface="微軟正黑體" panose="020B0604030504040204" pitchFamily="34" charset="-120"/>
+              </a:rPr>
+              <a:t>存在於對流層中，有無數多的小塵埃粒子，具有散射作用，因此能夠散射並且吸收</a:t>
+            </a:r>
+            <a:r>
               <a:rPr lang="en-US" altLang="zh-TW" dirty="0">
                 <a:latin typeface="微軟正黑體" panose="020B0604030504040204" pitchFamily="34" charset="-120"/>
                 <a:ea typeface="微軟正黑體" panose="020B0604030504040204" pitchFamily="34" charset="-120"/>
@@ -13102,39 +13090,28 @@
                 <a:latin typeface="微軟正黑體" panose="020B0604030504040204" pitchFamily="34" charset="-120"/>
                 <a:ea typeface="微軟正黑體" panose="020B0604030504040204" pitchFamily="34" charset="-120"/>
               </a:rPr>
-              <a:t>在深海中快速的被吸收且散射，一些分解於海洋中的物質也能同時協助吸收</a:t>
-            </a:r>
-            <a:r>
-              <a:rPr lang="en-US" altLang="zh-TW" dirty="0">
-                <a:latin typeface="微軟正黑體" panose="020B0604030504040204" pitchFamily="34" charset="-120"/>
-                <a:ea typeface="微軟正黑體" panose="020B0604030504040204" pitchFamily="34" charset="-120"/>
-              </a:rPr>
-              <a:t>UV-B</a:t>
-            </a:r>
-            <a:r>
-              <a:rPr lang="zh-TW" altLang="en-US" dirty="0">
-                <a:latin typeface="微軟正黑體" panose="020B0604030504040204" pitchFamily="34" charset="-120"/>
-                <a:ea typeface="微軟正黑體" panose="020B0604030504040204" pitchFamily="34" charset="-120"/>
-              </a:rPr>
-              <a:t>。</a:t>
-            </a:r>
-            <a:endParaRPr lang="en-US" altLang="zh-TW" dirty="0">
-              <a:latin typeface="微軟正黑體" panose="020B0604030504040204" pitchFamily="34" charset="-120"/>
-              <a:ea typeface="微軟正黑體" panose="020B0604030504040204" pitchFamily="34" charset="-120"/>
-            </a:endParaRPr>
+              <a:t>光。</a:t>
+            </a:r>
           </a:p>
         </p:txBody>
       </p:sp>
     </p:spTree>
     <p:extLst>
       <p:ext uri="{BB962C8B-B14F-4D97-AF65-F5344CB8AC3E}">
-        <p14:creationId xmlns:p14="http://schemas.microsoft.com/office/powerpoint/2010/main" val="3933302029"/>
+        <p14:creationId xmlns:p14="http://schemas.microsoft.com/office/powerpoint/2010/main" val="1849382399"/>
       </p:ext>
     </p:extLst>
   </p:cSld>
   <p:clrMapOvr>
     <a:overrideClrMapping bg1="lt1" tx1="dk1" bg2="lt2" tx2="dk2" accent1="accent1" accent2="accent2" accent3="accent3" accent4="accent4" accent5="accent5" accent6="accent6" hlink="hlink" folHlink="folHlink"/>
   </p:clrMapOvr>
+  <p:timing>
+    <p:tnLst>
+      <p:par>
+        <p:cTn id="1" dur="indefinite" restart="never" nodeType="tmRoot"/>
+      </p:par>
+    </p:tnLst>
+  </p:timing>
 </p:sld>
 </file>
 
@@ -13177,7 +13154,7 @@
           <a:p>
             <a:r>
               <a:rPr lang="en-US" altLang="zh-TW" dirty="0" smtClean="0"/>
-              <a:t>Fact8</a:t>
+              <a:t>Fact 7</a:t>
             </a:r>
             <a:endParaRPr lang="zh-TW" altLang="en-US" dirty="0"/>
           </a:p>
@@ -13205,6 +13182,145 @@
                 <a:latin typeface="微軟正黑體" panose="020B0604030504040204" pitchFamily="34" charset="-120"/>
                 <a:ea typeface="微軟正黑體" panose="020B0604030504040204" pitchFamily="34" charset="-120"/>
               </a:rPr>
+              <a:t>海水深度</a:t>
+            </a:r>
+            <a:r>
+              <a:rPr lang="en-US" altLang="zh-TW" dirty="0">
+                <a:latin typeface="微軟正黑體" panose="020B0604030504040204" pitchFamily="34" charset="-120"/>
+                <a:ea typeface="微軟正黑體" panose="020B0604030504040204" pitchFamily="34" charset="-120"/>
+              </a:rPr>
+              <a:t>(Water Depth)</a:t>
+            </a:r>
+          </a:p>
+          <a:p>
+            <a:endParaRPr lang="en-US" altLang="zh-TW" dirty="0">
+              <a:latin typeface="微軟正黑體" panose="020B0604030504040204" pitchFamily="34" charset="-120"/>
+              <a:ea typeface="微軟正黑體" panose="020B0604030504040204" pitchFamily="34" charset="-120"/>
+            </a:endParaRPr>
+          </a:p>
+          <a:p>
+            <a:r>
+              <a:rPr lang="en-US" altLang="zh-TW" dirty="0">
+                <a:latin typeface="微軟正黑體" panose="020B0604030504040204" pitchFamily="34" charset="-120"/>
+                <a:ea typeface="微軟正黑體" panose="020B0604030504040204" pitchFamily="34" charset="-120"/>
+              </a:rPr>
+              <a:t>UV-B</a:t>
+            </a:r>
+            <a:r>
+              <a:rPr lang="zh-TW" altLang="en-US" dirty="0">
+                <a:latin typeface="微軟正黑體" panose="020B0604030504040204" pitchFamily="34" charset="-120"/>
+                <a:ea typeface="微軟正黑體" panose="020B0604030504040204" pitchFamily="34" charset="-120"/>
+              </a:rPr>
+              <a:t>在深海中快速的被吸收且散射，一些分解於海洋中的物質也能同時協助吸收</a:t>
+            </a:r>
+            <a:r>
+              <a:rPr lang="en-US" altLang="zh-TW" dirty="0">
+                <a:latin typeface="微軟正黑體" panose="020B0604030504040204" pitchFamily="34" charset="-120"/>
+                <a:ea typeface="微軟正黑體" panose="020B0604030504040204" pitchFamily="34" charset="-120"/>
+              </a:rPr>
+              <a:t>UV-B</a:t>
+            </a:r>
+            <a:r>
+              <a:rPr lang="zh-TW" altLang="en-US" dirty="0">
+                <a:latin typeface="微軟正黑體" panose="020B0604030504040204" pitchFamily="34" charset="-120"/>
+                <a:ea typeface="微軟正黑體" panose="020B0604030504040204" pitchFamily="34" charset="-120"/>
+              </a:rPr>
+              <a:t>。</a:t>
+            </a:r>
+            <a:endParaRPr lang="en-US" altLang="zh-TW" dirty="0">
+              <a:latin typeface="微軟正黑體" panose="020B0604030504040204" pitchFamily="34" charset="-120"/>
+              <a:ea typeface="微軟正黑體" panose="020B0604030504040204" pitchFamily="34" charset="-120"/>
+            </a:endParaRPr>
+          </a:p>
+        </p:txBody>
+      </p:sp>
+    </p:spTree>
+    <p:extLst>
+      <p:ext uri="{BB962C8B-B14F-4D97-AF65-F5344CB8AC3E}">
+        <p14:creationId xmlns:p14="http://schemas.microsoft.com/office/powerpoint/2010/main" val="3933302029"/>
+      </p:ext>
+    </p:extLst>
+  </p:cSld>
+  <p:clrMapOvr>
+    <a:overrideClrMapping bg1="lt1" tx1="dk1" bg2="lt2" tx2="dk2" accent1="accent1" accent2="accent2" accent3="accent3" accent4="accent4" accent5="accent5" accent6="accent6" hlink="hlink" folHlink="folHlink"/>
+  </p:clrMapOvr>
+  <p:timing>
+    <p:tnLst>
+      <p:par>
+        <p:cTn id="1" dur="indefinite" restart="never" nodeType="tmRoot"/>
+      </p:par>
+    </p:tnLst>
+  </p:timing>
+</p:sld>
+</file>
+
+<file path=ppt/slides/slide26.xml><?xml version="1.0" encoding="utf-8"?>
+<p:sld xmlns:a="http://schemas.openxmlformats.org/drawingml/2006/main" xmlns:r="http://schemas.openxmlformats.org/officeDocument/2006/relationships" xmlns:p="http://schemas.openxmlformats.org/presentationml/2006/main">
+  <p:cSld>
+    <p:bg>
+      <p:bgRef idx="1001">
+        <a:schemeClr val="bg1"/>
+      </p:bgRef>
+    </p:bg>
+    <p:spTree>
+      <p:nvGrpSpPr>
+        <p:cNvPr id="1" name=""/>
+        <p:cNvGrpSpPr/>
+        <p:nvPr/>
+      </p:nvGrpSpPr>
+      <p:grpSpPr>
+        <a:xfrm>
+          <a:off x="0" y="0"/>
+          <a:ext cx="0" cy="0"/>
+          <a:chOff x="0" y="0"/>
+          <a:chExt cx="0" cy="0"/>
+        </a:xfrm>
+      </p:grpSpPr>
+      <p:sp>
+        <p:nvSpPr>
+          <p:cNvPr id="2" name="標題 1"/>
+          <p:cNvSpPr>
+            <a:spLocks noGrp="1"/>
+          </p:cNvSpPr>
+          <p:nvPr>
+            <p:ph type="title"/>
+          </p:nvPr>
+        </p:nvSpPr>
+        <p:spPr/>
+        <p:txBody>
+          <a:bodyPr/>
+          <a:lstStyle/>
+          <a:p>
+            <a:r>
+              <a:rPr lang="en-US" altLang="zh-TW" dirty="0" smtClean="0"/>
+              <a:t>Fact8</a:t>
+            </a:r>
+            <a:endParaRPr lang="zh-TW" altLang="en-US" dirty="0"/>
+          </a:p>
+        </p:txBody>
+      </p:sp>
+      <p:sp>
+        <p:nvSpPr>
+          <p:cNvPr id="3" name="內容版面配置區 2"/>
+          <p:cNvSpPr>
+            <a:spLocks noGrp="1"/>
+          </p:cNvSpPr>
+          <p:nvPr>
+            <p:ph idx="1"/>
+          </p:nvPr>
+        </p:nvSpPr>
+        <p:spPr/>
+        <p:txBody>
+          <a:bodyPr>
+            <a:normAutofit/>
+          </a:bodyPr>
+          <a:lstStyle/>
+          <a:p>
+            <a:r>
+              <a:rPr lang="zh-TW" altLang="en-US" dirty="0">
+                <a:latin typeface="微軟正黑體" panose="020B0604030504040204" pitchFamily="34" charset="-120"/>
+                <a:ea typeface="微軟正黑體" panose="020B0604030504040204" pitchFamily="34" charset="-120"/>
+              </a:rPr>
               <a:t>高海拔地區</a:t>
             </a:r>
             <a:r>
@@ -13298,10 +13414,17 @@
   <p:clrMapOvr>
     <a:overrideClrMapping bg1="lt1" tx1="dk1" bg2="lt2" tx2="dk2" accent1="accent1" accent2="accent2" accent3="accent3" accent4="accent4" accent5="accent5" accent6="accent6" hlink="hlink" folHlink="folHlink"/>
   </p:clrMapOvr>
+  <p:timing>
+    <p:tnLst>
+      <p:par>
+        <p:cTn id="1" dur="indefinite" restart="never" nodeType="tmRoot"/>
+      </p:par>
+    </p:tnLst>
+  </p:timing>
 </p:sld>
 </file>
 
-<file path=ppt/slides/slide26.xml><?xml version="1.0" encoding="utf-8"?>
+<file path=ppt/slides/slide27.xml><?xml version="1.0" encoding="utf-8"?>
 <p:sld xmlns:a="http://schemas.openxmlformats.org/drawingml/2006/main" xmlns:r="http://schemas.openxmlformats.org/officeDocument/2006/relationships" xmlns:p="http://schemas.openxmlformats.org/presentationml/2006/main">
   <p:cSld>
     <p:bg>
@@ -13630,47 +13753,24 @@
               <a:rPr lang="en-US" altLang="zh-TW" dirty="0" smtClean="0">
                 <a:cs typeface="Times New Roman" panose="02020603050405020304" pitchFamily="18" charset="0"/>
               </a:rPr>
-              <a:t>On the other hand, some algae</a:t>
-            </a:r>
-            <a:r>
-              <a:rPr lang="en-US" altLang="zh-TW" dirty="0" smtClean="0"/>
+              <a:t>On the other hand, some </a:t>
+            </a:r>
+            <a:r>
+              <a:rPr lang="en-US" altLang="zh-TW" dirty="0" smtClean="0">
+                <a:solidFill>
+                  <a:srgbClr val="FF0000"/>
+                </a:solidFill>
+                <a:cs typeface="Times New Roman" panose="02020603050405020304" pitchFamily="18" charset="0"/>
+              </a:rPr>
+              <a:t>algae</a:t>
+            </a:r>
+            <a:r>
+              <a:rPr lang="en-US" altLang="zh-TW" dirty="0" smtClean="0">
+                <a:solidFill>
+                  <a:srgbClr val="FF0000"/>
+                </a:solidFill>
+              </a:rPr>
               <a:t> </a:t>
-            </a:r>
-            <a:r>
-              <a:rPr lang="en-US" altLang="zh-TW" dirty="0"/>
-              <a:t>can produce toxins that cause rashes, breathing problems, and liver </a:t>
-            </a:r>
-            <a:r>
-              <a:rPr lang="en-US" altLang="zh-TW" dirty="0" smtClean="0"/>
-              <a:t>damage.</a:t>
-            </a:r>
-          </a:p>
-          <a:p>
-            <a:pPr marL="0" indent="0">
-              <a:buNone/>
-            </a:pPr>
-            <a:r>
-              <a:rPr lang="en-US" altLang="zh-TW" dirty="0"/>
-              <a:t> </a:t>
-            </a:r>
-            <a:r>
-              <a:rPr lang="en-US" altLang="zh-TW" dirty="0" smtClean="0"/>
-              <a:t>    </a:t>
-            </a:r>
-            <a:r>
-              <a:rPr lang="en-US" altLang="zh-TW" dirty="0"/>
-              <a:t> </a:t>
-            </a:r>
-            <a:endParaRPr lang="en-US" altLang="zh-TW" dirty="0" smtClean="0"/>
-          </a:p>
-          <a:p>
-            <a:r>
-              <a:rPr lang="en-US" altLang="zh-TW" dirty="0" smtClean="0"/>
-              <a:t>The </a:t>
-            </a:r>
-            <a:r>
-              <a:rPr lang="en-US" altLang="zh-TW" dirty="0"/>
-              <a:t>rise in the incidence of skin cancers over the past decades is strongly related to increasingly popular </a:t>
             </a:r>
             <a:r>
               <a:rPr lang="en-US" altLang="zh-TW" dirty="0">
@@ -13678,11 +13778,67 @@
                   <a:srgbClr val="FF0000"/>
                 </a:solidFill>
               </a:rPr>
-              <a:t>outdoor activities </a:t>
+              <a:t>can produce toxins </a:t>
             </a:r>
             <a:r>
               <a:rPr lang="en-US" altLang="zh-TW" dirty="0"/>
-              <a:t>and </a:t>
+              <a:t>that cause rashes, breathing problems, and liver </a:t>
+            </a:r>
+            <a:r>
+              <a:rPr lang="en-US" altLang="zh-TW" dirty="0" smtClean="0"/>
+              <a:t>damage.</a:t>
+            </a:r>
+          </a:p>
+          <a:p>
+            <a:pPr marL="0" indent="0">
+              <a:buNone/>
+            </a:pPr>
+            <a:r>
+              <a:rPr lang="en-US" altLang="zh-TW" dirty="0"/>
+              <a:t> </a:t>
+            </a:r>
+            <a:r>
+              <a:rPr lang="en-US" altLang="zh-TW" dirty="0" smtClean="0"/>
+              <a:t>    </a:t>
+            </a:r>
+            <a:r>
+              <a:rPr lang="en-US" altLang="zh-TW" dirty="0"/>
+              <a:t> </a:t>
+            </a:r>
+            <a:endParaRPr lang="en-US" altLang="zh-TW" dirty="0" smtClean="0"/>
+          </a:p>
+          <a:p>
+            <a:r>
+              <a:rPr lang="en-US" altLang="zh-TW" dirty="0" smtClean="0"/>
+              <a:t>The </a:t>
+            </a:r>
+            <a:r>
+              <a:rPr lang="en-US" altLang="zh-TW" dirty="0"/>
+              <a:t>rise in the </a:t>
+            </a:r>
+            <a:r>
+              <a:rPr lang="en-US" altLang="zh-TW" dirty="0" smtClean="0"/>
+              <a:t>accident of above </a:t>
+            </a:r>
+            <a:r>
+              <a:rPr lang="en-US" altLang="zh-TW" dirty="0" smtClean="0"/>
+              <a:t>two cause</a:t>
+            </a:r>
+            <a:r>
+              <a:rPr lang="en-US" altLang="zh-TW" dirty="0" smtClean="0"/>
+              <a:t>s </a:t>
+            </a:r>
+            <a:r>
+              <a:rPr lang="en-US" altLang="zh-TW" dirty="0"/>
+              <a:t>over the past decades is strongly </a:t>
+            </a:r>
+            <a:r>
+              <a:rPr lang="en-US" altLang="zh-TW" dirty="0" smtClean="0"/>
+              <a:t>related </a:t>
+            </a:r>
+            <a:r>
+              <a:rPr lang="en-US" altLang="zh-TW" dirty="0"/>
+              <a:t>to increasingly popular </a:t>
             </a:r>
             <a:r>
               <a:rPr lang="en-US" altLang="zh-TW" dirty="0">
@@ -13690,10 +13846,22 @@
                   <a:srgbClr val="FF0000"/>
                 </a:solidFill>
               </a:rPr>
+              <a:t>outdoor activities </a:t>
+            </a:r>
+            <a:r>
+              <a:rPr lang="en-US" altLang="zh-TW" dirty="0" smtClean="0"/>
+              <a:t>and </a:t>
+            </a:r>
+            <a:r>
+              <a:rPr lang="en-US" altLang="zh-TW" dirty="0" smtClean="0">
+                <a:solidFill>
+                  <a:srgbClr val="FF0000"/>
+                </a:solidFill>
+              </a:rPr>
               <a:t>recreational exposure</a:t>
             </a:r>
             <a:r>
-              <a:rPr lang="en-US" altLang="zh-TW" dirty="0"/>
+              <a:rPr lang="en-US" altLang="zh-TW" dirty="0" smtClean="0"/>
               <a:t>.</a:t>
             </a:r>
             <a:endParaRPr lang="en-US" altLang="zh-TW" dirty="0" smtClean="0"/>
@@ -13908,7 +14076,7 @@
 </file>
 
 <file path=ppt/slides/slide5.xml><?xml version="1.0" encoding="utf-8"?>
-<p:sld xmlns:a="http://schemas.openxmlformats.org/drawingml/2006/main" xmlns:r="http://schemas.openxmlformats.org/officeDocument/2006/relationships" xmlns:p="http://schemas.openxmlformats.org/presentationml/2006/main">
+<p:sld xmlns:a="http://schemas.openxmlformats.org/drawingml/2006/main" xmlns:r="http://schemas.openxmlformats.org/officeDocument/2006/relationships" xmlns:p="http://schemas.openxmlformats.org/presentationml/2006/main" show="0">
   <p:cSld>
     <p:bg>
       <p:bgRef idx="1001">
@@ -13963,9 +14131,96 @@
           </a:p>
         </p:txBody>
       </p:sp>
+      <p:sp>
+        <p:nvSpPr>
+          <p:cNvPr id="9" name="文字方塊 8"/>
+          <p:cNvSpPr txBox="1"/>
+          <p:nvPr/>
+        </p:nvSpPr>
+        <p:spPr>
+          <a:xfrm>
+            <a:off x="336292" y="1590805"/>
+            <a:ext cx="1803532" cy="523220"/>
+          </a:xfrm>
+          <a:prstGeom prst="rect">
+            <a:avLst/>
+          </a:prstGeom>
+          <a:noFill/>
+          <a:ln>
+            <a:noFill/>
+          </a:ln>
+        </p:spPr>
+        <p:txBody>
+          <a:bodyPr wrap="square" rtlCol="0">
+            <a:spAutoFit/>
+          </a:bodyPr>
+          <a:lstStyle/>
+          <a:p>
+            <a:r>
+              <a:rPr lang="en-US" altLang="zh-TW" sz="2800" b="1" dirty="0" smtClean="0">
+                <a:solidFill>
+                  <a:srgbClr val="FF0000"/>
+                </a:solidFill>
+                <a:latin typeface="Times New Roman" panose="02020603050405020304" pitchFamily="18" charset="0"/>
+                <a:cs typeface="Times New Roman" panose="02020603050405020304" pitchFamily="18" charset="0"/>
+              </a:rPr>
+              <a:t>Red Tides</a:t>
+            </a:r>
+            <a:endParaRPr lang="zh-TW" altLang="en-US" sz="2800" b="1" dirty="0">
+              <a:solidFill>
+                <a:srgbClr val="FF0000"/>
+              </a:solidFill>
+              <a:latin typeface="Times New Roman" panose="02020603050405020304" pitchFamily="18" charset="0"/>
+              <a:cs typeface="Times New Roman" panose="02020603050405020304" pitchFamily="18" charset="0"/>
+            </a:endParaRPr>
+          </a:p>
+        </p:txBody>
+      </p:sp>
+      <p:sp>
+        <p:nvSpPr>
+          <p:cNvPr id="13" name="文字方塊 12"/>
+          <p:cNvSpPr txBox="1"/>
+          <p:nvPr/>
+        </p:nvSpPr>
+        <p:spPr>
+          <a:xfrm>
+            <a:off x="1102108" y="6111513"/>
+            <a:ext cx="2436076" cy="523220"/>
+          </a:xfrm>
+          <a:prstGeom prst="rect">
+            <a:avLst/>
+          </a:prstGeom>
+          <a:noFill/>
+        </p:spPr>
+        <p:txBody>
+          <a:bodyPr wrap="square" rtlCol="0">
+            <a:spAutoFit/>
+          </a:bodyPr>
+          <a:lstStyle/>
+          <a:p>
+            <a:r>
+              <a:rPr lang="en-US" altLang="zh-TW" sz="2800" b="1" dirty="0" smtClean="0">
+                <a:solidFill>
+                  <a:srgbClr val="FF0000"/>
+                </a:solidFill>
+                <a:latin typeface="Times New Roman" panose="02020603050405020304" pitchFamily="18" charset="0"/>
+                <a:cs typeface="Times New Roman" panose="02020603050405020304" pitchFamily="18" charset="0"/>
+              </a:rPr>
+              <a:t>About to rain</a:t>
+            </a:r>
+            <a:endParaRPr lang="zh-TW" altLang="en-US" sz="2800" b="1" dirty="0">
+              <a:solidFill>
+                <a:srgbClr val="FF0000"/>
+              </a:solidFill>
+              <a:latin typeface="Times New Roman" panose="02020603050405020304" pitchFamily="18" charset="0"/>
+              <a:cs typeface="Times New Roman" panose="02020603050405020304" pitchFamily="18" charset="0"/>
+            </a:endParaRPr>
+          </a:p>
+        </p:txBody>
+      </p:sp>
       <p:pic>
         <p:nvPicPr>
-          <p:cNvPr id="2054" name="Picture 6" descr="Image result for rainy beach"/>
+          <p:cNvPr id="2056" name="Picture 8" descr="82983180"/>
           <p:cNvPicPr>
             <a:picLocks noChangeAspect="1" noChangeArrowheads="1"/>
           </p:cNvPicPr>
@@ -13986,8 +14241,8 @@
         </p:blipFill>
         <p:spPr bwMode="auto">
           <a:xfrm>
-            <a:off x="3740143" y="427863"/>
-            <a:ext cx="5403857" cy="3036968"/>
+            <a:off x="4345786" y="456878"/>
+            <a:ext cx="4717060" cy="2791073"/>
           </a:xfrm>
           <a:prstGeom prst="rect">
             <a:avLst/>
@@ -14006,59 +14261,14 @@
       </p:pic>
       <p:sp>
         <p:nvSpPr>
-          <p:cNvPr id="9" name="文字方塊 8"/>
+          <p:cNvPr id="16" name="文字方塊 15"/>
           <p:cNvSpPr txBox="1"/>
           <p:nvPr/>
         </p:nvSpPr>
         <p:spPr>
           <a:xfrm>
-            <a:off x="168960" y="1947366"/>
-            <a:ext cx="1803532" cy="523220"/>
-          </a:xfrm>
-          <a:prstGeom prst="rect">
-            <a:avLst/>
-          </a:prstGeom>
-          <a:noFill/>
-          <a:ln>
-            <a:noFill/>
-          </a:ln>
-        </p:spPr>
-        <p:txBody>
-          <a:bodyPr wrap="square" rtlCol="0">
-            <a:spAutoFit/>
-          </a:bodyPr>
-          <a:lstStyle/>
-          <a:p>
-            <a:r>
-              <a:rPr lang="en-US" altLang="zh-TW" sz="2800" b="1" dirty="0" smtClean="0">
-                <a:solidFill>
-                  <a:srgbClr val="FF0000"/>
-                </a:solidFill>
-                <a:latin typeface="Times New Roman" panose="02020603050405020304" pitchFamily="18" charset="0"/>
-                <a:cs typeface="Times New Roman" panose="02020603050405020304" pitchFamily="18" charset="0"/>
-              </a:rPr>
-              <a:t>Red Tides</a:t>
-            </a:r>
-            <a:endParaRPr lang="zh-TW" altLang="en-US" sz="2800" b="1" dirty="0">
-              <a:solidFill>
-                <a:srgbClr val="FF0000"/>
-              </a:solidFill>
-              <a:latin typeface="Times New Roman" panose="02020603050405020304" pitchFamily="18" charset="0"/>
-              <a:cs typeface="Times New Roman" panose="02020603050405020304" pitchFamily="18" charset="0"/>
-            </a:endParaRPr>
-          </a:p>
-        </p:txBody>
-      </p:sp>
-      <p:sp>
-        <p:nvSpPr>
-          <p:cNvPr id="13" name="文字方塊 12"/>
-          <p:cNvSpPr txBox="1"/>
-          <p:nvPr/>
-        </p:nvSpPr>
-        <p:spPr>
-          <a:xfrm>
-            <a:off x="6817149" y="3393269"/>
-            <a:ext cx="2436076" cy="523220"/>
+            <a:off x="4345786" y="1885"/>
+            <a:ext cx="1692164" cy="523220"/>
           </a:xfrm>
           <a:prstGeom prst="rect">
             <a:avLst/>
@@ -14079,7 +14289,7 @@
                 <a:latin typeface="Times New Roman" panose="02020603050405020304" pitchFamily="18" charset="0"/>
                 <a:cs typeface="Times New Roman" panose="02020603050405020304" pitchFamily="18" charset="0"/>
               </a:rPr>
-              <a:t>About to rain</a:t>
+              <a:t>Sun Burn</a:t>
             </a:r>
             <a:endParaRPr lang="zh-TW" altLang="en-US" sz="2800" b="1" dirty="0">
               <a:solidFill>
@@ -14114,7 +14324,7 @@
         </p:blipFill>
         <p:spPr bwMode="auto">
           <a:xfrm>
-            <a:off x="168960" y="2470586"/>
+            <a:off x="336292" y="2114025"/>
             <a:ext cx="4880538" cy="3246066"/>
           </a:xfrm>
           <a:prstGeom prst="rect">
@@ -14134,7 +14344,7 @@
       </p:pic>
       <p:pic>
         <p:nvPicPr>
-          <p:cNvPr id="2056" name="Picture 8" descr="82983180"/>
+          <p:cNvPr id="2054" name="Picture 6" descr="Image result for rainy beach"/>
           <p:cNvPicPr>
             <a:picLocks noChangeAspect="1" noChangeArrowheads="1"/>
           </p:cNvPicPr>
@@ -14155,8 +14365,8 @@
         </p:blipFill>
         <p:spPr bwMode="auto">
           <a:xfrm>
-            <a:off x="4157881" y="3916489"/>
-            <a:ext cx="4717060" cy="2791073"/>
+            <a:off x="3336021" y="3597765"/>
+            <a:ext cx="5403857" cy="3036968"/>
           </a:xfrm>
           <a:prstGeom prst="rect">
             <a:avLst/>
@@ -14173,48 +14383,6 @@
           </a:extLst>
         </p:spPr>
       </p:pic>
-      <p:sp>
-        <p:nvSpPr>
-          <p:cNvPr id="16" name="文字方塊 15"/>
-          <p:cNvSpPr txBox="1"/>
-          <p:nvPr/>
-        </p:nvSpPr>
-        <p:spPr>
-          <a:xfrm>
-            <a:off x="2556977" y="6233125"/>
-            <a:ext cx="1692164" cy="523220"/>
-          </a:xfrm>
-          <a:prstGeom prst="rect">
-            <a:avLst/>
-          </a:prstGeom>
-          <a:noFill/>
-        </p:spPr>
-        <p:txBody>
-          <a:bodyPr wrap="square" rtlCol="0">
-            <a:spAutoFit/>
-          </a:bodyPr>
-          <a:lstStyle/>
-          <a:p>
-            <a:r>
-              <a:rPr lang="en-US" altLang="zh-TW" sz="2800" b="1" dirty="0" smtClean="0">
-                <a:solidFill>
-                  <a:srgbClr val="FF0000"/>
-                </a:solidFill>
-                <a:latin typeface="Times New Roman" panose="02020603050405020304" pitchFamily="18" charset="0"/>
-                <a:cs typeface="Times New Roman" panose="02020603050405020304" pitchFamily="18" charset="0"/>
-              </a:rPr>
-              <a:t>Sun Burn</a:t>
-            </a:r>
-            <a:endParaRPr lang="zh-TW" altLang="en-US" sz="2800" b="1" dirty="0">
-              <a:solidFill>
-                <a:srgbClr val="FF0000"/>
-              </a:solidFill>
-              <a:latin typeface="Times New Roman" panose="02020603050405020304" pitchFamily="18" charset="0"/>
-              <a:cs typeface="Times New Roman" panose="02020603050405020304" pitchFamily="18" charset="0"/>
-            </a:endParaRPr>
-          </a:p>
-        </p:txBody>
-      </p:sp>
     </p:spTree>
     <p:extLst>
       <p:ext uri="{BB962C8B-B14F-4D97-AF65-F5344CB8AC3E}">
@@ -14225,6 +14393,14 @@
   <p:clrMapOvr>
     <a:overrideClrMapping bg1="lt1" tx1="dk1" bg2="lt2" tx2="dk2" accent1="accent1" accent2="accent2" accent3="accent3" accent4="accent4" accent5="accent5" accent6="accent6" hlink="hlink" folHlink="folHlink"/>
   </p:clrMapOvr>
+  <mc:AlternateContent xmlns:mc="http://schemas.openxmlformats.org/markup-compatibility/2006">
+    <mc:Choice xmlns:p14="http://schemas.microsoft.com/office/powerpoint/2010/main" Requires="p14">
+      <p:transition spd="slow" p14:dur="2000"/>
+    </mc:Choice>
+    <mc:Fallback>
+      <p:transition spd="slow"/>
+    </mc:Fallback>
+  </mc:AlternateContent>
   <p:timing>
     <p:tnLst>
       <p:par>
@@ -14259,7 +14435,7 @@
                                           </p:stCondLst>
                                         </p:cTn>
                                         <p:tgtEl>
-                                          <p:spTgt spid="2054"/>
+                                          <p:spTgt spid="2056"/>
                                         </p:tgtEl>
                                         <p:attrNameLst>
                                           <p:attrName>style.visibility</p:attrName>
@@ -14273,7 +14449,7 @@
                                       <p:cBhvr>
                                         <p:cTn id="7" dur="500"/>
                                         <p:tgtEl>
-                                          <p:spTgt spid="2054"/>
+                                          <p:spTgt spid="2056"/>
                                         </p:tgtEl>
                                       </p:cBhvr>
                                     </p:animEffect>
@@ -14294,7 +14470,7 @@
                                           </p:stCondLst>
                                         </p:cTn>
                                         <p:tgtEl>
-                                          <p:spTgt spid="13"/>
+                                          <p:spTgt spid="16"/>
                                         </p:tgtEl>
                                         <p:attrNameLst>
                                           <p:attrName>style.visibility</p:attrName>
@@ -14308,7 +14484,7 @@
                                       <p:cBhvr>
                                         <p:cTn id="10" dur="500"/>
                                         <p:tgtEl>
-                                          <p:spTgt spid="13"/>
+                                          <p:spTgt spid="16"/>
                                         </p:tgtEl>
                                       </p:cBhvr>
                                     </p:animEffect>
@@ -14435,7 +14611,7 @@
                                           </p:stCondLst>
                                         </p:cTn>
                                         <p:tgtEl>
-                                          <p:spTgt spid="2056"/>
+                                          <p:spTgt spid="2054"/>
                                         </p:tgtEl>
                                         <p:attrNameLst>
                                           <p:attrName>style.visibility</p:attrName>
@@ -14449,7 +14625,7 @@
                                       <p:cBhvr>
                                         <p:cTn id="23" dur="500"/>
                                         <p:tgtEl>
-                                          <p:spTgt spid="2056"/>
+                                          <p:spTgt spid="2054"/>
                                         </p:tgtEl>
                                       </p:cBhvr>
                                     </p:animEffect>
@@ -14470,7 +14646,7 @@
                                           </p:stCondLst>
                                         </p:cTn>
                                         <p:tgtEl>
-                                          <p:spTgt spid="16"/>
+                                          <p:spTgt spid="13"/>
                                         </p:tgtEl>
                                         <p:attrNameLst>
                                           <p:attrName>style.visibility</p:attrName>
@@ -14484,7 +14660,7 @@
                                       <p:cBhvr>
                                         <p:cTn id="26" dur="500"/>
                                         <p:tgtEl>
-                                          <p:spTgt spid="16"/>
+                                          <p:spTgt spid="13"/>
                                         </p:tgtEl>
                                       </p:cBhvr>
                                     </p:animEffect>
@@ -15018,8 +15194,8 @@
         </p:nvSpPr>
         <p:spPr>
           <a:xfrm>
-            <a:off x="5519053" y="1931699"/>
-            <a:ext cx="1851079" cy="646331"/>
+            <a:off x="4890517" y="1931699"/>
+            <a:ext cx="4044148" cy="646331"/>
           </a:xfrm>
           <a:prstGeom prst="rect">
             <a:avLst/>
@@ -15035,7 +15211,7 @@
             <a:pPr algn="ctr"/>
             <a:r>
               <a:rPr lang="en-US" altLang="zh-TW" sz="3600" dirty="0" smtClean="0"/>
-              <a:t>Solution</a:t>
+              <a:t>Solution- APP</a:t>
             </a:r>
             <a:endParaRPr lang="zh-TW" altLang="en-US" sz="3600" dirty="0"/>
           </a:p>
@@ -15524,7 +15700,7 @@
         </p:blipFill>
         <p:spPr>
           <a:xfrm>
-            <a:off x="6152277" y="1423401"/>
+            <a:off x="6152277" y="1350831"/>
             <a:ext cx="2746262" cy="4882243"/>
           </a:xfrm>
           <a:prstGeom prst="rect">
@@ -15554,7 +15730,7 @@
         </p:blipFill>
         <p:spPr>
           <a:xfrm>
-            <a:off x="273993" y="1423400"/>
+            <a:off x="273993" y="1350830"/>
             <a:ext cx="2746262" cy="4882244"/>
           </a:xfrm>
           <a:prstGeom prst="rect">
@@ -15584,7 +15760,7 @@
         </p:blipFill>
         <p:spPr>
           <a:xfrm>
-            <a:off x="3213134" y="1423399"/>
+            <a:off x="3213134" y="1350829"/>
             <a:ext cx="2746263" cy="4882245"/>
           </a:xfrm>
           <a:prstGeom prst="rect">
@@ -15600,7 +15776,7 @@
         </p:nvSpPr>
         <p:spPr>
           <a:xfrm>
-            <a:off x="319525" y="6370959"/>
+            <a:off x="319525" y="6298389"/>
             <a:ext cx="2550648" cy="400110"/>
           </a:xfrm>
           <a:prstGeom prst="rect">
@@ -15630,7 +15806,7 @@
         </p:nvSpPr>
         <p:spPr>
           <a:xfrm>
-            <a:off x="3106650" y="6370959"/>
+            <a:off x="3106650" y="6298389"/>
             <a:ext cx="2959230" cy="400110"/>
           </a:xfrm>
           <a:prstGeom prst="rect">
@@ -15661,7 +15837,7 @@
         </p:nvSpPr>
         <p:spPr>
           <a:xfrm>
-            <a:off x="6514403" y="6370959"/>
+            <a:off x="6514403" y="6298389"/>
             <a:ext cx="2022009" cy="400110"/>
           </a:xfrm>
           <a:prstGeom prst="rect">
@@ -15997,6 +16173,118 @@
 </file>
 
 <file path=ppt/slides/slide8.xml><?xml version="1.0" encoding="utf-8"?>
+<p:sld xmlns:a="http://schemas.openxmlformats.org/drawingml/2006/main" xmlns:r="http://schemas.openxmlformats.org/officeDocument/2006/relationships" xmlns:p="http://schemas.openxmlformats.org/presentationml/2006/main">
+  <p:cSld>
+    <p:spTree>
+      <p:nvGrpSpPr>
+        <p:cNvPr id="1" name=""/>
+        <p:cNvGrpSpPr/>
+        <p:nvPr/>
+      </p:nvGrpSpPr>
+      <p:grpSpPr>
+        <a:xfrm>
+          <a:off x="0" y="0"/>
+          <a:ext cx="0" cy="0"/>
+          <a:chOff x="0" y="0"/>
+          <a:chExt cx="0" cy="0"/>
+        </a:xfrm>
+      </p:grpSpPr>
+      <p:pic>
+        <p:nvPicPr>
+          <p:cNvPr id="6146" name="Picture 2" descr="「hands on phone」的圖片搜尋結果"/>
+          <p:cNvPicPr>
+            <a:picLocks noChangeAspect="1" noChangeArrowheads="1"/>
+          </p:cNvPicPr>
+          <p:nvPr/>
+        </p:nvPicPr>
+        <p:blipFill>
+          <a:blip r:embed="rId3">
+            <a:extLst>
+              <a:ext uri="{28A0092B-C50C-407E-A947-70E740481C1C}">
+                <a14:useLocalDpi xmlns:a14="http://schemas.microsoft.com/office/drawing/2010/main" val="0"/>
+              </a:ext>
+            </a:extLst>
+          </a:blip>
+          <a:srcRect/>
+          <a:stretch>
+            <a:fillRect/>
+          </a:stretch>
+        </p:blipFill>
+        <p:spPr bwMode="auto">
+          <a:xfrm>
+            <a:off x="0" y="393896"/>
+            <a:ext cx="9138152" cy="6077242"/>
+          </a:xfrm>
+          <a:prstGeom prst="rect">
+            <a:avLst/>
+          </a:prstGeom>
+          <a:noFill/>
+          <a:extLst>
+            <a:ext uri="{909E8E84-426E-40DD-AFC4-6F175D3DCCD1}">
+              <a14:hiddenFill xmlns:a14="http://schemas.microsoft.com/office/drawing/2010/main">
+                <a:solidFill>
+                  <a:srgbClr val="FFFFFF"/>
+                </a:solidFill>
+              </a14:hiddenFill>
+            </a:ext>
+          </a:extLst>
+        </p:spPr>
+      </p:pic>
+      <p:sp>
+        <p:nvSpPr>
+          <p:cNvPr id="4" name="標題 5"/>
+          <p:cNvSpPr>
+            <a:spLocks noGrp="1"/>
+          </p:cNvSpPr>
+          <p:nvPr>
+            <p:ph type="title"/>
+          </p:nvPr>
+        </p:nvSpPr>
+        <p:spPr>
+          <a:xfrm>
+            <a:off x="0" y="646481"/>
+            <a:ext cx="4970291" cy="1325563"/>
+          </a:xfrm>
+        </p:spPr>
+        <p:txBody>
+          <a:bodyPr>
+            <a:normAutofit/>
+          </a:bodyPr>
+          <a:lstStyle/>
+          <a:p>
+            <a:r>
+              <a:rPr lang="en-US" altLang="zh-TW" sz="5400" dirty="0" smtClean="0">
+                <a:latin typeface="Comic Sans MS" panose="030F0702030302020204" pitchFamily="66" charset="0"/>
+              </a:rPr>
+              <a:t>Demonstration</a:t>
+            </a:r>
+            <a:endParaRPr lang="zh-TW" altLang="en-US" sz="5400" dirty="0">
+              <a:latin typeface="Comic Sans MS" panose="030F0702030302020204" pitchFamily="66" charset="0"/>
+            </a:endParaRPr>
+          </a:p>
+        </p:txBody>
+      </p:sp>
+    </p:spTree>
+    <p:extLst>
+      <p:ext uri="{BB962C8B-B14F-4D97-AF65-F5344CB8AC3E}">
+        <p14:creationId xmlns:p14="http://schemas.microsoft.com/office/powerpoint/2010/main" val="3582531571"/>
+      </p:ext>
+    </p:extLst>
+  </p:cSld>
+  <p:clrMapOvr>
+    <a:masterClrMapping/>
+  </p:clrMapOvr>
+  <p:timing>
+    <p:tnLst>
+      <p:par>
+        <p:cTn id="1" dur="indefinite" restart="never" nodeType="tmRoot"/>
+      </p:par>
+    </p:tnLst>
+  </p:timing>
+</p:sld>
+</file>
+
+<file path=ppt/slides/slide9.xml><?xml version="1.0" encoding="utf-8"?>
 <p:sld xmlns:a="http://schemas.openxmlformats.org/drawingml/2006/main" xmlns:r="http://schemas.openxmlformats.org/officeDocument/2006/relationships" xmlns:p="http://schemas.openxmlformats.org/presentationml/2006/main">
   <p:cSld>
     <p:spTree>
@@ -17460,118 +17748,6 @@
 </p:sld>
 </file>
 
-<file path=ppt/slides/slide9.xml><?xml version="1.0" encoding="utf-8"?>
-<p:sld xmlns:a="http://schemas.openxmlformats.org/drawingml/2006/main" xmlns:r="http://schemas.openxmlformats.org/officeDocument/2006/relationships" xmlns:p="http://schemas.openxmlformats.org/presentationml/2006/main">
-  <p:cSld>
-    <p:spTree>
-      <p:nvGrpSpPr>
-        <p:cNvPr id="1" name=""/>
-        <p:cNvGrpSpPr/>
-        <p:nvPr/>
-      </p:nvGrpSpPr>
-      <p:grpSpPr>
-        <a:xfrm>
-          <a:off x="0" y="0"/>
-          <a:ext cx="0" cy="0"/>
-          <a:chOff x="0" y="0"/>
-          <a:chExt cx="0" cy="0"/>
-        </a:xfrm>
-      </p:grpSpPr>
-      <p:pic>
-        <p:nvPicPr>
-          <p:cNvPr id="6146" name="Picture 2" descr="「hands on phone」的圖片搜尋結果"/>
-          <p:cNvPicPr>
-            <a:picLocks noChangeAspect="1" noChangeArrowheads="1"/>
-          </p:cNvPicPr>
-          <p:nvPr/>
-        </p:nvPicPr>
-        <p:blipFill>
-          <a:blip r:embed="rId3">
-            <a:extLst>
-              <a:ext uri="{28A0092B-C50C-407E-A947-70E740481C1C}">
-                <a14:useLocalDpi xmlns:a14="http://schemas.microsoft.com/office/drawing/2010/main" val="0"/>
-              </a:ext>
-            </a:extLst>
-          </a:blip>
-          <a:srcRect/>
-          <a:stretch>
-            <a:fillRect/>
-          </a:stretch>
-        </p:blipFill>
-        <p:spPr bwMode="auto">
-          <a:xfrm>
-            <a:off x="0" y="393896"/>
-            <a:ext cx="9138152" cy="6077242"/>
-          </a:xfrm>
-          <a:prstGeom prst="rect">
-            <a:avLst/>
-          </a:prstGeom>
-          <a:noFill/>
-          <a:extLst>
-            <a:ext uri="{909E8E84-426E-40DD-AFC4-6F175D3DCCD1}">
-              <a14:hiddenFill xmlns:a14="http://schemas.microsoft.com/office/drawing/2010/main">
-                <a:solidFill>
-                  <a:srgbClr val="FFFFFF"/>
-                </a:solidFill>
-              </a14:hiddenFill>
-            </a:ext>
-          </a:extLst>
-        </p:spPr>
-      </p:pic>
-      <p:sp>
-        <p:nvSpPr>
-          <p:cNvPr id="4" name="標題 5"/>
-          <p:cNvSpPr>
-            <a:spLocks noGrp="1"/>
-          </p:cNvSpPr>
-          <p:nvPr>
-            <p:ph type="title"/>
-          </p:nvPr>
-        </p:nvSpPr>
-        <p:spPr>
-          <a:xfrm>
-            <a:off x="0" y="646481"/>
-            <a:ext cx="4970291" cy="1325563"/>
-          </a:xfrm>
-        </p:spPr>
-        <p:txBody>
-          <a:bodyPr>
-            <a:normAutofit/>
-          </a:bodyPr>
-          <a:lstStyle/>
-          <a:p>
-            <a:r>
-              <a:rPr lang="en-US" altLang="zh-TW" sz="5400" dirty="0" smtClean="0">
-                <a:latin typeface="Comic Sans MS" panose="030F0702030302020204" pitchFamily="66" charset="0"/>
-              </a:rPr>
-              <a:t>Demonstration</a:t>
-            </a:r>
-            <a:endParaRPr lang="zh-TW" altLang="en-US" sz="5400" dirty="0">
-              <a:latin typeface="Comic Sans MS" panose="030F0702030302020204" pitchFamily="66" charset="0"/>
-            </a:endParaRPr>
-          </a:p>
-        </p:txBody>
-      </p:sp>
-    </p:spTree>
-    <p:extLst>
-      <p:ext uri="{BB962C8B-B14F-4D97-AF65-F5344CB8AC3E}">
-        <p14:creationId xmlns:p14="http://schemas.microsoft.com/office/powerpoint/2010/main" val="3582531571"/>
-      </p:ext>
-    </p:extLst>
-  </p:cSld>
-  <p:clrMapOvr>
-    <a:masterClrMapping/>
-  </p:clrMapOvr>
-  <p:timing>
-    <p:tnLst>
-      <p:par>
-        <p:cTn id="1" dur="indefinite" restart="never" nodeType="tmRoot"/>
-      </p:par>
-    </p:tnLst>
-  </p:timing>
-</p:sld>
-</file>
-
 <file path=ppt/theme/theme1.xml><?xml version="1.0" encoding="utf-8"?>
 <a:theme xmlns:a="http://schemas.openxmlformats.org/drawingml/2006/main" name="Office 佈景主題">
   <a:themeElements>

--- a/2017 NASA Hackathon Taiwan.pptx
+++ b/2017 NASA Hackathon Taiwan.pptx
@@ -1849,7 +1849,7 @@
   <dgm:whole/>
   <dgm:extLst>
     <a:ext uri="http://schemas.microsoft.com/office/drawing/2008/diagram">
-      <dsp:dataModelExt xmlns:dsp="http://schemas.microsoft.com/office/drawing/2008/diagram" relId="rId7" minVer="http://schemas.openxmlformats.org/drawingml/2006/diagram"/>
+      <dsp:dataModelExt xmlns:dsp="http://schemas.microsoft.com/office/drawing/2008/diagram" relId="rId8" minVer="http://schemas.openxmlformats.org/drawingml/2006/diagram"/>
     </a:ext>
   </dgm:extLst>
 </dgm:dataModel>
@@ -2061,7 +2061,7 @@
   <dgm:whole/>
   <dgm:extLst>
     <a:ext uri="http://schemas.microsoft.com/office/drawing/2008/diagram">
-      <dsp:dataModelExt xmlns:dsp="http://schemas.microsoft.com/office/drawing/2008/diagram" relId="rId13" minVer="http://schemas.openxmlformats.org/drawingml/2006/diagram"/>
+      <dsp:dataModelExt xmlns:dsp="http://schemas.microsoft.com/office/drawing/2008/diagram" relId="rId14" minVer="http://schemas.openxmlformats.org/drawingml/2006/diagram"/>
     </a:ext>
   </dgm:extLst>
 </dgm:dataModel>
@@ -5953,6 +5953,90 @@
           <a:p>
             <a:fld id="{E1E86A7A-222E-414A-B32A-43B3E86010A6}" type="slidenum">
               <a:rPr lang="zh-TW" altLang="en-US" smtClean="0"/>
+              <a:t>9</a:t>
+            </a:fld>
+            <a:endParaRPr lang="zh-TW" altLang="en-US"/>
+          </a:p>
+        </p:txBody>
+      </p:sp>
+    </p:spTree>
+    <p:extLst>
+      <p:ext uri="{BB962C8B-B14F-4D97-AF65-F5344CB8AC3E}">
+        <p14:creationId xmlns:p14="http://schemas.microsoft.com/office/powerpoint/2010/main" val="3230321442"/>
+      </p:ext>
+    </p:extLst>
+  </p:cSld>
+  <p:clrMapOvr>
+    <a:masterClrMapping/>
+  </p:clrMapOvr>
+</p:notes>
+</file>
+
+<file path=ppt/notesSlides/notesSlide5.xml><?xml version="1.0" encoding="utf-8"?>
+<p:notes xmlns:a="http://schemas.openxmlformats.org/drawingml/2006/main" xmlns:r="http://schemas.openxmlformats.org/officeDocument/2006/relationships" xmlns:p="http://schemas.openxmlformats.org/presentationml/2006/main">
+  <p:cSld>
+    <p:spTree>
+      <p:nvGrpSpPr>
+        <p:cNvPr id="1" name=""/>
+        <p:cNvGrpSpPr/>
+        <p:nvPr/>
+      </p:nvGrpSpPr>
+      <p:grpSpPr>
+        <a:xfrm>
+          <a:off x="0" y="0"/>
+          <a:ext cx="0" cy="0"/>
+          <a:chOff x="0" y="0"/>
+          <a:chExt cx="0" cy="0"/>
+        </a:xfrm>
+      </p:grpSpPr>
+      <p:sp>
+        <p:nvSpPr>
+          <p:cNvPr id="2" name="投影片圖像版面配置區 1"/>
+          <p:cNvSpPr>
+            <a:spLocks noGrp="1" noRot="1" noChangeAspect="1"/>
+          </p:cNvSpPr>
+          <p:nvPr>
+            <p:ph type="sldImg"/>
+          </p:nvPr>
+        </p:nvSpPr>
+        <p:spPr/>
+      </p:sp>
+      <p:sp>
+        <p:nvSpPr>
+          <p:cNvPr id="3" name="備忘稿版面配置區 2"/>
+          <p:cNvSpPr>
+            <a:spLocks noGrp="1"/>
+          </p:cNvSpPr>
+          <p:nvPr>
+            <p:ph type="body" idx="1"/>
+          </p:nvPr>
+        </p:nvSpPr>
+        <p:spPr/>
+        <p:txBody>
+          <a:bodyPr/>
+          <a:lstStyle/>
+          <a:p>
+            <a:endParaRPr lang="zh-TW" altLang="en-US" dirty="0"/>
+          </a:p>
+        </p:txBody>
+      </p:sp>
+      <p:sp>
+        <p:nvSpPr>
+          <p:cNvPr id="4" name="投影片編號版面配置區 3"/>
+          <p:cNvSpPr>
+            <a:spLocks noGrp="1"/>
+          </p:cNvSpPr>
+          <p:nvPr>
+            <p:ph type="sldNum" sz="quarter" idx="10"/>
+          </p:nvPr>
+        </p:nvSpPr>
+        <p:spPr/>
+        <p:txBody>
+          <a:bodyPr/>
+          <a:lstStyle/>
+          <a:p>
+            <a:fld id="{E1E86A7A-222E-414A-B32A-43B3E86010A6}" type="slidenum">
+              <a:rPr lang="zh-TW" altLang="en-US" smtClean="0"/>
               <a:t>20</a:t>
             </a:fld>
             <a:endParaRPr lang="zh-TW" altLang="en-US"/>
@@ -9126,7 +9210,7 @@
 </file>
 
 <file path=ppt/slides/slide10.xml><?xml version="1.0" encoding="utf-8"?>
-<p:sld xmlns:a="http://schemas.openxmlformats.org/drawingml/2006/main" xmlns:r="http://schemas.openxmlformats.org/officeDocument/2006/relationships" xmlns:p="http://schemas.openxmlformats.org/presentationml/2006/main" show="0">
+<p:sld xmlns:a="http://schemas.openxmlformats.org/drawingml/2006/main" xmlns:r="http://schemas.openxmlformats.org/officeDocument/2006/relationships" xmlns:p="http://schemas.openxmlformats.org/presentationml/2006/main">
   <p:cSld>
     <p:spTree>
       <p:nvGrpSpPr>
@@ -11413,6 +11497,64 @@
           </a:p>
         </p:txBody>
       </p:sp>
+      <p:sp>
+        <p:nvSpPr>
+          <p:cNvPr id="6" name="標題 3"/>
+          <p:cNvSpPr txBox="1">
+            <a:spLocks/>
+          </p:cNvSpPr>
+          <p:nvPr/>
+        </p:nvSpPr>
+        <p:spPr>
+          <a:xfrm>
+            <a:off x="2780616" y="4309924"/>
+            <a:ext cx="4287840" cy="994172"/>
+          </a:xfrm>
+          <a:prstGeom prst="rect">
+            <a:avLst/>
+          </a:prstGeom>
+        </p:spPr>
+        <p:txBody>
+          <a:bodyPr vert="horz" lIns="91440" tIns="45720" rIns="91440" bIns="45720" rtlCol="0" anchor="b">
+            <a:normAutofit fontScale="97500"/>
+          </a:bodyPr>
+          <a:lstStyle>
+            <a:lvl1pPr algn="l" defTabSz="914400" rtl="0" eaLnBrk="1" latinLnBrk="0" hangingPunct="1">
+              <a:lnSpc>
+                <a:spcPct val="90000"/>
+              </a:lnSpc>
+              <a:spcBef>
+                <a:spcPct val="0"/>
+              </a:spcBef>
+              <a:buNone/>
+              <a:defRPr sz="6000" kern="1200">
+                <a:solidFill>
+                  <a:schemeClr val="tx1"/>
+                </a:solidFill>
+                <a:latin typeface="+mj-lt"/>
+                <a:ea typeface="+mj-ea"/>
+                <a:cs typeface="+mj-cs"/>
+              </a:defRPr>
+            </a:lvl1pPr>
+          </a:lstStyle>
+          <a:p>
+            <a:r>
+              <a:rPr lang="zh-TW" altLang="en-US" sz="5400" b="1" dirty="0">
+                <a:latin typeface="微軟正黑體" panose="020B0604030504040204" pitchFamily="34" charset="-120"/>
+                <a:ea typeface="微軟正黑體" panose="020B0604030504040204" pitchFamily="34" charset="-120"/>
+              </a:rPr>
+              <a:t>一起去海邊</a:t>
+            </a:r>
+            <a:r>
+              <a:rPr lang="zh-TW" altLang="en-US" sz="5400" b="1" dirty="0">
+                <a:latin typeface="微軟正黑體" panose="020B0604030504040204" pitchFamily="34" charset="-120"/>
+                <a:ea typeface="微軟正黑體" panose="020B0604030504040204" pitchFamily="34" charset="-120"/>
+              </a:rPr>
+              <a:t>！</a:t>
+            </a:r>
+          </a:p>
+        </p:txBody>
+      </p:sp>
     </p:spTree>
     <p:extLst>
       <p:ext uri="{BB962C8B-B14F-4D97-AF65-F5344CB8AC3E}">
@@ -14076,7 +14218,7 @@
 </file>
 
 <file path=ppt/slides/slide5.xml><?xml version="1.0" encoding="utf-8"?>
-<p:sld xmlns:a="http://schemas.openxmlformats.org/drawingml/2006/main" xmlns:r="http://schemas.openxmlformats.org/officeDocument/2006/relationships" xmlns:p="http://schemas.openxmlformats.org/presentationml/2006/main" show="0">
+<p:sld xmlns:a="http://schemas.openxmlformats.org/drawingml/2006/main" xmlns:r="http://schemas.openxmlformats.org/officeDocument/2006/relationships" xmlns:p="http://schemas.openxmlformats.org/presentationml/2006/main">
   <p:cSld>
     <p:bg>
       <p:bgRef idx="1001">
@@ -14139,8 +14281,8 @@
         </p:nvSpPr>
         <p:spPr>
           <a:xfrm>
-            <a:off x="336292" y="1590805"/>
-            <a:ext cx="1803532" cy="523220"/>
+            <a:off x="336291" y="1590805"/>
+            <a:ext cx="2363365" cy="523220"/>
           </a:xfrm>
           <a:prstGeom prst="rect">
             <a:avLst/>
@@ -14164,7 +14306,7 @@
                 <a:latin typeface="Times New Roman" panose="02020603050405020304" pitchFamily="18" charset="0"/>
                 <a:cs typeface="Times New Roman" panose="02020603050405020304" pitchFamily="18" charset="0"/>
               </a:rPr>
-              <a:t>Red Tides</a:t>
+              <a:t>Algae Blooms</a:t>
             </a:r>
             <a:endParaRPr lang="zh-TW" altLang="en-US" sz="2800" b="1" dirty="0">
               <a:solidFill>
@@ -14365,7 +14507,7 @@
         </p:blipFill>
         <p:spPr bwMode="auto">
           <a:xfrm>
-            <a:off x="3336021" y="3597765"/>
+            <a:off x="3538184" y="3597765"/>
             <a:ext cx="5403857" cy="3036968"/>
           </a:xfrm>
           <a:prstGeom prst="rect">
@@ -14383,6 +14525,68 @@
           </a:extLst>
         </p:spPr>
       </p:pic>
+      <p:sp>
+        <p:nvSpPr>
+          <p:cNvPr id="10" name="文字方塊 9"/>
+          <p:cNvSpPr txBox="1"/>
+          <p:nvPr/>
+        </p:nvSpPr>
+        <p:spPr>
+          <a:xfrm>
+            <a:off x="538878" y="5674996"/>
+            <a:ext cx="3201892" cy="523220"/>
+          </a:xfrm>
+          <a:prstGeom prst="rect">
+            <a:avLst/>
+          </a:prstGeom>
+          <a:noFill/>
+        </p:spPr>
+        <p:txBody>
+          <a:bodyPr wrap="square" rtlCol="0">
+            <a:spAutoFit/>
+          </a:bodyPr>
+          <a:lstStyle/>
+          <a:p>
+            <a:r>
+              <a:rPr lang="en-US" altLang="zh-TW" sz="2800" b="1" dirty="0" smtClean="0">
+                <a:solidFill>
+                  <a:srgbClr val="FF0000"/>
+                </a:solidFill>
+                <a:latin typeface="Times New Roman" panose="02020603050405020304" pitchFamily="18" charset="0"/>
+                <a:cs typeface="Times New Roman" panose="02020603050405020304" pitchFamily="18" charset="0"/>
+              </a:rPr>
+              <a:t>Tide about </a:t>
+            </a:r>
+            <a:r>
+              <a:rPr lang="en-US" altLang="zh-TW" sz="2800" b="1" dirty="0" smtClean="0">
+                <a:solidFill>
+                  <a:srgbClr val="FF0000"/>
+                </a:solidFill>
+                <a:latin typeface="Times New Roman" panose="02020603050405020304" pitchFamily="18" charset="0"/>
+                <a:cs typeface="Times New Roman" panose="02020603050405020304" pitchFamily="18" charset="0"/>
+              </a:rPr>
+              <a:t>to </a:t>
+            </a:r>
+            <a:r>
+              <a:rPr lang="en-US" altLang="zh-TW" sz="2800" b="1" dirty="0" smtClean="0">
+                <a:solidFill>
+                  <a:srgbClr val="FF0000"/>
+                </a:solidFill>
+                <a:latin typeface="Times New Roman" panose="02020603050405020304" pitchFamily="18" charset="0"/>
+                <a:cs typeface="Times New Roman" panose="02020603050405020304" pitchFamily="18" charset="0"/>
+              </a:rPr>
+              <a:t>rise</a:t>
+            </a:r>
+            <a:endParaRPr lang="zh-TW" altLang="en-US" sz="2800" b="1" dirty="0">
+              <a:solidFill>
+                <a:srgbClr val="FF0000"/>
+              </a:solidFill>
+              <a:latin typeface="Times New Roman" panose="02020603050405020304" pitchFamily="18" charset="0"/>
+              <a:cs typeface="Times New Roman" panose="02020603050405020304" pitchFamily="18" charset="0"/>
+            </a:endParaRPr>
+          </a:p>
+        </p:txBody>
+      </p:sp>
     </p:spTree>
     <p:extLst>
       <p:ext uri="{BB962C8B-B14F-4D97-AF65-F5344CB8AC3E}">
@@ -14422,7 +14626,7 @@
                             </p:stCondLst>
                             <p:childTnLst>
                               <p:par>
-                                <p:cTn id="5" presetID="10" presetClass="entr" presetSubtype="0" fill="hold" nodeType="clickEffect">
+                                <p:cTn id="5" presetID="10" presetClass="entr" presetSubtype="0" fill="hold" grpId="0" nodeType="clickEffect">
                                   <p:stCondLst>
                                     <p:cond delay="0"/>
                                   </p:stCondLst>
@@ -14430,6 +14634,41 @@
                                     <p:set>
                                       <p:cBhvr>
                                         <p:cTn id="6" dur="1" fill="hold">
+                                          <p:stCondLst>
+                                            <p:cond delay="0"/>
+                                          </p:stCondLst>
+                                        </p:cTn>
+                                        <p:tgtEl>
+                                          <p:spTgt spid="16"/>
+                                        </p:tgtEl>
+                                        <p:attrNameLst>
+                                          <p:attrName>style.visibility</p:attrName>
+                                        </p:attrNameLst>
+                                      </p:cBhvr>
+                                      <p:to>
+                                        <p:strVal val="visible"/>
+                                      </p:to>
+                                    </p:set>
+                                    <p:animEffect transition="in" filter="fade">
+                                      <p:cBhvr>
+                                        <p:cTn id="7" dur="500"/>
+                                        <p:tgtEl>
+                                          <p:spTgt spid="16"/>
+                                        </p:tgtEl>
+                                      </p:cBhvr>
+                                    </p:animEffect>
+                                  </p:childTnLst>
+                                </p:cTn>
+                              </p:par>
+                              <p:par>
+                                <p:cTn id="8" presetID="10" presetClass="entr" presetSubtype="0" fill="hold" nodeType="withEffect">
+                                  <p:stCondLst>
+                                    <p:cond delay="0"/>
+                                  </p:stCondLst>
+                                  <p:childTnLst>
+                                    <p:set>
+                                      <p:cBhvr>
+                                        <p:cTn id="9" dur="1" fill="hold">
                                           <p:stCondLst>
                                             <p:cond delay="0"/>
                                           </p:stCondLst>
@@ -14447,7 +14686,7 @@
                                     </p:set>
                                     <p:animEffect transition="in" filter="fade">
                                       <p:cBhvr>
-                                        <p:cTn id="7" dur="500"/>
+                                        <p:cTn id="10" dur="500"/>
                                         <p:tgtEl>
                                           <p:spTgt spid="2056"/>
                                         </p:tgtEl>
@@ -14457,67 +14696,14 @@
                                 </p:cTn>
                               </p:par>
                               <p:par>
-                                <p:cTn id="8" presetID="10" presetClass="entr" presetSubtype="0" fill="hold" grpId="0" nodeType="withEffect">
+                                <p:cTn id="11" presetID="10" presetClass="entr" presetSubtype="0" fill="hold" nodeType="withEffect">
                                   <p:stCondLst>
                                     <p:cond delay="0"/>
                                   </p:stCondLst>
                                   <p:childTnLst>
                                     <p:set>
                                       <p:cBhvr>
-                                        <p:cTn id="9" dur="1" fill="hold">
-                                          <p:stCondLst>
-                                            <p:cond delay="0"/>
-                                          </p:stCondLst>
-                                        </p:cTn>
-                                        <p:tgtEl>
-                                          <p:spTgt spid="16"/>
-                                        </p:tgtEl>
-                                        <p:attrNameLst>
-                                          <p:attrName>style.visibility</p:attrName>
-                                        </p:attrNameLst>
-                                      </p:cBhvr>
-                                      <p:to>
-                                        <p:strVal val="visible"/>
-                                      </p:to>
-                                    </p:set>
-                                    <p:animEffect transition="in" filter="fade">
-                                      <p:cBhvr>
-                                        <p:cTn id="10" dur="500"/>
-                                        <p:tgtEl>
-                                          <p:spTgt spid="16"/>
-                                        </p:tgtEl>
-                                      </p:cBhvr>
-                                    </p:animEffect>
-                                  </p:childTnLst>
-                                </p:cTn>
-                              </p:par>
-                            </p:childTnLst>
-                          </p:cTn>
-                        </p:par>
-                      </p:childTnLst>
-                    </p:cTn>
-                  </p:par>
-                  <p:par>
-                    <p:cTn id="11" fill="hold">
-                      <p:stCondLst>
-                        <p:cond delay="indefinite"/>
-                      </p:stCondLst>
-                      <p:childTnLst>
-                        <p:par>
-                          <p:cTn id="12" fill="hold">
-                            <p:stCondLst>
-                              <p:cond delay="0"/>
-                            </p:stCondLst>
-                            <p:childTnLst>
-                              <p:par>
-                                <p:cTn id="13" presetID="10" presetClass="entr" presetSubtype="0" fill="hold" nodeType="clickEffect">
-                                  <p:stCondLst>
-                                    <p:cond delay="0"/>
-                                  </p:stCondLst>
-                                  <p:childTnLst>
-                                    <p:set>
-                                      <p:cBhvr>
-                                        <p:cTn id="14" dur="1" fill="hold">
+                                        <p:cTn id="12" dur="1" fill="hold">
                                           <p:stCondLst>
                                             <p:cond delay="0"/>
                                           </p:stCondLst>
@@ -14535,7 +14721,7 @@
                                     </p:set>
                                     <p:animEffect transition="in" filter="fade">
                                       <p:cBhvr>
-                                        <p:cTn id="15" dur="500"/>
+                                        <p:cTn id="13" dur="500"/>
                                         <p:tgtEl>
                                           <p:spTgt spid="2052"/>
                                         </p:tgtEl>
@@ -14545,14 +14731,14 @@
                                 </p:cTn>
                               </p:par>
                               <p:par>
-                                <p:cTn id="16" presetID="10" presetClass="entr" presetSubtype="0" fill="hold" grpId="0" nodeType="withEffect">
+                                <p:cTn id="14" presetID="10" presetClass="entr" presetSubtype="0" fill="hold" grpId="0" nodeType="withEffect">
                                   <p:stCondLst>
                                     <p:cond delay="0"/>
                                   </p:stCondLst>
                                   <p:childTnLst>
                                     <p:set>
                                       <p:cBhvr>
-                                        <p:cTn id="17" dur="1" fill="hold">
+                                        <p:cTn id="15" dur="1" fill="hold">
                                           <p:stCondLst>
                                             <p:cond delay="0"/>
                                           </p:stCondLst>
@@ -14570,7 +14756,7 @@
                                     </p:set>
                                     <p:animEffect transition="in" filter="fade">
                                       <p:cBhvr>
-                                        <p:cTn id="18" dur="500"/>
+                                        <p:cTn id="16" dur="500"/>
                                         <p:tgtEl>
                                           <p:spTgt spid="9"/>
                                         </p:tgtEl>
@@ -14586,26 +14772,26 @@
                     </p:cTn>
                   </p:par>
                   <p:par>
-                    <p:cTn id="19" fill="hold">
+                    <p:cTn id="17" fill="hold">
                       <p:stCondLst>
                         <p:cond delay="indefinite"/>
                       </p:stCondLst>
                       <p:childTnLst>
                         <p:par>
-                          <p:cTn id="20" fill="hold">
+                          <p:cTn id="18" fill="hold">
                             <p:stCondLst>
                               <p:cond delay="0"/>
                             </p:stCondLst>
                             <p:childTnLst>
                               <p:par>
-                                <p:cTn id="21" presetID="10" presetClass="entr" presetSubtype="0" fill="hold" nodeType="clickEffect">
+                                <p:cTn id="19" presetID="10" presetClass="entr" presetSubtype="0" fill="hold" nodeType="clickEffect">
                                   <p:stCondLst>
                                     <p:cond delay="0"/>
                                   </p:stCondLst>
                                   <p:childTnLst>
                                     <p:set>
                                       <p:cBhvr>
-                                        <p:cTn id="22" dur="1" fill="hold">
+                                        <p:cTn id="20" dur="1" fill="hold">
                                           <p:stCondLst>
                                             <p:cond delay="0"/>
                                           </p:stCondLst>
@@ -14623,7 +14809,7 @@
                                     </p:set>
                                     <p:animEffect transition="in" filter="fade">
                                       <p:cBhvr>
-                                        <p:cTn id="23" dur="500"/>
+                                        <p:cTn id="21" dur="500"/>
                                         <p:tgtEl>
                                           <p:spTgt spid="2054"/>
                                         </p:tgtEl>
@@ -14633,14 +14819,14 @@
                                 </p:cTn>
                               </p:par>
                               <p:par>
-                                <p:cTn id="24" presetID="10" presetClass="entr" presetSubtype="0" fill="hold" grpId="0" nodeType="withEffect">
+                                <p:cTn id="22" presetID="10" presetClass="entr" presetSubtype="0" fill="hold" grpId="0" nodeType="withEffect">
                                   <p:stCondLst>
                                     <p:cond delay="0"/>
                                   </p:stCondLst>
                                   <p:childTnLst>
                                     <p:set>
                                       <p:cBhvr>
-                                        <p:cTn id="25" dur="1" fill="hold">
+                                        <p:cTn id="23" dur="1" fill="hold">
                                           <p:stCondLst>
                                             <p:cond delay="0"/>
                                           </p:stCondLst>
@@ -14658,9 +14844,44 @@
                                     </p:set>
                                     <p:animEffect transition="in" filter="fade">
                                       <p:cBhvr>
-                                        <p:cTn id="26" dur="500"/>
+                                        <p:cTn id="24" dur="500"/>
                                         <p:tgtEl>
                                           <p:spTgt spid="13"/>
+                                        </p:tgtEl>
+                                      </p:cBhvr>
+                                    </p:animEffect>
+                                  </p:childTnLst>
+                                </p:cTn>
+                              </p:par>
+                              <p:par>
+                                <p:cTn id="25" presetID="10" presetClass="entr" presetSubtype="0" fill="hold" grpId="0" nodeType="withEffect">
+                                  <p:stCondLst>
+                                    <p:cond delay="0"/>
+                                  </p:stCondLst>
+                                  <p:childTnLst>
+                                    <p:set>
+                                      <p:cBhvr>
+                                        <p:cTn id="26" dur="1" fill="hold">
+                                          <p:stCondLst>
+                                            <p:cond delay="0"/>
+                                          </p:stCondLst>
+                                        </p:cTn>
+                                        <p:tgtEl>
+                                          <p:spTgt spid="10"/>
+                                        </p:tgtEl>
+                                        <p:attrNameLst>
+                                          <p:attrName>style.visibility</p:attrName>
+                                        </p:attrNameLst>
+                                      </p:cBhvr>
+                                      <p:to>
+                                        <p:strVal val="visible"/>
+                                      </p:to>
+                                    </p:set>
+                                    <p:animEffect transition="in" filter="fade">
+                                      <p:cBhvr>
+                                        <p:cTn id="27" dur="500"/>
+                                        <p:tgtEl>
+                                          <p:spTgt spid="10"/>
                                         </p:tgtEl>
                                       </p:cBhvr>
                                     </p:animEffect>
@@ -14698,6 +14919,7 @@
       <p:bldP spid="9" grpId="0"/>
       <p:bldP spid="13" grpId="0"/>
       <p:bldP spid="16" grpId="0"/>
+      <p:bldP spid="10" grpId="0"/>
     </p:bldLst>
   </p:timing>
 </p:sld>
@@ -14744,7 +14966,7 @@
         </p:blipFill>
         <p:spPr bwMode="auto">
           <a:xfrm>
-            <a:off x="68942" y="0"/>
+            <a:off x="144871" y="0"/>
             <a:ext cx="8930115" cy="6858000"/>
           </a:xfrm>
           <a:prstGeom prst="rect">
@@ -14803,112 +15025,123 @@
           </a:extLst>
         </p:spPr>
       </p:pic>
-      <p:sp>
-        <p:nvSpPr>
-          <p:cNvPr id="20" name="圓角矩形 19"/>
-          <p:cNvSpPr/>
+      <p:grpSp>
+        <p:nvGrpSpPr>
+          <p:cNvPr id="11" name="群組 10"/>
+          <p:cNvGrpSpPr/>
           <p:nvPr/>
-        </p:nvSpPr>
-        <p:spPr>
+        </p:nvGrpSpPr>
+        <p:grpSpPr>
           <a:xfrm>
-            <a:off x="628650" y="2926358"/>
-            <a:ext cx="3819565" cy="1200329"/>
+            <a:off x="570594" y="2922485"/>
+            <a:ext cx="3776248" cy="1204202"/>
+            <a:chOff x="570594" y="2922485"/>
+            <a:chExt cx="3776248" cy="1204202"/>
           </a:xfrm>
-          <a:prstGeom prst="roundRect">
-            <a:avLst/>
-          </a:prstGeom>
-          <a:solidFill>
-            <a:srgbClr val="FF0000">
-              <a:alpha val="23000"/>
-            </a:srgbClr>
-          </a:solidFill>
-          <a:ln>
+        </p:grpSpPr>
+        <p:sp>
+          <p:nvSpPr>
+            <p:cNvPr id="20" name="圓角矩形 19"/>
+            <p:cNvSpPr/>
+            <p:nvPr/>
+          </p:nvSpPr>
+          <p:spPr>
+            <a:xfrm>
+              <a:off x="570594" y="2926358"/>
+              <a:ext cx="3615584" cy="1200329"/>
+            </a:xfrm>
+            <a:prstGeom prst="roundRect">
+              <a:avLst/>
+            </a:prstGeom>
+            <a:solidFill>
+              <a:srgbClr val="FF0000">
+                <a:alpha val="23000"/>
+              </a:srgbClr>
+            </a:solidFill>
+            <a:ln>
+              <a:noFill/>
+            </a:ln>
+          </p:spPr>
+          <p:style>
+            <a:lnRef idx="2">
+              <a:schemeClr val="accent1">
+                <a:shade val="50000"/>
+              </a:schemeClr>
+            </a:lnRef>
+            <a:fillRef idx="1">
+              <a:schemeClr val="accent1"/>
+            </a:fillRef>
+            <a:effectRef idx="0">
+              <a:schemeClr val="accent1"/>
+            </a:effectRef>
+            <a:fontRef idx="minor">
+              <a:schemeClr val="lt1"/>
+            </a:fontRef>
+          </p:style>
+          <p:txBody>
+            <a:bodyPr rtlCol="0" anchor="ctr"/>
+            <a:lstStyle/>
+            <a:p>
+              <a:pPr algn="ctr"/>
+              <a:endParaRPr lang="zh-TW" altLang="en-US"/>
+            </a:p>
+          </p:txBody>
+        </p:sp>
+        <p:sp>
+          <p:nvSpPr>
+            <p:cNvPr id="10" name="文字方塊 9"/>
+            <p:cNvSpPr txBox="1"/>
+            <p:nvPr/>
+          </p:nvSpPr>
+          <p:spPr>
+            <a:xfrm>
+              <a:off x="654977" y="2922485"/>
+              <a:ext cx="3691865" cy="1200329"/>
+            </a:xfrm>
+            <a:prstGeom prst="rect">
+              <a:avLst/>
+            </a:prstGeom>
             <a:noFill/>
-          </a:ln>
-        </p:spPr>
-        <p:style>
-          <a:lnRef idx="2">
-            <a:schemeClr val="accent1">
-              <a:shade val="50000"/>
-            </a:schemeClr>
-          </a:lnRef>
-          <a:fillRef idx="1">
-            <a:schemeClr val="accent1"/>
-          </a:fillRef>
-          <a:effectRef idx="0">
-            <a:schemeClr val="accent1"/>
-          </a:effectRef>
-          <a:fontRef idx="minor">
-            <a:schemeClr val="lt1"/>
-          </a:fontRef>
-        </p:style>
-        <p:txBody>
-          <a:bodyPr rtlCol="0" anchor="ctr"/>
-          <a:lstStyle/>
-          <a:p>
-            <a:pPr algn="ctr"/>
-            <a:endParaRPr lang="zh-TW" altLang="en-US"/>
-          </a:p>
-        </p:txBody>
-      </p:sp>
-      <p:sp>
-        <p:nvSpPr>
-          <p:cNvPr id="10" name="文字方塊 9"/>
-          <p:cNvSpPr txBox="1"/>
-          <p:nvPr/>
-        </p:nvSpPr>
-        <p:spPr>
-          <a:xfrm>
-            <a:off x="552369" y="2937240"/>
-            <a:ext cx="3854720" cy="1200329"/>
-          </a:xfrm>
-          <a:prstGeom prst="rect">
-            <a:avLst/>
-          </a:prstGeom>
-          <a:noFill/>
-        </p:spPr>
-        <p:txBody>
-          <a:bodyPr wrap="square" rtlCol="0">
-            <a:spAutoFit/>
-          </a:bodyPr>
-          <a:lstStyle/>
-          <a:p>
-            <a:pPr marL="342900" indent="-342900">
-              <a:buFont typeface="Arial" panose="020B0604020202020204" pitchFamily="34" charset="0"/>
-              <a:buChar char="•"/>
-            </a:pPr>
-            <a:r>
-              <a:rPr lang="en-US" altLang="zh-TW" sz="2400" u="sng" dirty="0" smtClean="0"/>
-              <a:t>High Level of UV Radiation</a:t>
-            </a:r>
-            <a:r>
-              <a:rPr lang="zh-TW" altLang="en-US" sz="2400" u="sng" dirty="0" smtClean="0"/>
-              <a:t> </a:t>
-            </a:r>
-            <a:r>
-              <a:rPr lang="en-US" altLang="zh-TW" sz="2400" dirty="0" smtClean="0"/>
-              <a:t>and </a:t>
-            </a:r>
-            <a:r>
-              <a:rPr lang="en-US" altLang="zh-TW" sz="2400" u="sng" dirty="0" smtClean="0"/>
-              <a:t>toxic algae </a:t>
-            </a:r>
-            <a:r>
-              <a:rPr lang="en-US" altLang="zh-TW" sz="2400" dirty="0" smtClean="0"/>
-              <a:t>can cause</a:t>
-            </a:r>
-            <a:r>
-              <a:rPr lang="zh-TW" altLang="en-US" sz="2400" dirty="0" smtClean="0"/>
-              <a:t> </a:t>
-            </a:r>
-            <a:r>
-              <a:rPr lang="en-US" altLang="zh-TW" sz="2400" dirty="0" smtClean="0"/>
-              <a:t>Impacts on Human Health.</a:t>
-            </a:r>
-            <a:endParaRPr lang="zh-TW" altLang="en-US" sz="2400" dirty="0"/>
-          </a:p>
-        </p:txBody>
-      </p:sp>
+          </p:spPr>
+          <p:txBody>
+            <a:bodyPr wrap="square" rtlCol="0">
+              <a:spAutoFit/>
+            </a:bodyPr>
+            <a:lstStyle/>
+            <a:p>
+              <a:r>
+                <a:rPr lang="en-US" altLang="zh-TW" sz="2400" b="1" dirty="0" smtClean="0"/>
+                <a:t>High Level of UV Radiation</a:t>
+              </a:r>
+              <a:r>
+                <a:rPr lang="zh-TW" altLang="en-US" sz="2400" b="1" dirty="0" smtClean="0"/>
+                <a:t> </a:t>
+              </a:r>
+              <a:r>
+                <a:rPr lang="en-US" altLang="zh-TW" sz="2400" dirty="0" smtClean="0"/>
+                <a:t>and </a:t>
+              </a:r>
+              <a:r>
+                <a:rPr lang="en-US" altLang="zh-TW" sz="2400" b="1" dirty="0" smtClean="0"/>
+                <a:t>toxic algae </a:t>
+              </a:r>
+              <a:r>
+                <a:rPr lang="en-US" altLang="zh-TW" sz="2400" dirty="0" smtClean="0"/>
+                <a:t>can cause</a:t>
+              </a:r>
+              <a:r>
+                <a:rPr lang="zh-TW" altLang="en-US" sz="2400" dirty="0" smtClean="0"/>
+                <a:t> </a:t>
+              </a:r>
+              <a:r>
+                <a:rPr lang="en-US" altLang="zh-TW" sz="2400" dirty="0" smtClean="0"/>
+                <a:t>Impacts on Human Health.</a:t>
+              </a:r>
+              <a:endParaRPr lang="zh-TW" altLang="en-US" sz="2400" dirty="0"/>
+            </a:p>
+          </p:txBody>
+        </p:sp>
+      </p:grpSp>
       <p:sp>
         <p:nvSpPr>
           <p:cNvPr id="2" name="標題 1"/>
@@ -14965,8 +15198,8 @@
           </a:p>
         </p:txBody>
       </p:sp>
-      <mc:AlternateContent xmlns:mc="http://schemas.openxmlformats.org/markup-compatibility/2006" xmlns:a14="http://schemas.microsoft.com/office/drawing/2010/main">
-        <mc:Choice Requires="a14">
+      <mc:AlternateContent xmlns:mc="http://schemas.openxmlformats.org/markup-compatibility/2006">
+        <mc:Choice xmlns:a14="http://schemas.microsoft.com/office/drawing/2010/main" Requires="a14">
           <p:sp>
             <p:nvSpPr>
               <p:cNvPr id="14" name="文字方塊 13"/>
@@ -14975,8 +15208,8 @@
             </p:nvSpPr>
             <p:spPr>
               <a:xfrm>
-                <a:off x="3072406" y="5561792"/>
-                <a:ext cx="2343656" cy="707886"/>
+                <a:off x="3072405" y="5561792"/>
+                <a:ext cx="3371937" cy="1206869"/>
               </a:xfrm>
               <a:prstGeom prst="rect">
                 <a:avLst/>
@@ -14996,13 +15229,13 @@
                 <a14:m>
                   <m:oMath xmlns:m="http://schemas.openxmlformats.org/officeDocument/2006/math">
                     <m:r>
-                      <a:rPr lang="en-US" altLang="zh-TW" sz="2000" b="1" i="1" dirty="0" smtClean="0">
+                      <a:rPr lang="en-US" altLang="zh-TW" sz="2400" b="1" i="1" dirty="0" smtClean="0">
                         <a:latin typeface="Cambria Math" panose="02040503050406030204" pitchFamily="18" charset="0"/>
                       </a:rPr>
                       <m:t>𝑰𝑩𝑴</m:t>
                     </m:r>
                     <m:r>
-                      <a:rPr lang="en-US" altLang="zh-TW" sz="2000" b="1" i="1" dirty="0" smtClean="0">
+                      <a:rPr lang="en-US" altLang="zh-TW" sz="2400" b="1" i="1" dirty="0" smtClean="0">
                         <a:latin typeface="Cambria Math" panose="02040503050406030204" pitchFamily="18" charset="0"/>
                       </a:rPr>
                       <m:t> </m:t>
@@ -15010,14 +15243,14 @@
                     <m:sSup>
                       <m:sSupPr>
                         <m:ctrlPr>
-                          <a:rPr lang="en-US" altLang="zh-TW" sz="2000" b="1" i="1" smtClean="0">
+                          <a:rPr lang="en-US" altLang="zh-TW" sz="2400" b="1" i="1" smtClean="0">
                             <a:latin typeface="Cambria Math" panose="02040503050406030204" pitchFamily="18" charset="0"/>
                           </a:rPr>
                         </m:ctrlPr>
                       </m:sSupPr>
                       <m:e>
                         <m:r>
-                          <a:rPr lang="en-US" altLang="zh-TW" sz="2000" b="1" i="1" smtClean="0">
+                          <a:rPr lang="en-US" altLang="zh-TW" sz="2400" b="1" i="1" smtClean="0">
                             <a:latin typeface="Cambria Math" panose="02040503050406030204" pitchFamily="18" charset="0"/>
                           </a:rPr>
                           <m:t>𝑩𝒍𝒖𝒆𝒎𝒊𝒙</m:t>
@@ -15025,7 +15258,7 @@
                       </m:e>
                       <m:sup>
                         <m:r>
-                          <a:rPr lang="en-US" altLang="zh-TW" sz="2000" b="1" i="1" smtClean="0">
+                          <a:rPr lang="en-US" altLang="zh-TW" sz="2400" b="1" i="1" smtClean="0">
                             <a:latin typeface="Cambria Math" panose="02040503050406030204" pitchFamily="18" charset="0"/>
                           </a:rPr>
                           <m:t>𝑻𝑴</m:t>
@@ -15034,7 +15267,7 @@
                     </m:sSup>
                   </m:oMath>
                 </a14:m>
-                <a:endParaRPr lang="en-US" altLang="zh-TW" sz="2000" b="1" dirty="0" smtClean="0"/>
+                <a:endParaRPr lang="en-US" altLang="zh-TW" sz="2400" b="1" dirty="0" smtClean="0"/>
               </a:p>
               <a:p>
                 <a:pPr marL="285750" indent="-285750">
@@ -15044,31 +15277,72 @@
                 <a14:m>
                   <m:oMath xmlns:m="http://schemas.openxmlformats.org/officeDocument/2006/math">
                     <m:r>
-                      <a:rPr lang="en-US" altLang="zh-TW" sz="2000" b="1" i="1" dirty="0" smtClean="0">
+                      <a:rPr lang="en-US" altLang="zh-TW" sz="2400" b="1" i="1" dirty="0" smtClean="0">
                         <a:latin typeface="Cambria Math" panose="02040503050406030204" pitchFamily="18" charset="0"/>
                       </a:rPr>
                       <m:t>𝑵𝑨𝑺𝑨</m:t>
                     </m:r>
                     <m:r>
-                      <a:rPr lang="en-US" altLang="zh-TW" sz="2000" b="1" i="1" dirty="0" smtClean="0">
+                      <a:rPr lang="en-US" altLang="zh-TW" sz="2400" b="1" i="1" dirty="0" smtClean="0">
                         <a:latin typeface="Cambria Math" panose="02040503050406030204" pitchFamily="18" charset="0"/>
                       </a:rPr>
                       <m:t> </m:t>
                     </m:r>
                     <m:r>
-                      <a:rPr lang="en-US" altLang="zh-TW" sz="2000" b="1" i="1" dirty="0" smtClean="0">
+                      <a:rPr lang="en-US" altLang="zh-TW" sz="2400" b="1" i="1" dirty="0" smtClean="0">
+                        <a:latin typeface="Cambria Math" panose="02040503050406030204" pitchFamily="18" charset="0"/>
+                      </a:rPr>
+                      <m:t>𝑴𝑶𝑫𝑰𝑺</m:t>
+                    </m:r>
+                    <m:r>
+                      <a:rPr lang="en-US" altLang="zh-TW" sz="2400" b="1" i="1" dirty="0" smtClean="0">
+                        <a:latin typeface="Cambria Math" panose="02040503050406030204" pitchFamily="18" charset="0"/>
+                      </a:rPr>
+                      <m:t> </m:t>
+                    </m:r>
+                    <m:r>
+                      <a:rPr lang="en-US" altLang="zh-TW" sz="2400" b="1" i="1" dirty="0" smtClean="0">
                         <a:latin typeface="Cambria Math" panose="02040503050406030204" pitchFamily="18" charset="0"/>
                       </a:rPr>
                       <m:t>𝑫𝑨𝑻𝑨</m:t>
                     </m:r>
                   </m:oMath>
                 </a14:m>
-                <a:endParaRPr lang="en-US" altLang="zh-TW" sz="2000" b="1" dirty="0" smtClean="0"/>
+                <a:endParaRPr lang="en-US" altLang="zh-TW" sz="2400" b="1" dirty="0" smtClean="0"/>
+              </a:p>
+              <a:p>
+                <a:pPr marL="285750" indent="-285750">
+                  <a:buFont typeface="Arial" panose="020B0604020202020204" pitchFamily="34" charset="0"/>
+                  <a:buChar char="•"/>
+                </a:pPr>
+                <a14:m>
+                  <m:oMath xmlns:m="http://schemas.openxmlformats.org/officeDocument/2006/math">
+                    <m:r>
+                      <a:rPr lang="en-US" altLang="zh-TW" sz="2400" b="1" i="1" dirty="0" smtClean="0">
+                        <a:latin typeface="Cambria Math" panose="02040503050406030204" pitchFamily="18" charset="0"/>
+                      </a:rPr>
+                      <m:t>𝑾𝒐𝒓𝒍𝒅</m:t>
+                    </m:r>
+                    <m:r>
+                      <a:rPr lang="en-US" altLang="zh-TW" sz="2400" b="1" i="1" dirty="0" smtClean="0">
+                        <a:latin typeface="Cambria Math" panose="02040503050406030204" pitchFamily="18" charset="0"/>
+                      </a:rPr>
+                      <m:t> </m:t>
+                    </m:r>
+                    <m:r>
+                      <a:rPr lang="en-US" altLang="zh-TW" sz="2400" b="1" i="1" dirty="0" smtClean="0">
+                        <a:latin typeface="Cambria Math" panose="02040503050406030204" pitchFamily="18" charset="0"/>
+                      </a:rPr>
+                      <m:t>𝑻𝒊𝒅𝒆𝒔</m:t>
+                    </m:r>
+                  </m:oMath>
+                </a14:m>
+                <a:endParaRPr lang="en-US" altLang="zh-TW" sz="2400" b="1" dirty="0" smtClean="0"/>
               </a:p>
             </p:txBody>
           </p:sp>
         </mc:Choice>
-        <mc:Fallback xmlns="">
+        <mc:Fallback>
           <p:sp>
             <p:nvSpPr>
               <p:cNvPr id="14" name="文字方塊 13"/>
@@ -15079,8 +15353,8 @@
             </p:nvSpPr>
             <p:spPr>
               <a:xfrm>
-                <a:off x="3072406" y="5561792"/>
-                <a:ext cx="2343656" cy="707886"/>
+                <a:off x="3072405" y="5561792"/>
+                <a:ext cx="3371937" cy="1206869"/>
               </a:xfrm>
               <a:prstGeom prst="rect">
                 <a:avLst/>
@@ -15088,7 +15362,7 @@
               <a:blipFill>
                 <a:blip r:embed="rId5"/>
                 <a:stretch>
-                  <a:fillRect l="-2344" t="-1724" r="-1563" b="-12931"/>
+                  <a:fillRect l="-2351" t="-2020" b="-8586"/>
                 </a:stretch>
               </a:blipFill>
             </p:spPr>
@@ -15115,8 +15389,8 @@
         </p:nvSpPr>
         <p:spPr>
           <a:xfrm>
-            <a:off x="3044270" y="5034609"/>
-            <a:ext cx="1251816" cy="646331"/>
+            <a:off x="2687618" y="4957755"/>
+            <a:ext cx="2174668" cy="646331"/>
           </a:xfrm>
           <a:prstGeom prst="rect">
             <a:avLst/>
@@ -15132,7 +15406,7 @@
             <a:pPr algn="ctr"/>
             <a:r>
               <a:rPr lang="en-US" altLang="zh-TW" sz="3600" dirty="0" smtClean="0"/>
-              <a:t>Input</a:t>
+              <a:t>Input Data</a:t>
             </a:r>
             <a:endParaRPr lang="zh-TW" altLang="en-US" sz="3600" dirty="0"/>
           </a:p>
@@ -15194,8 +15468,8 @@
         </p:nvSpPr>
         <p:spPr>
           <a:xfrm>
-            <a:off x="4890517" y="1931699"/>
-            <a:ext cx="4044148" cy="646331"/>
+            <a:off x="5483822" y="1819444"/>
+            <a:ext cx="2961712" cy="646331"/>
           </a:xfrm>
           <a:prstGeom prst="rect">
             <a:avLst/>
@@ -15210,10 +15484,30 @@
           <a:p>
             <a:pPr algn="ctr"/>
             <a:r>
+              <a:rPr lang="en-US" altLang="zh-TW" sz="3600" b="1" dirty="0" smtClean="0">
+                <a:solidFill>
+                  <a:srgbClr val="00B050"/>
+                </a:solidFill>
+              </a:rPr>
+              <a:t>Solution -</a:t>
+            </a:r>
+            <a:r>
               <a:rPr lang="en-US" altLang="zh-TW" sz="3600" dirty="0" smtClean="0"/>
-              <a:t>Solution- APP</a:t>
-            </a:r>
-            <a:endParaRPr lang="zh-TW" altLang="en-US" sz="3600" dirty="0"/>
+              <a:t> </a:t>
+            </a:r>
+            <a:r>
+              <a:rPr lang="en-US" altLang="zh-TW" sz="3600" b="1" dirty="0" smtClean="0">
+                <a:solidFill>
+                  <a:srgbClr val="00B050"/>
+                </a:solidFill>
+              </a:rPr>
+              <a:t>APP</a:t>
+            </a:r>
+            <a:endParaRPr lang="zh-TW" altLang="en-US" sz="3600" b="1" dirty="0">
+              <a:solidFill>
+                <a:srgbClr val="00B050"/>
+              </a:solidFill>
+            </a:endParaRPr>
           </a:p>
         </p:txBody>
       </p:sp>
@@ -15225,8 +15519,8 @@
         </p:nvSpPr>
         <p:spPr>
           <a:xfrm>
-            <a:off x="5569468" y="2471083"/>
-            <a:ext cx="3601328" cy="646331"/>
+            <a:off x="5881156" y="2418604"/>
+            <a:ext cx="3226218" cy="584775"/>
           </a:xfrm>
           <a:prstGeom prst="rect">
             <a:avLst/>
@@ -15240,16 +15534,20 @@
           <a:lstStyle/>
           <a:p>
             <a:r>
-              <a:rPr lang="en-US" altLang="zh-TW" sz="3600" b="1" dirty="0" smtClean="0">
+              <a:rPr lang="en-US" altLang="zh-TW" sz="3200" b="1" dirty="0" smtClean="0">
                 <a:solidFill>
-                  <a:srgbClr val="FF0000"/>
+                  <a:schemeClr val="accent1">
+                    <a:lumMod val="50000"/>
+                  </a:schemeClr>
                 </a:solidFill>
               </a:rPr>
               <a:t>Beach Trip Helper</a:t>
             </a:r>
-            <a:endParaRPr lang="zh-TW" altLang="en-US" sz="3600" b="1" dirty="0">
+            <a:endParaRPr lang="zh-TW" altLang="en-US" sz="3200" b="1" dirty="0">
               <a:solidFill>
-                <a:srgbClr val="FF0000"/>
+                <a:schemeClr val="accent1">
+                  <a:lumMod val="50000"/>
+                </a:schemeClr>
               </a:solidFill>
             </a:endParaRPr>
           </a:p>
@@ -15263,8 +15561,8 @@
         </p:nvSpPr>
         <p:spPr>
           <a:xfrm>
-            <a:off x="5996140" y="3045436"/>
-            <a:ext cx="3002917" cy="1200329"/>
+            <a:off x="6039682" y="2856754"/>
+            <a:ext cx="3002917" cy="1569660"/>
           </a:xfrm>
           <a:prstGeom prst="rect">
             <a:avLst/>
@@ -15282,9 +15580,9 @@
               <a:buChar char="•"/>
             </a:pPr>
             <a:r>
-              <a:rPr lang="en-US" altLang="zh-TW" sz="2400" b="1" dirty="0" smtClean="0">
+              <a:rPr lang="en-US" altLang="zh-TW" sz="2400" dirty="0" smtClean="0">
                 <a:solidFill>
-                  <a:srgbClr val="FF0000"/>
+                  <a:srgbClr val="002060"/>
                 </a:solidFill>
               </a:rPr>
               <a:t>Decision Support</a:t>
@@ -15296,12 +15594,20 @@
               <a:buChar char="•"/>
             </a:pPr>
             <a:r>
-              <a:rPr lang="en-US" altLang="zh-TW" sz="2400" b="1" dirty="0" smtClean="0">
+              <a:rPr lang="en-US" altLang="zh-TW" sz="2400" dirty="0" smtClean="0">
                 <a:solidFill>
-                  <a:srgbClr val="FF0000"/>
+                  <a:srgbClr val="002060"/>
                 </a:solidFill>
               </a:rPr>
-              <a:t>Science Knowledge</a:t>
+              <a:t>Science </a:t>
+            </a:r>
+            <a:r>
+              <a:rPr lang="en-US" altLang="zh-TW" sz="2400" dirty="0" smtClean="0">
+                <a:solidFill>
+                  <a:srgbClr val="002060"/>
+                </a:solidFill>
+              </a:rPr>
+              <a:t>Knowledge</a:t>
             </a:r>
           </a:p>
           <a:p>
@@ -15310,9 +15616,28 @@
               <a:buChar char="•"/>
             </a:pPr>
             <a:r>
-              <a:rPr lang="en-US" altLang="zh-TW" sz="2400" b="1" dirty="0" smtClean="0">
+              <a:rPr lang="en-US" altLang="zh-TW" sz="2400" dirty="0" smtClean="0">
                 <a:solidFill>
-                  <a:srgbClr val="FF0000"/>
+                  <a:srgbClr val="002060"/>
+                </a:solidFill>
+              </a:rPr>
+              <a:t>Short Reminder</a:t>
+            </a:r>
+            <a:endParaRPr lang="en-US" altLang="zh-TW" sz="2400" dirty="0" smtClean="0">
+              <a:solidFill>
+                <a:srgbClr val="002060"/>
+              </a:solidFill>
+            </a:endParaRPr>
+          </a:p>
+          <a:p>
+            <a:pPr marL="285750" indent="-285750">
+              <a:buFont typeface="Arial" panose="020B0604020202020204" pitchFamily="34" charset="0"/>
+              <a:buChar char="•"/>
+            </a:pPr>
+            <a:r>
+              <a:rPr lang="en-US" altLang="zh-TW" sz="2400" dirty="0" smtClean="0">
+                <a:solidFill>
+                  <a:srgbClr val="002060"/>
                 </a:solidFill>
               </a:rPr>
               <a:t>Warning Functions </a:t>
@@ -15328,13 +15653,13 @@
         </p:nvSpPr>
         <p:spPr>
           <a:xfrm>
-            <a:off x="2447693" y="4148996"/>
-            <a:ext cx="4001045" cy="920353"/>
+            <a:off x="2374728" y="4148451"/>
+            <a:ext cx="3786684" cy="787540"/>
           </a:xfrm>
           <a:prstGeom prst="curvedUpArrow">
             <a:avLst>
               <a:gd name="adj1" fmla="val 26790"/>
-              <a:gd name="adj2" fmla="val 50000"/>
+              <a:gd name="adj2" fmla="val 55573"/>
               <a:gd name="adj3" fmla="val 25000"/>
             </a:avLst>
           </a:prstGeom>
@@ -15378,6 +15703,95 @@
           </a:p>
         </p:txBody>
       </p:sp>
+      <p:sp>
+        <p:nvSpPr>
+          <p:cNvPr id="5" name="圓角矩形 4"/>
+          <p:cNvSpPr/>
+          <p:nvPr/>
+        </p:nvSpPr>
+        <p:spPr>
+          <a:xfrm>
+            <a:off x="6326684" y="4006811"/>
+            <a:ext cx="2423886" cy="347956"/>
+          </a:xfrm>
+          <a:prstGeom prst="roundRect">
+            <a:avLst/>
+          </a:prstGeom>
+          <a:noFill/>
+          <a:ln>
+            <a:solidFill>
+              <a:srgbClr val="FF0000"/>
+            </a:solidFill>
+          </a:ln>
+        </p:spPr>
+        <p:style>
+          <a:lnRef idx="2">
+            <a:schemeClr val="accent1">
+              <a:shade val="50000"/>
+            </a:schemeClr>
+          </a:lnRef>
+          <a:fillRef idx="1">
+            <a:schemeClr val="accent1"/>
+          </a:fillRef>
+          <a:effectRef idx="0">
+            <a:schemeClr val="accent1"/>
+          </a:effectRef>
+          <a:fontRef idx="minor">
+            <a:schemeClr val="lt1"/>
+          </a:fontRef>
+        </p:style>
+        <p:txBody>
+          <a:bodyPr rtlCol="0" anchor="ctr"/>
+          <a:lstStyle/>
+          <a:p>
+            <a:pPr algn="ctr"/>
+            <a:endParaRPr lang="zh-TW" altLang="en-US"/>
+          </a:p>
+        </p:txBody>
+      </p:sp>
+      <p:sp>
+        <p:nvSpPr>
+          <p:cNvPr id="6" name="文字方塊 5"/>
+          <p:cNvSpPr txBox="1"/>
+          <p:nvPr/>
+        </p:nvSpPr>
+        <p:spPr>
+          <a:xfrm>
+            <a:off x="6326684" y="4374432"/>
+            <a:ext cx="2023659" cy="830997"/>
+          </a:xfrm>
+          <a:prstGeom prst="rect">
+            <a:avLst/>
+          </a:prstGeom>
+          <a:noFill/>
+        </p:spPr>
+        <p:txBody>
+          <a:bodyPr wrap="square" rtlCol="0">
+            <a:spAutoFit/>
+          </a:bodyPr>
+          <a:lstStyle/>
+          <a:p>
+            <a:r>
+              <a:rPr lang="en-US" altLang="zh-TW" sz="2400" b="1" dirty="0" smtClean="0">
+                <a:solidFill>
+                  <a:srgbClr val="FF0000"/>
+                </a:solidFill>
+              </a:rPr>
+              <a:t>Rain Warnings</a:t>
+            </a:r>
+          </a:p>
+          <a:p>
+            <a:r>
+              <a:rPr lang="en-US" altLang="zh-TW" sz="2400" b="1" dirty="0" smtClean="0">
+                <a:solidFill>
+                  <a:srgbClr val="FF0000"/>
+                </a:solidFill>
+              </a:rPr>
+              <a:t>Tide Warnings</a:t>
+            </a:r>
+          </a:p>
+        </p:txBody>
+      </p:sp>
     </p:spTree>
     <p:extLst>
       <p:ext uri="{BB962C8B-B14F-4D97-AF65-F5344CB8AC3E}">
@@ -15409,7 +15823,7 @@
                             </p:stCondLst>
                             <p:childTnLst>
                               <p:par>
-                                <p:cTn id="5" presetID="10" presetClass="entr" presetSubtype="0" fill="hold" grpId="0" nodeType="clickEffect">
+                                <p:cTn id="5" presetID="10" presetClass="entr" presetSubtype="0" fill="hold" nodeType="clickEffect">
                                   <p:stCondLst>
                                     <p:cond delay="0"/>
                                   </p:stCondLst>
@@ -15422,7 +15836,7 @@
                                           </p:stCondLst>
                                         </p:cTn>
                                         <p:tgtEl>
-                                          <p:spTgt spid="10"/>
+                                          <p:spTgt spid="11"/>
                                         </p:tgtEl>
                                         <p:attrNameLst>
                                           <p:attrName>style.visibility</p:attrName>
@@ -15436,7 +15850,7 @@
                                       <p:cBhvr>
                                         <p:cTn id="7" dur="500"/>
                                         <p:tgtEl>
-                                          <p:spTgt spid="10"/>
+                                          <p:spTgt spid="11"/>
                                         </p:tgtEl>
                                       </p:cBhvr>
                                     </p:animEffect>
@@ -15590,6 +16004,94 @@
                       </p:childTnLst>
                     </p:cTn>
                   </p:par>
+                  <p:par>
+                    <p:cTn id="21" fill="hold">
+                      <p:stCondLst>
+                        <p:cond delay="indefinite"/>
+                      </p:stCondLst>
+                      <p:childTnLst>
+                        <p:par>
+                          <p:cTn id="22" fill="hold">
+                            <p:stCondLst>
+                              <p:cond delay="0"/>
+                            </p:stCondLst>
+                            <p:childTnLst>
+                              <p:par>
+                                <p:cTn id="23" presetID="10" presetClass="entr" presetSubtype="0" fill="hold" grpId="0" nodeType="clickEffect">
+                                  <p:stCondLst>
+                                    <p:cond delay="0"/>
+                                  </p:stCondLst>
+                                  <p:childTnLst>
+                                    <p:set>
+                                      <p:cBhvr>
+                                        <p:cTn id="24" dur="1" fill="hold">
+                                          <p:stCondLst>
+                                            <p:cond delay="0"/>
+                                          </p:stCondLst>
+                                        </p:cTn>
+                                        <p:tgtEl>
+                                          <p:spTgt spid="5"/>
+                                        </p:tgtEl>
+                                        <p:attrNameLst>
+                                          <p:attrName>style.visibility</p:attrName>
+                                        </p:attrNameLst>
+                                      </p:cBhvr>
+                                      <p:to>
+                                        <p:strVal val="visible"/>
+                                      </p:to>
+                                    </p:set>
+                                    <p:animEffect transition="in" filter="fade">
+                                      <p:cBhvr>
+                                        <p:cTn id="25" dur="500"/>
+                                        <p:tgtEl>
+                                          <p:spTgt spid="5"/>
+                                        </p:tgtEl>
+                                      </p:cBhvr>
+                                    </p:animEffect>
+                                  </p:childTnLst>
+                                </p:cTn>
+                              </p:par>
+                              <p:par>
+                                <p:cTn id="26" presetID="10" presetClass="entr" presetSubtype="0" fill="hold" grpId="0" nodeType="withEffect">
+                                  <p:stCondLst>
+                                    <p:cond delay="0"/>
+                                  </p:stCondLst>
+                                  <p:childTnLst>
+                                    <p:set>
+                                      <p:cBhvr>
+                                        <p:cTn id="27" dur="1" fill="hold">
+                                          <p:stCondLst>
+                                            <p:cond delay="0"/>
+                                          </p:stCondLst>
+                                        </p:cTn>
+                                        <p:tgtEl>
+                                          <p:spTgt spid="6"/>
+                                        </p:tgtEl>
+                                        <p:attrNameLst>
+                                          <p:attrName>style.visibility</p:attrName>
+                                        </p:attrNameLst>
+                                      </p:cBhvr>
+                                      <p:to>
+                                        <p:strVal val="visible"/>
+                                      </p:to>
+                                    </p:set>
+                                    <p:animEffect transition="in" filter="fade">
+                                      <p:cBhvr>
+                                        <p:cTn id="28" dur="500"/>
+                                        <p:tgtEl>
+                                          <p:spTgt spid="6"/>
+                                        </p:tgtEl>
+                                      </p:cBhvr>
+                                    </p:animEffect>
+                                  </p:childTnLst>
+                                </p:cTn>
+                              </p:par>
+                            </p:childTnLst>
+                          </p:cTn>
+                        </p:par>
+                      </p:childTnLst>
+                    </p:cTn>
+                  </p:par>
                 </p:childTnLst>
               </p:cTn>
               <p:prevCondLst>
@@ -15612,10 +16114,11 @@
       </p:par>
     </p:tnLst>
     <p:bldLst>
-      <p:bldP spid="10" grpId="0"/>
       <p:bldP spid="14" grpId="0"/>
       <p:bldP spid="18" grpId="0"/>
       <p:bldP spid="19" grpId="0"/>
+      <p:bldP spid="5" grpId="0" animBg="1"/>
+      <p:bldP spid="6" grpId="0"/>
     </p:bldLst>
   </p:timing>
 </p:sld>
@@ -15738,36 +16241,6 @@
           </a:prstGeom>
         </p:spPr>
       </p:pic>
-      <p:pic>
-        <p:nvPicPr>
-          <p:cNvPr id="6" name="圖片 5"/>
-          <p:cNvPicPr>
-            <a:picLocks noChangeAspect="1"/>
-          </p:cNvPicPr>
-          <p:nvPr/>
-        </p:nvPicPr>
-        <p:blipFill>
-          <a:blip r:embed="rId4" cstate="print">
-            <a:extLst>
-              <a:ext uri="{28A0092B-C50C-407E-A947-70E740481C1C}">
-                <a14:useLocalDpi xmlns:a14="http://schemas.microsoft.com/office/drawing/2010/main" val="0"/>
-              </a:ext>
-            </a:extLst>
-          </a:blip>
-          <a:stretch>
-            <a:fillRect/>
-          </a:stretch>
-        </p:blipFill>
-        <p:spPr>
-          <a:xfrm>
-            <a:off x="3213134" y="1350829"/>
-            <a:ext cx="2746263" cy="4882245"/>
-          </a:xfrm>
-          <a:prstGeom prst="rect">
-            <a:avLst/>
-          </a:prstGeom>
-        </p:spPr>
-      </p:pic>
       <p:sp>
         <p:nvSpPr>
           <p:cNvPr id="7" name="文字方塊 6"/>
@@ -15837,8 +16310,8 @@
         </p:nvSpPr>
         <p:spPr>
           <a:xfrm>
-            <a:off x="6514403" y="6298389"/>
-            <a:ext cx="2022009" cy="400110"/>
+            <a:off x="6333340" y="6298389"/>
+            <a:ext cx="2384136" cy="400110"/>
           </a:xfrm>
           <a:prstGeom prst="rect">
             <a:avLst/>
@@ -15854,9 +16327,85 @@
             <a:pPr algn="ctr"/>
             <a:r>
               <a:rPr lang="en-US" altLang="zh-TW" sz="2000" b="1" dirty="0" smtClean="0"/>
-              <a:t>Science Bulletin</a:t>
+              <a:t>Science Knowledge</a:t>
             </a:r>
             <a:endParaRPr lang="en-US" altLang="zh-TW" sz="2000" b="1" dirty="0" smtClean="0"/>
+          </a:p>
+        </p:txBody>
+      </p:sp>
+      <p:pic>
+        <p:nvPicPr>
+          <p:cNvPr id="10" name="圖片 9"/>
+          <p:cNvPicPr>
+            <a:picLocks noChangeAspect="1"/>
+          </p:cNvPicPr>
+          <p:nvPr/>
+        </p:nvPicPr>
+        <p:blipFill>
+          <a:blip r:embed="rId4" cstate="print">
+            <a:extLst>
+              <a:ext uri="{28A0092B-C50C-407E-A947-70E740481C1C}">
+                <a14:useLocalDpi xmlns:a14="http://schemas.microsoft.com/office/drawing/2010/main" val="0"/>
+              </a:ext>
+            </a:extLst>
+          </a:blip>
+          <a:stretch>
+            <a:fillRect/>
+          </a:stretch>
+        </p:blipFill>
+        <p:spPr>
+          <a:xfrm>
+            <a:off x="3213134" y="1350830"/>
+            <a:ext cx="2746262" cy="4882244"/>
+          </a:xfrm>
+          <a:prstGeom prst="rect">
+            <a:avLst/>
+          </a:prstGeom>
+        </p:spPr>
+      </p:pic>
+      <p:sp>
+        <p:nvSpPr>
+          <p:cNvPr id="11" name="矩形 10"/>
+          <p:cNvSpPr/>
+          <p:nvPr/>
+        </p:nvSpPr>
+        <p:spPr>
+          <a:xfrm>
+            <a:off x="3106650" y="4397829"/>
+            <a:ext cx="1595979" cy="290285"/>
+          </a:xfrm>
+          <a:prstGeom prst="rect">
+            <a:avLst/>
+          </a:prstGeom>
+          <a:noFill/>
+          <a:ln w="38100">
+            <a:solidFill>
+              <a:srgbClr val="FF0000"/>
+            </a:solidFill>
+          </a:ln>
+        </p:spPr>
+        <p:style>
+          <a:lnRef idx="2">
+            <a:schemeClr val="accent1">
+              <a:shade val="50000"/>
+            </a:schemeClr>
+          </a:lnRef>
+          <a:fillRef idx="1">
+            <a:schemeClr val="accent1"/>
+          </a:fillRef>
+          <a:effectRef idx="0">
+            <a:schemeClr val="accent1"/>
+          </a:effectRef>
+          <a:fontRef idx="minor">
+            <a:schemeClr val="lt1"/>
+          </a:fontRef>
+        </p:style>
+        <p:txBody>
+          <a:bodyPr rtlCol="0" anchor="ctr"/>
+          <a:lstStyle/>
+          <a:p>
+            <a:pPr algn="ctr"/>
+            <a:endParaRPr lang="zh-TW" altLang="en-US"/>
           </a:p>
         </p:txBody>
       </p:sp>
@@ -15992,7 +16541,7 @@
                                           </p:stCondLst>
                                         </p:cTn>
                                         <p:tgtEl>
-                                          <p:spTgt spid="6"/>
+                                          <p:spTgt spid="10"/>
                                         </p:tgtEl>
                                         <p:attrNameLst>
                                           <p:attrName>style.visibility</p:attrName>
@@ -16006,7 +16555,7 @@
                                       <p:cBhvr>
                                         <p:cTn id="15" dur="500"/>
                                         <p:tgtEl>
-                                          <p:spTgt spid="6"/>
+                                          <p:spTgt spid="10"/>
                                         </p:tgtEl>
                                       </p:cBhvr>
                                     </p:animEffect>
@@ -16048,6 +16597,41 @@
                                   </p:childTnLst>
                                 </p:cTn>
                               </p:par>
+                              <p:par>
+                                <p:cTn id="19" presetID="10" presetClass="entr" presetSubtype="0" fill="hold" grpId="0" nodeType="withEffect">
+                                  <p:stCondLst>
+                                    <p:cond delay="0"/>
+                                  </p:stCondLst>
+                                  <p:childTnLst>
+                                    <p:set>
+                                      <p:cBhvr>
+                                        <p:cTn id="20" dur="1" fill="hold">
+                                          <p:stCondLst>
+                                            <p:cond delay="0"/>
+                                          </p:stCondLst>
+                                        </p:cTn>
+                                        <p:tgtEl>
+                                          <p:spTgt spid="11"/>
+                                        </p:tgtEl>
+                                        <p:attrNameLst>
+                                          <p:attrName>style.visibility</p:attrName>
+                                        </p:attrNameLst>
+                                      </p:cBhvr>
+                                      <p:to>
+                                        <p:strVal val="visible"/>
+                                      </p:to>
+                                    </p:set>
+                                    <p:animEffect transition="in" filter="fade">
+                                      <p:cBhvr>
+                                        <p:cTn id="21" dur="500"/>
+                                        <p:tgtEl>
+                                          <p:spTgt spid="11"/>
+                                        </p:tgtEl>
+                                      </p:cBhvr>
+                                    </p:animEffect>
+                                  </p:childTnLst>
+                                </p:cTn>
+                              </p:par>
                             </p:childTnLst>
                           </p:cTn>
                         </p:par>
@@ -16055,26 +16639,26 @@
                     </p:cTn>
                   </p:par>
                   <p:par>
-                    <p:cTn id="19" fill="hold">
+                    <p:cTn id="22" fill="hold">
                       <p:stCondLst>
                         <p:cond delay="indefinite"/>
                       </p:stCondLst>
                       <p:childTnLst>
                         <p:par>
-                          <p:cTn id="20" fill="hold">
+                          <p:cTn id="23" fill="hold">
                             <p:stCondLst>
                               <p:cond delay="0"/>
                             </p:stCondLst>
                             <p:childTnLst>
                               <p:par>
-                                <p:cTn id="21" presetID="10" presetClass="entr" presetSubtype="0" fill="hold" nodeType="clickEffect">
+                                <p:cTn id="24" presetID="10" presetClass="entr" presetSubtype="0" fill="hold" nodeType="clickEffect">
                                   <p:stCondLst>
                                     <p:cond delay="0"/>
                                   </p:stCondLst>
                                   <p:childTnLst>
                                     <p:set>
                                       <p:cBhvr>
-                                        <p:cTn id="22" dur="1" fill="hold">
+                                        <p:cTn id="25" dur="1" fill="hold">
                                           <p:stCondLst>
                                             <p:cond delay="0"/>
                                           </p:stCondLst>
@@ -16092,7 +16676,7 @@
                                     </p:set>
                                     <p:animEffect transition="in" filter="fade">
                                       <p:cBhvr>
-                                        <p:cTn id="23" dur="500"/>
+                                        <p:cTn id="26" dur="500"/>
                                         <p:tgtEl>
                                           <p:spTgt spid="3"/>
                                         </p:tgtEl>
@@ -16102,14 +16686,14 @@
                                 </p:cTn>
                               </p:par>
                               <p:par>
-                                <p:cTn id="24" presetID="10" presetClass="entr" presetSubtype="0" fill="hold" grpId="0" nodeType="withEffect">
+                                <p:cTn id="27" presetID="10" presetClass="entr" presetSubtype="0" fill="hold" grpId="0" nodeType="withEffect">
                                   <p:stCondLst>
                                     <p:cond delay="0"/>
                                   </p:stCondLst>
                                   <p:childTnLst>
                                     <p:set>
                                       <p:cBhvr>
-                                        <p:cTn id="25" dur="1" fill="hold">
+                                        <p:cTn id="28" dur="1" fill="hold">
                                           <p:stCondLst>
                                             <p:cond delay="0"/>
                                           </p:stCondLst>
@@ -16127,7 +16711,7 @@
                                     </p:set>
                                     <p:animEffect transition="in" filter="fade">
                                       <p:cBhvr>
-                                        <p:cTn id="26" dur="500"/>
+                                        <p:cTn id="29" dur="500"/>
                                         <p:tgtEl>
                                           <p:spTgt spid="9"/>
                                         </p:tgtEl>
@@ -16167,6 +16751,7 @@
       <p:bldP spid="7" grpId="0"/>
       <p:bldP spid="8" grpId="0"/>
       <p:bldP spid="9" grpId="0"/>
+      <p:bldP spid="11" grpId="0" animBg="1"/>
     </p:bldLst>
   </p:timing>
 </p:sld>
@@ -16311,7 +16896,7 @@
         </p:nvSpPr>
         <p:spPr>
           <a:xfrm>
-            <a:off x="375432" y="280720"/>
+            <a:off x="375432" y="193382"/>
             <a:ext cx="7886700" cy="1325563"/>
           </a:xfrm>
           <a:prstGeom prst="rect">
@@ -16533,7 +17118,7 @@
                     </m:r>
                   </m:oMath>
                 </a14:m>
-                <a:endParaRPr lang="zh-TW" altLang="en-US" sz="2000" dirty="0"/>
+                <a:endParaRPr lang="en-US" altLang="zh-TW" sz="2000" dirty="0" smtClean="0"/>
               </a:p>
             </p:txBody>
           </p:sp>
@@ -16556,7 +17141,7 @@
                 <a:avLst/>
               </a:prstGeom>
               <a:blipFill>
-                <a:blip r:embed="rId2"/>
+                <a:blip r:embed="rId3"/>
                 <a:stretch>
                   <a:fillRect l="-2350" r="-3916" b="-5991"/>
                 </a:stretch>
@@ -16595,7 +17180,7 @@
         </p:xfrm>
         <a:graphic>
           <a:graphicData uri="http://schemas.openxmlformats.org/drawingml/2006/diagram">
-            <dgm:relIds xmlns:dgm="http://schemas.openxmlformats.org/drawingml/2006/diagram" xmlns:r="http://schemas.openxmlformats.org/officeDocument/2006/relationships" r:dm="rId3" r:lo="rId4" r:qs="rId5" r:cs="rId6"/>
+            <dgm:relIds xmlns:dgm="http://schemas.openxmlformats.org/drawingml/2006/diagram" xmlns:r="http://schemas.openxmlformats.org/officeDocument/2006/relationships" r:dm="rId4" r:lo="rId5" r:qs="rId6" r:cs="rId7"/>
           </a:graphicData>
         </a:graphic>
       </p:graphicFrame>
@@ -16609,8 +17194,8 @@
             </p:nvSpPr>
             <p:spPr>
               <a:xfrm>
-                <a:off x="3146954" y="2990364"/>
-                <a:ext cx="2343656" cy="707886"/>
+                <a:off x="2852974" y="2781262"/>
+                <a:ext cx="2343656" cy="1015663"/>
               </a:xfrm>
               <a:prstGeom prst="rect">
                 <a:avLst/>
@@ -16693,11 +17278,52 @@
                       <a:rPr lang="en-US" altLang="zh-TW" sz="2000" b="0" i="1" dirty="0" smtClean="0">
                         <a:latin typeface="Cambria Math" panose="02040503050406030204" pitchFamily="18" charset="0"/>
                       </a:rPr>
+                      <m:t>𝑀𝑂𝐷𝐼𝑆</m:t>
+                    </m:r>
+                    <m:r>
+                      <a:rPr lang="en-US" altLang="zh-TW" sz="2000" b="0" i="1" dirty="0" smtClean="0">
+                        <a:latin typeface="Cambria Math" panose="02040503050406030204" pitchFamily="18" charset="0"/>
+                      </a:rPr>
+                      <m:t> </m:t>
+                    </m:r>
+                    <m:r>
+                      <a:rPr lang="en-US" altLang="zh-TW" sz="2000" b="0" i="1" dirty="0" smtClean="0">
+                        <a:latin typeface="Cambria Math" panose="02040503050406030204" pitchFamily="18" charset="0"/>
+                      </a:rPr>
                       <m:t>𝐷𝐴𝑇𝐴</m:t>
                     </m:r>
                   </m:oMath>
                 </a14:m>
                 <a:endParaRPr lang="en-US" altLang="zh-TW" sz="2000" dirty="0" smtClean="0"/>
+              </a:p>
+              <a:p>
+                <a:pPr marL="285750" indent="-285750">
+                  <a:buFont typeface="Arial" panose="020B0604020202020204" pitchFamily="34" charset="0"/>
+                  <a:buChar char="•"/>
+                </a:pPr>
+                <a14:m>
+                  <m:oMath xmlns:m="http://schemas.openxmlformats.org/officeDocument/2006/math">
+                    <m:r>
+                      <a:rPr lang="en-US" altLang="zh-TW" sz="2000" i="1" dirty="0">
+                        <a:latin typeface="Cambria Math" panose="02040503050406030204" pitchFamily="18" charset="0"/>
+                      </a:rPr>
+                      <m:t>𝑊𝑜𝑟𝑙𝑑</m:t>
+                    </m:r>
+                    <m:r>
+                      <a:rPr lang="en-US" altLang="zh-TW" sz="2000" i="1" dirty="0">
+                        <a:latin typeface="Cambria Math" panose="02040503050406030204" pitchFamily="18" charset="0"/>
+                      </a:rPr>
+                      <m:t> </m:t>
+                    </m:r>
+                    <m:r>
+                      <a:rPr lang="en-US" altLang="zh-TW" sz="2000" i="1" dirty="0">
+                        <a:latin typeface="Cambria Math" panose="02040503050406030204" pitchFamily="18" charset="0"/>
+                      </a:rPr>
+                      <m:t>𝑇𝑖𝑑𝑒𝑠</m:t>
+                    </m:r>
+                  </m:oMath>
+                </a14:m>
+                <a:endParaRPr lang="zh-TW" altLang="en-US" sz="2000" dirty="0"/>
               </a:p>
             </p:txBody>
           </p:sp>
@@ -16713,16 +17339,16 @@
             </p:nvSpPr>
             <p:spPr>
               <a:xfrm>
-                <a:off x="3146954" y="2990364"/>
-                <a:ext cx="2343656" cy="707886"/>
+                <a:off x="2852974" y="2781262"/>
+                <a:ext cx="2343656" cy="1015663"/>
               </a:xfrm>
               <a:prstGeom prst="rect">
                 <a:avLst/>
               </a:prstGeom>
               <a:blipFill>
-                <a:blip r:embed="rId8"/>
+                <a:blip r:embed="rId9"/>
                 <a:stretch>
-                  <a:fillRect l="-2338" t="-3448" b="-11207"/>
+                  <a:fillRect l="-2344" t="-2395" r="-14323" b="-7784"/>
                 </a:stretch>
               </a:blipFill>
             </p:spPr>
@@ -16748,18 +17374,18 @@
           <p:nvPr>
             <p:extLst>
               <p:ext uri="{D42A27DB-BD31-4B8C-83A1-F6EECF244321}">
-                <p14:modId xmlns:p14="http://schemas.microsoft.com/office/powerpoint/2010/main" val="2733960855"/>
+                <p14:modId xmlns:p14="http://schemas.microsoft.com/office/powerpoint/2010/main" val="201160673"/>
               </p:ext>
             </p:extLst>
           </p:nvPr>
         </p:nvGraphicFramePr>
         <p:xfrm>
-          <a:off x="0" y="1199261"/>
+          <a:off x="0" y="1010578"/>
           <a:ext cx="8553158" cy="2124627"/>
         </p:xfrm>
         <a:graphic>
           <a:graphicData uri="http://schemas.openxmlformats.org/drawingml/2006/diagram">
-            <dgm:relIds xmlns:dgm="http://schemas.openxmlformats.org/drawingml/2006/diagram" xmlns:r="http://schemas.openxmlformats.org/officeDocument/2006/relationships" r:dm="rId9" r:lo="rId10" r:qs="rId11" r:cs="rId12"/>
+            <dgm:relIds xmlns:dgm="http://schemas.openxmlformats.org/drawingml/2006/diagram" xmlns:r="http://schemas.openxmlformats.org/officeDocument/2006/relationships" r:dm="rId10" r:lo="rId11" r:qs="rId12" r:cs="rId13"/>
           </a:graphicData>
         </a:graphic>
       </p:graphicFrame>
@@ -16773,7 +17399,7 @@
             </p:nvSpPr>
             <p:spPr>
               <a:xfrm>
-                <a:off x="5703066" y="2969945"/>
+                <a:off x="5703066" y="2781262"/>
                 <a:ext cx="2343656" cy="707886"/>
               </a:xfrm>
               <a:prstGeom prst="rect">
@@ -16846,14 +17472,14 @@
             </p:nvSpPr>
             <p:spPr>
               <a:xfrm>
-                <a:off x="5703066" y="2969945"/>
+                <a:off x="5703066" y="2781262"/>
                 <a:ext cx="2343656" cy="707886"/>
               </a:xfrm>
               <a:prstGeom prst="rect">
                 <a:avLst/>
               </a:prstGeom>
               <a:blipFill>
-                <a:blip r:embed="rId14"/>
+                <a:blip r:embed="rId15"/>
                 <a:stretch>
                   <a:fillRect l="-2344" t="-3448" b="-12069"/>
                 </a:stretch>
@@ -16884,7 +17510,7 @@
             </p:nvSpPr>
             <p:spPr>
               <a:xfrm>
-                <a:off x="114175" y="3029145"/>
+                <a:off x="2882" y="2781262"/>
                 <a:ext cx="2343656" cy="400110"/>
               </a:xfrm>
               <a:prstGeom prst="rect">
@@ -16940,16 +17566,16 @@
             </p:nvSpPr>
             <p:spPr>
               <a:xfrm>
-                <a:off x="114175" y="3029145"/>
+                <a:off x="2882" y="2781262"/>
                 <a:ext cx="2343656" cy="400110"/>
               </a:xfrm>
               <a:prstGeom prst="rect">
                 <a:avLst/>
               </a:prstGeom>
               <a:blipFill>
-                <a:blip r:embed="rId15"/>
+                <a:blip r:embed="rId16"/>
                 <a:stretch>
-                  <a:fillRect l="-2344" t="-6061" r="-6250" b="-19697"/>
+                  <a:fillRect l="-2338" t="-6061" r="-6234" b="-21212"/>
                 </a:stretch>
               </a:blipFill>
             </p:spPr>
@@ -16978,7 +17604,7 @@
             </p:nvSpPr>
             <p:spPr>
               <a:xfrm>
-                <a:off x="3359410" y="5126623"/>
+                <a:off x="3523821" y="5121522"/>
                 <a:ext cx="2343656" cy="1323439"/>
               </a:xfrm>
               <a:prstGeom prst="rect">
@@ -17099,16 +17725,16 @@
             </p:nvSpPr>
             <p:spPr>
               <a:xfrm>
-                <a:off x="3359410" y="5126623"/>
+                <a:off x="3523821" y="5121522"/>
                 <a:ext cx="2343656" cy="1323439"/>
               </a:xfrm>
               <a:prstGeom prst="rect">
                 <a:avLst/>
               </a:prstGeom>
               <a:blipFill>
-                <a:blip r:embed="rId16"/>
+                <a:blip r:embed="rId17"/>
                 <a:stretch>
-                  <a:fillRect l="-2338" t="-2765" b="-5530"/>
+                  <a:fillRect l="-2338" t="-2304" b="-5991"/>
                 </a:stretch>
               </a:blipFill>
             </p:spPr>
@@ -17283,22 +17909,10 @@
                       <m:t> </m:t>
                     </m:r>
                     <m:r>
-                      <a:rPr lang="en-US" altLang="zh-TW" sz="2000" i="1" dirty="0" smtClean="0">
+                      <a:rPr lang="en-US" altLang="zh-TW" sz="2000" b="0" i="1" dirty="0" smtClean="0">
                         <a:latin typeface="Cambria Math" panose="02040503050406030204" pitchFamily="18" charset="0"/>
                       </a:rPr>
-                      <m:t>𝑐h𝑎𝑛𝑔𝑒</m:t>
-                    </m:r>
-                    <m:r>
-                      <a:rPr lang="en-US" altLang="zh-TW" sz="2000" i="1" dirty="0" smtClean="0">
-                        <a:latin typeface="Cambria Math" panose="02040503050406030204" pitchFamily="18" charset="0"/>
-                      </a:rPr>
-                      <m:t> </m:t>
-                    </m:r>
-                    <m:r>
-                      <a:rPr lang="en-US" altLang="zh-TW" sz="2000" i="1" dirty="0" smtClean="0">
-                        <a:latin typeface="Cambria Math" panose="02040503050406030204" pitchFamily="18" charset="0"/>
-                      </a:rPr>
-                      <m:t>𝑎𝑙𝑒𝑟𝑡</m:t>
+                      <m:t>𝑤𝑎𝑟𝑛𝑖𝑛𝑔</m:t>
                     </m:r>
                   </m:oMath>
                 </a14:m>
@@ -17324,10 +17938,10 @@
                       <m:t> </m:t>
                     </m:r>
                     <m:r>
-                      <a:rPr lang="en-US" altLang="zh-TW" sz="2000" i="1" dirty="0" smtClean="0">
+                      <a:rPr lang="en-US" altLang="zh-TW" sz="2000" b="0" i="1" dirty="0" smtClean="0">
                         <a:latin typeface="Cambria Math" panose="02040503050406030204" pitchFamily="18" charset="0"/>
                       </a:rPr>
-                      <m:t>𝐵𝑢𝑙𝑙𝑒𝑡𝑖𝑛</m:t>
+                      <m:t>𝐾𝑛𝑜𝑤𝑙𝑒𝑑𝑔𝑒</m:t>
                     </m:r>
                   </m:oMath>
                 </a14:m>
@@ -17354,7 +17968,7 @@
                 <a:avLst/>
               </a:prstGeom>
               <a:blipFill>
-                <a:blip r:embed="rId17"/>
+                <a:blip r:embed="rId18"/>
                 <a:stretch>
                   <a:fillRect l="-1818" r="-2222" b="-4494"/>
                 </a:stretch>
